--- a/UI Development/HTML/Class 1/Class PPT.pptx
+++ b/UI Development/HTML/Class 1/Class PPT.pptx
@@ -1,11 +1,11 @@
 
 <file path=ppt/presentation.xml><?xml version="1.0" encoding="utf-8"?>
-<p:presentation xmlns:a="http://schemas.openxmlformats.org/drawingml/2006/main" xmlns:r="http://schemas.openxmlformats.org/officeDocument/2006/relationships" xmlns:p="http://schemas.openxmlformats.org/presentationml/2006/main" autoCompressPictures="0">
+<p:presentation xmlns:a="http://schemas.openxmlformats.org/drawingml/2006/main" xmlns:r="http://schemas.openxmlformats.org/officeDocument/2006/relationships" xmlns:p="http://schemas.openxmlformats.org/presentationml/2006/main" saveSubsetFonts="1">
   <p:sldMasterIdLst>
-    <p:sldMasterId id="2147483852" r:id="rId1"/>
+    <p:sldMasterId id="2147483660" r:id="rId1"/>
   </p:sldMasterIdLst>
   <p:sldIdLst>
-    <p:sldId id="256" r:id="rId2"/>
+    <p:sldId id="257" r:id="rId2"/>
     <p:sldId id="264" r:id="rId3"/>
     <p:sldId id="265" r:id="rId4"/>
     <p:sldId id="266" r:id="rId5"/>
@@ -116,11 +116,6 @@
       </a:defRPr>
     </a:lvl9pPr>
   </p:defaultTextStyle>
-  <p:extLst>
-    <p:ext uri="{EFAFB233-063F-42B5-8137-9DF3F51BA10A}">
-      <p15:sldGuideLst xmlns:p15="http://schemas.microsoft.com/office/powerpoint/2012/main"/>
-    </p:ext>
-  </p:extLst>
 </p:presentation>
 </file>
 
@@ -141,113 +136,561 @@
           <a:chExt cx="0" cy="0"/>
         </a:xfrm>
       </p:grpSpPr>
-      <p:sp>
-        <p:nvSpPr>
-          <p:cNvPr id="7" name="Rectangle 6"/>
-          <p:cNvSpPr/>
+      <p:grpSp>
+        <p:nvGrpSpPr>
+          <p:cNvPr id="7" name="Group 6"/>
+          <p:cNvGrpSpPr/>
           <p:nvPr/>
+        </p:nvGrpSpPr>
+        <p:grpSpPr>
+          <a:xfrm>
+            <a:off x="0" y="-8467"/>
+            <a:ext cx="12192000" cy="6866467"/>
+            <a:chOff x="0" y="-8467"/>
+            <a:chExt cx="12192000" cy="6866467"/>
+          </a:xfrm>
+        </p:grpSpPr>
+        <p:cxnSp>
+          <p:nvCxnSpPr>
+            <p:cNvPr id="32" name="Straight Connector 31"/>
+            <p:cNvCxnSpPr/>
+            <p:nvPr/>
+          </p:nvCxnSpPr>
+          <p:spPr>
+            <a:xfrm>
+              <a:off x="9371012" y="0"/>
+              <a:ext cx="1219200" cy="6858000"/>
+            </a:xfrm>
+            <a:prstGeom prst="line">
+              <a:avLst/>
+            </a:prstGeom>
+            <a:ln w="9525">
+              <a:solidFill>
+                <a:schemeClr val="bg1">
+                  <a:lumMod val="75000"/>
+                </a:schemeClr>
+              </a:solidFill>
+            </a:ln>
+          </p:spPr>
+          <p:style>
+            <a:lnRef idx="2">
+              <a:schemeClr val="accent1"/>
+            </a:lnRef>
+            <a:fillRef idx="0">
+              <a:schemeClr val="accent1"/>
+            </a:fillRef>
+            <a:effectRef idx="1">
+              <a:schemeClr val="accent1"/>
+            </a:effectRef>
+            <a:fontRef idx="minor">
+              <a:schemeClr val="tx1"/>
+            </a:fontRef>
+          </p:style>
+        </p:cxnSp>
+        <p:cxnSp>
+          <p:nvCxnSpPr>
+            <p:cNvPr id="21" name="Straight Connector 20"/>
+            <p:cNvCxnSpPr/>
+            <p:nvPr/>
+          </p:nvCxnSpPr>
+          <p:spPr>
+            <a:xfrm flipH="1">
+              <a:off x="7425267" y="3681413"/>
+              <a:ext cx="4763558" cy="3176587"/>
+            </a:xfrm>
+            <a:prstGeom prst="line">
+              <a:avLst/>
+            </a:prstGeom>
+            <a:ln w="9525">
+              <a:solidFill>
+                <a:schemeClr val="bg1">
+                  <a:lumMod val="85000"/>
+                </a:schemeClr>
+              </a:solidFill>
+            </a:ln>
+          </p:spPr>
+          <p:style>
+            <a:lnRef idx="2">
+              <a:schemeClr val="accent1"/>
+            </a:lnRef>
+            <a:fillRef idx="0">
+              <a:schemeClr val="accent1"/>
+            </a:fillRef>
+            <a:effectRef idx="1">
+              <a:schemeClr val="accent1"/>
+            </a:effectRef>
+            <a:fontRef idx="minor">
+              <a:schemeClr val="tx1"/>
+            </a:fontRef>
+          </p:style>
+        </p:cxnSp>
+        <p:sp>
+          <p:nvSpPr>
+            <p:cNvPr id="24" name="Rectangle 23"/>
+            <p:cNvSpPr/>
+            <p:nvPr/>
+          </p:nvSpPr>
+          <p:spPr>
+            <a:xfrm>
+              <a:off x="9181476" y="-8467"/>
+              <a:ext cx="3007349" cy="6866467"/>
+            </a:xfrm>
+            <a:custGeom>
+              <a:avLst/>
+              <a:gdLst/>
+              <a:ahLst/>
+              <a:cxnLst/>
+              <a:rect l="l" t="t" r="r" b="b"/>
+              <a:pathLst>
+                <a:path w="3007349" h="6866467">
+                  <a:moveTo>
+                    <a:pt x="2045532" y="0"/>
+                  </a:moveTo>
+                  <a:lnTo>
+                    <a:pt x="3007349" y="0"/>
+                  </a:lnTo>
+                  <a:lnTo>
+                    <a:pt x="3007349" y="6866467"/>
+                  </a:lnTo>
+                  <a:lnTo>
+                    <a:pt x="0" y="6866467"/>
+                  </a:lnTo>
+                  <a:lnTo>
+                    <a:pt x="2045532" y="0"/>
+                  </a:lnTo>
+                  <a:close/>
+                </a:path>
+              </a:pathLst>
+            </a:custGeom>
+            <a:solidFill>
+              <a:schemeClr val="accent1">
+                <a:alpha val="30000"/>
+              </a:schemeClr>
+            </a:solidFill>
+            <a:ln>
+              <a:noFill/>
+            </a:ln>
+            <a:effectLst/>
+          </p:spPr>
+          <p:style>
+            <a:lnRef idx="1">
+              <a:schemeClr val="accent1"/>
+            </a:lnRef>
+            <a:fillRef idx="3">
+              <a:schemeClr val="accent1"/>
+            </a:fillRef>
+            <a:effectRef idx="2">
+              <a:schemeClr val="accent1"/>
+            </a:effectRef>
+            <a:fontRef idx="minor">
+              <a:schemeClr val="lt1"/>
+            </a:fontRef>
+          </p:style>
+        </p:sp>
+        <p:sp>
+          <p:nvSpPr>
+            <p:cNvPr id="26" name="Rectangle 25"/>
+            <p:cNvSpPr/>
+            <p:nvPr/>
+          </p:nvSpPr>
+          <p:spPr>
+            <a:xfrm>
+              <a:off x="9603442" y="-8467"/>
+              <a:ext cx="2588558" cy="6866467"/>
+            </a:xfrm>
+            <a:custGeom>
+              <a:avLst/>
+              <a:gdLst/>
+              <a:ahLst/>
+              <a:cxnLst/>
+              <a:rect l="l" t="t" r="r" b="b"/>
+              <a:pathLst>
+                <a:path w="2573311" h="6866467">
+                  <a:moveTo>
+                    <a:pt x="0" y="0"/>
+                  </a:moveTo>
+                  <a:lnTo>
+                    <a:pt x="2573311" y="0"/>
+                  </a:lnTo>
+                  <a:lnTo>
+                    <a:pt x="2573311" y="6866467"/>
+                  </a:lnTo>
+                  <a:lnTo>
+                    <a:pt x="1202336" y="6866467"/>
+                  </a:lnTo>
+                  <a:lnTo>
+                    <a:pt x="0" y="0"/>
+                  </a:lnTo>
+                  <a:close/>
+                </a:path>
+              </a:pathLst>
+            </a:custGeom>
+            <a:solidFill>
+              <a:schemeClr val="accent1">
+                <a:alpha val="20000"/>
+              </a:schemeClr>
+            </a:solidFill>
+            <a:ln>
+              <a:noFill/>
+            </a:ln>
+            <a:effectLst/>
+          </p:spPr>
+          <p:style>
+            <a:lnRef idx="1">
+              <a:schemeClr val="accent1"/>
+            </a:lnRef>
+            <a:fillRef idx="3">
+              <a:schemeClr val="accent1"/>
+            </a:fillRef>
+            <a:effectRef idx="2">
+              <a:schemeClr val="accent1"/>
+            </a:effectRef>
+            <a:fontRef idx="minor">
+              <a:schemeClr val="lt1"/>
+            </a:fontRef>
+          </p:style>
+        </p:sp>
+        <p:sp>
+          <p:nvSpPr>
+            <p:cNvPr id="27" name="Isosceles Triangle 26"/>
+            <p:cNvSpPr/>
+            <p:nvPr/>
+          </p:nvSpPr>
+          <p:spPr>
+            <a:xfrm>
+              <a:off x="8932333" y="3048000"/>
+              <a:ext cx="3259667" cy="3810000"/>
+            </a:xfrm>
+            <a:prstGeom prst="triangle">
+              <a:avLst>
+                <a:gd name="adj" fmla="val 100000"/>
+              </a:avLst>
+            </a:prstGeom>
+            <a:solidFill>
+              <a:schemeClr val="accent2">
+                <a:alpha val="72000"/>
+              </a:schemeClr>
+            </a:solidFill>
+            <a:ln>
+              <a:noFill/>
+            </a:ln>
+            <a:effectLst/>
+          </p:spPr>
+          <p:style>
+            <a:lnRef idx="1">
+              <a:schemeClr val="accent1"/>
+            </a:lnRef>
+            <a:fillRef idx="3">
+              <a:schemeClr val="accent1"/>
+            </a:fillRef>
+            <a:effectRef idx="2">
+              <a:schemeClr val="accent1"/>
+            </a:effectRef>
+            <a:fontRef idx="minor">
+              <a:schemeClr val="lt1"/>
+            </a:fontRef>
+          </p:style>
+        </p:sp>
+        <p:sp>
+          <p:nvSpPr>
+            <p:cNvPr id="28" name="Rectangle 27"/>
+            <p:cNvSpPr/>
+            <p:nvPr/>
+          </p:nvSpPr>
+          <p:spPr>
+            <a:xfrm>
+              <a:off x="9334500" y="-8467"/>
+              <a:ext cx="2854326" cy="6866467"/>
+            </a:xfrm>
+            <a:custGeom>
+              <a:avLst/>
+              <a:gdLst/>
+              <a:ahLst/>
+              <a:cxnLst/>
+              <a:rect l="l" t="t" r="r" b="b"/>
+              <a:pathLst>
+                <a:path w="2858013" h="6866467">
+                  <a:moveTo>
+                    <a:pt x="0" y="0"/>
+                  </a:moveTo>
+                  <a:lnTo>
+                    <a:pt x="2858013" y="0"/>
+                  </a:lnTo>
+                  <a:lnTo>
+                    <a:pt x="2858013" y="6866467"/>
+                  </a:lnTo>
+                  <a:lnTo>
+                    <a:pt x="2473942" y="6866467"/>
+                  </a:lnTo>
+                  <a:lnTo>
+                    <a:pt x="0" y="0"/>
+                  </a:lnTo>
+                  <a:close/>
+                </a:path>
+              </a:pathLst>
+            </a:custGeom>
+            <a:solidFill>
+              <a:schemeClr val="accent2">
+                <a:lumMod val="75000"/>
+                <a:alpha val="70000"/>
+              </a:schemeClr>
+            </a:solidFill>
+            <a:ln>
+              <a:noFill/>
+            </a:ln>
+            <a:effectLst/>
+          </p:spPr>
+          <p:style>
+            <a:lnRef idx="1">
+              <a:schemeClr val="accent1"/>
+            </a:lnRef>
+            <a:fillRef idx="3">
+              <a:schemeClr val="accent1"/>
+            </a:fillRef>
+            <a:effectRef idx="2">
+              <a:schemeClr val="accent1"/>
+            </a:effectRef>
+            <a:fontRef idx="minor">
+              <a:schemeClr val="lt1"/>
+            </a:fontRef>
+          </p:style>
+        </p:sp>
+        <p:sp>
+          <p:nvSpPr>
+            <p:cNvPr id="29" name="Rectangle 28"/>
+            <p:cNvSpPr/>
+            <p:nvPr/>
+          </p:nvSpPr>
+          <p:spPr>
+            <a:xfrm>
+              <a:off x="10898730" y="-8467"/>
+              <a:ext cx="1290094" cy="6866467"/>
+            </a:xfrm>
+            <a:custGeom>
+              <a:avLst/>
+              <a:gdLst/>
+              <a:ahLst/>
+              <a:cxnLst/>
+              <a:rect l="l" t="t" r="r" b="b"/>
+              <a:pathLst>
+                <a:path w="1290094" h="6858000">
+                  <a:moveTo>
+                    <a:pt x="1019735" y="0"/>
+                  </a:moveTo>
+                  <a:lnTo>
+                    <a:pt x="1290094" y="0"/>
+                  </a:lnTo>
+                  <a:lnTo>
+                    <a:pt x="1290094" y="6858000"/>
+                  </a:lnTo>
+                  <a:lnTo>
+                    <a:pt x="0" y="6858000"/>
+                  </a:lnTo>
+                  <a:lnTo>
+                    <a:pt x="1019735" y="0"/>
+                  </a:lnTo>
+                  <a:close/>
+                </a:path>
+              </a:pathLst>
+            </a:custGeom>
+            <a:solidFill>
+              <a:schemeClr val="accent1">
+                <a:lumMod val="60000"/>
+                <a:lumOff val="40000"/>
+                <a:alpha val="70000"/>
+              </a:schemeClr>
+            </a:solidFill>
+            <a:ln>
+              <a:noFill/>
+            </a:ln>
+            <a:effectLst/>
+          </p:spPr>
+          <p:style>
+            <a:lnRef idx="1">
+              <a:schemeClr val="accent1"/>
+            </a:lnRef>
+            <a:fillRef idx="3">
+              <a:schemeClr val="accent1"/>
+            </a:fillRef>
+            <a:effectRef idx="2">
+              <a:schemeClr val="accent1"/>
+            </a:effectRef>
+            <a:fontRef idx="minor">
+              <a:schemeClr val="lt1"/>
+            </a:fontRef>
+          </p:style>
+        </p:sp>
+        <p:sp>
+          <p:nvSpPr>
+            <p:cNvPr id="30" name="Rectangle 29"/>
+            <p:cNvSpPr/>
+            <p:nvPr/>
+          </p:nvSpPr>
+          <p:spPr>
+            <a:xfrm>
+              <a:off x="10938999" y="-8467"/>
+              <a:ext cx="1249825" cy="6866467"/>
+            </a:xfrm>
+            <a:custGeom>
+              <a:avLst/>
+              <a:gdLst/>
+              <a:ahLst/>
+              <a:cxnLst/>
+              <a:rect l="l" t="t" r="r" b="b"/>
+              <a:pathLst>
+                <a:path w="1249825" h="6858000">
+                  <a:moveTo>
+                    <a:pt x="0" y="0"/>
+                  </a:moveTo>
+                  <a:lnTo>
+                    <a:pt x="1249825" y="0"/>
+                  </a:lnTo>
+                  <a:lnTo>
+                    <a:pt x="1249825" y="6858000"/>
+                  </a:lnTo>
+                  <a:lnTo>
+                    <a:pt x="1109382" y="6858000"/>
+                  </a:lnTo>
+                  <a:lnTo>
+                    <a:pt x="0" y="0"/>
+                  </a:lnTo>
+                  <a:close/>
+                </a:path>
+              </a:pathLst>
+            </a:custGeom>
+            <a:solidFill>
+              <a:schemeClr val="accent1">
+                <a:alpha val="65000"/>
+              </a:schemeClr>
+            </a:solidFill>
+            <a:ln>
+              <a:noFill/>
+            </a:ln>
+            <a:effectLst/>
+          </p:spPr>
+          <p:style>
+            <a:lnRef idx="1">
+              <a:schemeClr val="accent1"/>
+            </a:lnRef>
+            <a:fillRef idx="3">
+              <a:schemeClr val="accent1"/>
+            </a:fillRef>
+            <a:effectRef idx="2">
+              <a:schemeClr val="accent1"/>
+            </a:effectRef>
+            <a:fontRef idx="minor">
+              <a:schemeClr val="lt1"/>
+            </a:fontRef>
+          </p:style>
+        </p:sp>
+        <p:sp>
+          <p:nvSpPr>
+            <p:cNvPr id="31" name="Isosceles Triangle 30"/>
+            <p:cNvSpPr/>
+            <p:nvPr/>
+          </p:nvSpPr>
+          <p:spPr>
+            <a:xfrm>
+              <a:off x="10371666" y="3589867"/>
+              <a:ext cx="1817159" cy="3268133"/>
+            </a:xfrm>
+            <a:prstGeom prst="triangle">
+              <a:avLst>
+                <a:gd name="adj" fmla="val 100000"/>
+              </a:avLst>
+            </a:prstGeom>
+            <a:solidFill>
+              <a:schemeClr val="accent1">
+                <a:alpha val="80000"/>
+              </a:schemeClr>
+            </a:solidFill>
+            <a:ln>
+              <a:noFill/>
+            </a:ln>
+            <a:effectLst/>
+          </p:spPr>
+          <p:style>
+            <a:lnRef idx="1">
+              <a:schemeClr val="accent1"/>
+            </a:lnRef>
+            <a:fillRef idx="3">
+              <a:schemeClr val="accent1"/>
+            </a:fillRef>
+            <a:effectRef idx="2">
+              <a:schemeClr val="accent1"/>
+            </a:effectRef>
+            <a:fontRef idx="minor">
+              <a:schemeClr val="lt1"/>
+            </a:fontRef>
+          </p:style>
+        </p:sp>
+        <p:sp>
+          <p:nvSpPr>
+            <p:cNvPr id="19" name="Isosceles Triangle 18"/>
+            <p:cNvSpPr/>
+            <p:nvPr/>
+          </p:nvSpPr>
+          <p:spPr>
+            <a:xfrm rot="10800000">
+              <a:off x="0" y="0"/>
+              <a:ext cx="842596" cy="5666154"/>
+            </a:xfrm>
+            <a:prstGeom prst="triangle">
+              <a:avLst>
+                <a:gd name="adj" fmla="val 100000"/>
+              </a:avLst>
+            </a:prstGeom>
+            <a:solidFill>
+              <a:schemeClr val="accent1">
+                <a:alpha val="85000"/>
+              </a:schemeClr>
+            </a:solidFill>
+            <a:ln>
+              <a:noFill/>
+            </a:ln>
+            <a:effectLst/>
+          </p:spPr>
+          <p:style>
+            <a:lnRef idx="1">
+              <a:schemeClr val="accent1"/>
+            </a:lnRef>
+            <a:fillRef idx="3">
+              <a:schemeClr val="accent1"/>
+            </a:fillRef>
+            <a:effectRef idx="2">
+              <a:schemeClr val="accent1"/>
+            </a:effectRef>
+            <a:fontRef idx="minor">
+              <a:schemeClr val="lt1"/>
+            </a:fontRef>
+          </p:style>
+        </p:sp>
+      </p:grpSp>
+      <p:sp>
+        <p:nvSpPr>
+          <p:cNvPr id="2" name="Title 1"/>
+          <p:cNvSpPr>
+            <a:spLocks noGrp="1"/>
+          </p:cNvSpPr>
+          <p:nvPr>
+            <p:ph type="ctrTitle"/>
+          </p:nvPr>
         </p:nvSpPr>
         <p:spPr>
           <a:xfrm>
-            <a:off x="3175" y="6400800"/>
-            <a:ext cx="12188825" cy="457200"/>
-          </a:xfrm>
-          <a:prstGeom prst="rect">
-            <a:avLst/>
-          </a:prstGeom>
-          <a:solidFill>
-            <a:schemeClr val="accent2"/>
-          </a:solidFill>
-          <a:ln>
-            <a:noFill/>
-          </a:ln>
-        </p:spPr>
-        <p:style>
-          <a:lnRef idx="2">
-            <a:schemeClr val="accent1">
-              <a:shade val="50000"/>
-            </a:schemeClr>
-          </a:lnRef>
-          <a:fillRef idx="1">
-            <a:schemeClr val="accent1"/>
-          </a:fillRef>
-          <a:effectRef idx="0">
-            <a:schemeClr val="accent1"/>
-          </a:effectRef>
-          <a:fontRef idx="minor">
-            <a:schemeClr val="lt1"/>
-          </a:fontRef>
-        </p:style>
-      </p:sp>
-      <p:sp>
-        <p:nvSpPr>
-          <p:cNvPr id="8" name="Rectangle 7"/>
-          <p:cNvSpPr/>
-          <p:nvPr/>
-        </p:nvSpPr>
-        <p:spPr>
-          <a:xfrm>
-            <a:off x="15" y="6334316"/>
-            <a:ext cx="12188825" cy="64008"/>
-          </a:xfrm>
-          <a:prstGeom prst="rect">
-            <a:avLst/>
-          </a:prstGeom>
-          <a:solidFill>
-            <a:schemeClr val="accent1"/>
-          </a:solidFill>
-          <a:ln>
-            <a:noFill/>
-          </a:ln>
-        </p:spPr>
-        <p:style>
-          <a:lnRef idx="2">
-            <a:schemeClr val="accent1">
-              <a:shade val="50000"/>
-            </a:schemeClr>
-          </a:lnRef>
-          <a:fillRef idx="1">
-            <a:schemeClr val="accent1"/>
-          </a:fillRef>
-          <a:effectRef idx="0">
-            <a:schemeClr val="accent1"/>
-          </a:effectRef>
-          <a:fontRef idx="minor">
-            <a:schemeClr val="lt1"/>
-          </a:fontRef>
-        </p:style>
-      </p:sp>
-      <p:sp>
-        <p:nvSpPr>
-          <p:cNvPr id="2" name="Title 1"/>
-          <p:cNvSpPr>
-            <a:spLocks noGrp="1"/>
-          </p:cNvSpPr>
-          <p:nvPr>
-            <p:ph type="ctrTitle"/>
-          </p:nvPr>
-        </p:nvSpPr>
-        <p:spPr>
-          <a:xfrm>
-            <a:off x="1097280" y="758952"/>
-            <a:ext cx="10058400" cy="3566160"/>
+            <a:off x="1507067" y="2404534"/>
+            <a:ext cx="7766936" cy="1646302"/>
           </a:xfrm>
         </p:spPr>
         <p:txBody>
           <a:bodyPr anchor="b">
-            <a:normAutofit/>
+            <a:noAutofit/>
           </a:bodyPr>
           <a:lstStyle>
-            <a:lvl1pPr algn="l">
-              <a:lnSpc>
-                <a:spcPct val="85000"/>
-              </a:lnSpc>
-              <a:defRPr sz="8000" spc="-50" baseline="0">
-                <a:solidFill>
-                  <a:schemeClr val="tx1">
-                    <a:lumMod val="85000"/>
-                    <a:lumOff val="15000"/>
-                  </a:schemeClr>
+            <a:lvl1pPr algn="r">
+              <a:defRPr sz="5400">
+                <a:solidFill>
+                  <a:schemeClr val="accent1"/>
                 </a:solidFill>
               </a:defRPr>
             </a:lvl1pPr>
@@ -273,55 +716,103 @@
         </p:nvSpPr>
         <p:spPr>
           <a:xfrm>
-            <a:off x="1100051" y="4455620"/>
-            <a:ext cx="10058400" cy="1143000"/>
+            <a:off x="1507067" y="4050833"/>
+            <a:ext cx="7766936" cy="1096899"/>
           </a:xfrm>
         </p:spPr>
         <p:txBody>
-          <a:bodyPr lIns="91440" rIns="91440">
-            <a:normAutofit/>
-          </a:bodyPr>
+          <a:bodyPr anchor="t"/>
           <a:lstStyle>
-            <a:lvl1pPr marL="0" indent="0" algn="l">
-              <a:buNone/>
-              <a:defRPr sz="2400" cap="all" spc="200" baseline="0">
-                <a:solidFill>
-                  <a:schemeClr val="tx2"/>
-                </a:solidFill>
-                <a:latin typeface="+mj-lt"/>
+            <a:lvl1pPr marL="0" indent="0" algn="r">
+              <a:buNone/>
+              <a:defRPr>
+                <a:solidFill>
+                  <a:schemeClr val="tx1">
+                    <a:lumMod val="50000"/>
+                    <a:lumOff val="50000"/>
+                  </a:schemeClr>
+                </a:solidFill>
               </a:defRPr>
             </a:lvl1pPr>
             <a:lvl2pPr marL="457200" indent="0" algn="ctr">
               <a:buNone/>
-              <a:defRPr sz="2400"/>
+              <a:defRPr>
+                <a:solidFill>
+                  <a:schemeClr val="tx1">
+                    <a:tint val="75000"/>
+                  </a:schemeClr>
+                </a:solidFill>
+              </a:defRPr>
             </a:lvl2pPr>
             <a:lvl3pPr marL="914400" indent="0" algn="ctr">
               <a:buNone/>
-              <a:defRPr sz="2400"/>
+              <a:defRPr>
+                <a:solidFill>
+                  <a:schemeClr val="tx1">
+                    <a:tint val="75000"/>
+                  </a:schemeClr>
+                </a:solidFill>
+              </a:defRPr>
             </a:lvl3pPr>
             <a:lvl4pPr marL="1371600" indent="0" algn="ctr">
               <a:buNone/>
-              <a:defRPr sz="2000"/>
+              <a:defRPr>
+                <a:solidFill>
+                  <a:schemeClr val="tx1">
+                    <a:tint val="75000"/>
+                  </a:schemeClr>
+                </a:solidFill>
+              </a:defRPr>
             </a:lvl4pPr>
             <a:lvl5pPr marL="1828800" indent="0" algn="ctr">
               <a:buNone/>
-              <a:defRPr sz="2000"/>
+              <a:defRPr>
+                <a:solidFill>
+                  <a:schemeClr val="tx1">
+                    <a:tint val="75000"/>
+                  </a:schemeClr>
+                </a:solidFill>
+              </a:defRPr>
             </a:lvl5pPr>
             <a:lvl6pPr marL="2286000" indent="0" algn="ctr">
               <a:buNone/>
-              <a:defRPr sz="2000"/>
+              <a:defRPr>
+                <a:solidFill>
+                  <a:schemeClr val="tx1">
+                    <a:tint val="75000"/>
+                  </a:schemeClr>
+                </a:solidFill>
+              </a:defRPr>
             </a:lvl6pPr>
             <a:lvl7pPr marL="2743200" indent="0" algn="ctr">
               <a:buNone/>
-              <a:defRPr sz="2000"/>
+              <a:defRPr>
+                <a:solidFill>
+                  <a:schemeClr val="tx1">
+                    <a:tint val="75000"/>
+                  </a:schemeClr>
+                </a:solidFill>
+              </a:defRPr>
             </a:lvl7pPr>
             <a:lvl8pPr marL="3200400" indent="0" algn="ctr">
               <a:buNone/>
-              <a:defRPr sz="2000"/>
+              <a:defRPr>
+                <a:solidFill>
+                  <a:schemeClr val="tx1">
+                    <a:tint val="75000"/>
+                  </a:schemeClr>
+                </a:solidFill>
+              </a:defRPr>
             </a:lvl8pPr>
             <a:lvl9pPr marL="3657600" indent="0" algn="ctr">
               <a:buNone/>
-              <a:defRPr sz="2000"/>
+              <a:defRPr>
+                <a:solidFill>
+                  <a:schemeClr val="tx1">
+                    <a:tint val="75000"/>
+                  </a:schemeClr>
+                </a:solidFill>
+              </a:defRPr>
             </a:lvl9pPr>
           </a:lstStyle>
           <a:p>
@@ -348,11 +839,11 @@
           <a:bodyPr/>
           <a:lstStyle/>
           <a:p>
-            <a:fld id="{83448B07-2C06-4CF2-8E91-F7385E71E2CB}" type="datetimeFigureOut">
+            <a:fld id="{7E193D74-4375-40CD-A476-45AA72EFCA66}" type="datetimeFigureOut">
               <a:rPr lang="en-US" smtClean="0"/>
-              <a:t>7/4/2018</a:t>
+              <a:t>7/5/2018</a:t>
             </a:fld>
-            <a:endParaRPr lang="en-US" dirty="0"/>
+            <a:endParaRPr lang="en-US"/>
           </a:p>
         </p:txBody>
       </p:sp>
@@ -371,7 +862,7 @@
           <a:bodyPr/>
           <a:lstStyle/>
           <a:p>
-            <a:endParaRPr lang="en-US" dirty="0"/>
+            <a:endParaRPr lang="en-US"/>
           </a:p>
         </p:txBody>
       </p:sp>
@@ -390,57 +881,18 @@
           <a:bodyPr/>
           <a:lstStyle/>
           <a:p>
-            <a:fld id="{4FAB73BC-B049-4115-A692-8D63A059BFB8}" type="slidenum">
+            <a:fld id="{0CFF6D7B-4C71-4C8D-9626-5703274B28E6}" type="slidenum">
               <a:rPr lang="en-US" smtClean="0"/>
-              <a:pPr/>
               <a:t>‹#›</a:t>
             </a:fld>
-            <a:endParaRPr lang="en-US" dirty="0"/>
-          </a:p>
-        </p:txBody>
-      </p:sp>
-      <p:cxnSp>
-        <p:nvCxnSpPr>
-          <p:cNvPr id="9" name="Straight Connector 8"/>
-          <p:cNvCxnSpPr/>
-          <p:nvPr/>
-        </p:nvCxnSpPr>
-        <p:spPr>
-          <a:xfrm>
-            <a:off x="1207658" y="4343400"/>
-            <a:ext cx="9875520" cy="0"/>
-          </a:xfrm>
-          <a:prstGeom prst="line">
-            <a:avLst/>
-          </a:prstGeom>
-          <a:ln w="6350">
-            <a:solidFill>
-              <a:schemeClr val="tx1">
-                <a:lumMod val="50000"/>
-                <a:lumOff val="50000"/>
-              </a:schemeClr>
-            </a:solidFill>
-          </a:ln>
-        </p:spPr>
-        <p:style>
-          <a:lnRef idx="1">
-            <a:schemeClr val="accent1"/>
-          </a:lnRef>
-          <a:fillRef idx="0">
-            <a:schemeClr val="accent1"/>
-          </a:fillRef>
-          <a:effectRef idx="0">
-            <a:schemeClr val="accent1"/>
-          </a:effectRef>
-          <a:fontRef idx="minor">
-            <a:schemeClr val="tx1"/>
-          </a:fontRef>
-        </p:style>
-      </p:cxnSp>
+            <a:endParaRPr lang="en-US"/>
+          </a:p>
+        </p:txBody>
+      </p:sp>
     </p:spTree>
     <p:extLst>
       <p:ext uri="{BB962C8B-B14F-4D97-AF65-F5344CB8AC3E}">
-        <p14:creationId xmlns:p14="http://schemas.microsoft.com/office/powerpoint/2010/main" val="1081603161"/>
+        <p14:creationId xmlns:p14="http://schemas.microsoft.com/office/powerpoint/2010/main" val="2246072112"/>
       </p:ext>
     </p:extLst>
   </p:cSld>
@@ -451,6 +903,1619 @@
 </file>
 
 <file path=ppt/slideLayouts/slideLayout10.xml><?xml version="1.0" encoding="utf-8"?>
+<p:sldLayout xmlns:a="http://schemas.openxmlformats.org/drawingml/2006/main" xmlns:r="http://schemas.openxmlformats.org/officeDocument/2006/relationships" xmlns:p="http://schemas.openxmlformats.org/presentationml/2006/main" preserve="1">
+  <p:cSld name="Title and Caption">
+    <p:spTree>
+      <p:nvGrpSpPr>
+        <p:cNvPr id="1" name=""/>
+        <p:cNvGrpSpPr/>
+        <p:nvPr/>
+      </p:nvGrpSpPr>
+      <p:grpSpPr>
+        <a:xfrm>
+          <a:off x="0" y="0"/>
+          <a:ext cx="0" cy="0"/>
+          <a:chOff x="0" y="0"/>
+          <a:chExt cx="0" cy="0"/>
+        </a:xfrm>
+      </p:grpSpPr>
+      <p:sp>
+        <p:nvSpPr>
+          <p:cNvPr id="2" name="Title 1"/>
+          <p:cNvSpPr>
+            <a:spLocks noGrp="1"/>
+          </p:cNvSpPr>
+          <p:nvPr>
+            <p:ph type="title"/>
+          </p:nvPr>
+        </p:nvSpPr>
+        <p:spPr>
+          <a:xfrm>
+            <a:off x="677335" y="609600"/>
+            <a:ext cx="8596668" cy="3403600"/>
+          </a:xfrm>
+        </p:spPr>
+        <p:txBody>
+          <a:bodyPr anchor="ctr">
+            <a:normAutofit/>
+          </a:bodyPr>
+          <a:lstStyle>
+            <a:lvl1pPr algn="l">
+              <a:defRPr sz="4400" b="0" cap="none"/>
+            </a:lvl1pPr>
+          </a:lstStyle>
+          <a:p>
+            <a:r>
+              <a:rPr lang="en-US"/>
+              <a:t>Click to edit Master title style</a:t>
+            </a:r>
+            <a:endParaRPr lang="en-US" dirty="0"/>
+          </a:p>
+        </p:txBody>
+      </p:sp>
+      <p:sp>
+        <p:nvSpPr>
+          <p:cNvPr id="3" name="Text Placeholder 2"/>
+          <p:cNvSpPr>
+            <a:spLocks noGrp="1"/>
+          </p:cNvSpPr>
+          <p:nvPr>
+            <p:ph type="body" idx="1"/>
+          </p:nvPr>
+        </p:nvSpPr>
+        <p:spPr>
+          <a:xfrm>
+            <a:off x="677335" y="4470400"/>
+            <a:ext cx="8596668" cy="1570962"/>
+          </a:xfrm>
+        </p:spPr>
+        <p:txBody>
+          <a:bodyPr anchor="ctr">
+            <a:normAutofit/>
+          </a:bodyPr>
+          <a:lstStyle>
+            <a:lvl1pPr marL="0" indent="0" algn="l">
+              <a:buNone/>
+              <a:defRPr sz="1800">
+                <a:solidFill>
+                  <a:schemeClr val="tx1">
+                    <a:lumMod val="75000"/>
+                    <a:lumOff val="25000"/>
+                  </a:schemeClr>
+                </a:solidFill>
+              </a:defRPr>
+            </a:lvl1pPr>
+            <a:lvl2pPr marL="457200" indent="0">
+              <a:buNone/>
+              <a:defRPr sz="1800">
+                <a:solidFill>
+                  <a:schemeClr val="tx1">
+                    <a:tint val="75000"/>
+                  </a:schemeClr>
+                </a:solidFill>
+              </a:defRPr>
+            </a:lvl2pPr>
+            <a:lvl3pPr marL="914400" indent="0">
+              <a:buNone/>
+              <a:defRPr sz="1600">
+                <a:solidFill>
+                  <a:schemeClr val="tx1">
+                    <a:tint val="75000"/>
+                  </a:schemeClr>
+                </a:solidFill>
+              </a:defRPr>
+            </a:lvl3pPr>
+            <a:lvl4pPr marL="1371600" indent="0">
+              <a:buNone/>
+              <a:defRPr sz="1400">
+                <a:solidFill>
+                  <a:schemeClr val="tx1">
+                    <a:tint val="75000"/>
+                  </a:schemeClr>
+                </a:solidFill>
+              </a:defRPr>
+            </a:lvl4pPr>
+            <a:lvl5pPr marL="1828800" indent="0">
+              <a:buNone/>
+              <a:defRPr sz="1400">
+                <a:solidFill>
+                  <a:schemeClr val="tx1">
+                    <a:tint val="75000"/>
+                  </a:schemeClr>
+                </a:solidFill>
+              </a:defRPr>
+            </a:lvl5pPr>
+            <a:lvl6pPr marL="2286000" indent="0">
+              <a:buNone/>
+              <a:defRPr sz="1400">
+                <a:solidFill>
+                  <a:schemeClr val="tx1">
+                    <a:tint val="75000"/>
+                  </a:schemeClr>
+                </a:solidFill>
+              </a:defRPr>
+            </a:lvl6pPr>
+            <a:lvl7pPr marL="2743200" indent="0">
+              <a:buNone/>
+              <a:defRPr sz="1400">
+                <a:solidFill>
+                  <a:schemeClr val="tx1">
+                    <a:tint val="75000"/>
+                  </a:schemeClr>
+                </a:solidFill>
+              </a:defRPr>
+            </a:lvl7pPr>
+            <a:lvl8pPr marL="3200400" indent="0">
+              <a:buNone/>
+              <a:defRPr sz="1400">
+                <a:solidFill>
+                  <a:schemeClr val="tx1">
+                    <a:tint val="75000"/>
+                  </a:schemeClr>
+                </a:solidFill>
+              </a:defRPr>
+            </a:lvl8pPr>
+            <a:lvl9pPr marL="3657600" indent="0">
+              <a:buNone/>
+              <a:defRPr sz="1400">
+                <a:solidFill>
+                  <a:schemeClr val="tx1">
+                    <a:tint val="75000"/>
+                  </a:schemeClr>
+                </a:solidFill>
+              </a:defRPr>
+            </a:lvl9pPr>
+          </a:lstStyle>
+          <a:p>
+            <a:pPr lvl="0"/>
+            <a:r>
+              <a:rPr lang="en-US"/>
+              <a:t>Edit Master text styles</a:t>
+            </a:r>
+          </a:p>
+        </p:txBody>
+      </p:sp>
+      <p:sp>
+        <p:nvSpPr>
+          <p:cNvPr id="4" name="Date Placeholder 3"/>
+          <p:cNvSpPr>
+            <a:spLocks noGrp="1"/>
+          </p:cNvSpPr>
+          <p:nvPr>
+            <p:ph type="dt" sz="half" idx="10"/>
+          </p:nvPr>
+        </p:nvSpPr>
+        <p:spPr/>
+        <p:txBody>
+          <a:bodyPr/>
+          <a:lstStyle/>
+          <a:p>
+            <a:fld id="{7E193D74-4375-40CD-A476-45AA72EFCA66}" type="datetimeFigureOut">
+              <a:rPr lang="en-US" smtClean="0"/>
+              <a:t>7/5/2018</a:t>
+            </a:fld>
+            <a:endParaRPr lang="en-US"/>
+          </a:p>
+        </p:txBody>
+      </p:sp>
+      <p:sp>
+        <p:nvSpPr>
+          <p:cNvPr id="5" name="Footer Placeholder 4"/>
+          <p:cNvSpPr>
+            <a:spLocks noGrp="1"/>
+          </p:cNvSpPr>
+          <p:nvPr>
+            <p:ph type="ftr" sz="quarter" idx="11"/>
+          </p:nvPr>
+        </p:nvSpPr>
+        <p:spPr/>
+        <p:txBody>
+          <a:bodyPr/>
+          <a:lstStyle/>
+          <a:p>
+            <a:endParaRPr lang="en-US"/>
+          </a:p>
+        </p:txBody>
+      </p:sp>
+      <p:sp>
+        <p:nvSpPr>
+          <p:cNvPr id="6" name="Slide Number Placeholder 5"/>
+          <p:cNvSpPr>
+            <a:spLocks noGrp="1"/>
+          </p:cNvSpPr>
+          <p:nvPr>
+            <p:ph type="sldNum" sz="quarter" idx="12"/>
+          </p:nvPr>
+        </p:nvSpPr>
+        <p:spPr/>
+        <p:txBody>
+          <a:bodyPr/>
+          <a:lstStyle/>
+          <a:p>
+            <a:fld id="{0CFF6D7B-4C71-4C8D-9626-5703274B28E6}" type="slidenum">
+              <a:rPr lang="en-US" smtClean="0"/>
+              <a:t>‹#›</a:t>
+            </a:fld>
+            <a:endParaRPr lang="en-US"/>
+          </a:p>
+        </p:txBody>
+      </p:sp>
+    </p:spTree>
+    <p:extLst>
+      <p:ext uri="{BB962C8B-B14F-4D97-AF65-F5344CB8AC3E}">
+        <p14:creationId xmlns:p14="http://schemas.microsoft.com/office/powerpoint/2010/main" val="3908786703"/>
+      </p:ext>
+    </p:extLst>
+  </p:cSld>
+  <p:clrMapOvr>
+    <a:masterClrMapping/>
+  </p:clrMapOvr>
+</p:sldLayout>
+</file>
+
+<file path=ppt/slideLayouts/slideLayout11.xml><?xml version="1.0" encoding="utf-8"?>
+<p:sldLayout xmlns:a="http://schemas.openxmlformats.org/drawingml/2006/main" xmlns:r="http://schemas.openxmlformats.org/officeDocument/2006/relationships" xmlns:p="http://schemas.openxmlformats.org/presentationml/2006/main" preserve="1">
+  <p:cSld name="Quote with Caption">
+    <p:spTree>
+      <p:nvGrpSpPr>
+        <p:cNvPr id="1" name=""/>
+        <p:cNvGrpSpPr/>
+        <p:nvPr/>
+      </p:nvGrpSpPr>
+      <p:grpSpPr>
+        <a:xfrm>
+          <a:off x="0" y="0"/>
+          <a:ext cx="0" cy="0"/>
+          <a:chOff x="0" y="0"/>
+          <a:chExt cx="0" cy="0"/>
+        </a:xfrm>
+      </p:grpSpPr>
+      <p:sp>
+        <p:nvSpPr>
+          <p:cNvPr id="2" name="Title 1"/>
+          <p:cNvSpPr>
+            <a:spLocks noGrp="1"/>
+          </p:cNvSpPr>
+          <p:nvPr>
+            <p:ph type="title"/>
+          </p:nvPr>
+        </p:nvSpPr>
+        <p:spPr>
+          <a:xfrm>
+            <a:off x="931334" y="609600"/>
+            <a:ext cx="8094134" cy="3022600"/>
+          </a:xfrm>
+        </p:spPr>
+        <p:txBody>
+          <a:bodyPr anchor="ctr">
+            <a:normAutofit/>
+          </a:bodyPr>
+          <a:lstStyle>
+            <a:lvl1pPr algn="l">
+              <a:defRPr sz="4400" b="0" cap="none"/>
+            </a:lvl1pPr>
+          </a:lstStyle>
+          <a:p>
+            <a:r>
+              <a:rPr lang="en-US"/>
+              <a:t>Click to edit Master title style</a:t>
+            </a:r>
+            <a:endParaRPr lang="en-US" dirty="0"/>
+          </a:p>
+        </p:txBody>
+      </p:sp>
+      <p:sp>
+        <p:nvSpPr>
+          <p:cNvPr id="23" name="Text Placeholder 9"/>
+          <p:cNvSpPr>
+            <a:spLocks noGrp="1"/>
+          </p:cNvSpPr>
+          <p:nvPr>
+            <p:ph type="body" sz="quarter" idx="13"/>
+          </p:nvPr>
+        </p:nvSpPr>
+        <p:spPr>
+          <a:xfrm>
+            <a:off x="1366139" y="3632200"/>
+            <a:ext cx="7224524" cy="381000"/>
+          </a:xfrm>
+        </p:spPr>
+        <p:txBody>
+          <a:bodyPr anchor="ctr">
+            <a:noAutofit/>
+          </a:bodyPr>
+          <a:lstStyle>
+            <a:lvl1pPr marL="0" indent="0">
+              <a:buFontTx/>
+              <a:buNone/>
+              <a:defRPr sz="1600">
+                <a:solidFill>
+                  <a:schemeClr val="tx1">
+                    <a:lumMod val="50000"/>
+                    <a:lumOff val="50000"/>
+                  </a:schemeClr>
+                </a:solidFill>
+              </a:defRPr>
+            </a:lvl1pPr>
+            <a:lvl2pPr marL="457200" indent="0">
+              <a:buFontTx/>
+              <a:buNone/>
+              <a:defRPr/>
+            </a:lvl2pPr>
+            <a:lvl3pPr marL="914400" indent="0">
+              <a:buFontTx/>
+              <a:buNone/>
+              <a:defRPr/>
+            </a:lvl3pPr>
+            <a:lvl4pPr marL="1371600" indent="0">
+              <a:buFontTx/>
+              <a:buNone/>
+              <a:defRPr/>
+            </a:lvl4pPr>
+            <a:lvl5pPr marL="1828800" indent="0">
+              <a:buFontTx/>
+              <a:buNone/>
+              <a:defRPr/>
+            </a:lvl5pPr>
+          </a:lstStyle>
+          <a:p>
+            <a:pPr lvl="0"/>
+            <a:r>
+              <a:rPr lang="en-US"/>
+              <a:t>Edit Master text styles</a:t>
+            </a:r>
+          </a:p>
+        </p:txBody>
+      </p:sp>
+      <p:sp>
+        <p:nvSpPr>
+          <p:cNvPr id="3" name="Text Placeholder 2"/>
+          <p:cNvSpPr>
+            <a:spLocks noGrp="1"/>
+          </p:cNvSpPr>
+          <p:nvPr>
+            <p:ph type="body" idx="1"/>
+          </p:nvPr>
+        </p:nvSpPr>
+        <p:spPr>
+          <a:xfrm>
+            <a:off x="677335" y="4470400"/>
+            <a:ext cx="8596668" cy="1570962"/>
+          </a:xfrm>
+        </p:spPr>
+        <p:txBody>
+          <a:bodyPr anchor="ctr">
+            <a:normAutofit/>
+          </a:bodyPr>
+          <a:lstStyle>
+            <a:lvl1pPr marL="0" indent="0" algn="l">
+              <a:buNone/>
+              <a:defRPr sz="1800">
+                <a:solidFill>
+                  <a:schemeClr val="tx1">
+                    <a:lumMod val="75000"/>
+                    <a:lumOff val="25000"/>
+                  </a:schemeClr>
+                </a:solidFill>
+              </a:defRPr>
+            </a:lvl1pPr>
+            <a:lvl2pPr marL="457200" indent="0">
+              <a:buNone/>
+              <a:defRPr sz="1800">
+                <a:solidFill>
+                  <a:schemeClr val="tx1">
+                    <a:tint val="75000"/>
+                  </a:schemeClr>
+                </a:solidFill>
+              </a:defRPr>
+            </a:lvl2pPr>
+            <a:lvl3pPr marL="914400" indent="0">
+              <a:buNone/>
+              <a:defRPr sz="1600">
+                <a:solidFill>
+                  <a:schemeClr val="tx1">
+                    <a:tint val="75000"/>
+                  </a:schemeClr>
+                </a:solidFill>
+              </a:defRPr>
+            </a:lvl3pPr>
+            <a:lvl4pPr marL="1371600" indent="0">
+              <a:buNone/>
+              <a:defRPr sz="1400">
+                <a:solidFill>
+                  <a:schemeClr val="tx1">
+                    <a:tint val="75000"/>
+                  </a:schemeClr>
+                </a:solidFill>
+              </a:defRPr>
+            </a:lvl4pPr>
+            <a:lvl5pPr marL="1828800" indent="0">
+              <a:buNone/>
+              <a:defRPr sz="1400">
+                <a:solidFill>
+                  <a:schemeClr val="tx1">
+                    <a:tint val="75000"/>
+                  </a:schemeClr>
+                </a:solidFill>
+              </a:defRPr>
+            </a:lvl5pPr>
+            <a:lvl6pPr marL="2286000" indent="0">
+              <a:buNone/>
+              <a:defRPr sz="1400">
+                <a:solidFill>
+                  <a:schemeClr val="tx1">
+                    <a:tint val="75000"/>
+                  </a:schemeClr>
+                </a:solidFill>
+              </a:defRPr>
+            </a:lvl6pPr>
+            <a:lvl7pPr marL="2743200" indent="0">
+              <a:buNone/>
+              <a:defRPr sz="1400">
+                <a:solidFill>
+                  <a:schemeClr val="tx1">
+                    <a:tint val="75000"/>
+                  </a:schemeClr>
+                </a:solidFill>
+              </a:defRPr>
+            </a:lvl7pPr>
+            <a:lvl8pPr marL="3200400" indent="0">
+              <a:buNone/>
+              <a:defRPr sz="1400">
+                <a:solidFill>
+                  <a:schemeClr val="tx1">
+                    <a:tint val="75000"/>
+                  </a:schemeClr>
+                </a:solidFill>
+              </a:defRPr>
+            </a:lvl8pPr>
+            <a:lvl9pPr marL="3657600" indent="0">
+              <a:buNone/>
+              <a:defRPr sz="1400">
+                <a:solidFill>
+                  <a:schemeClr val="tx1">
+                    <a:tint val="75000"/>
+                  </a:schemeClr>
+                </a:solidFill>
+              </a:defRPr>
+            </a:lvl9pPr>
+          </a:lstStyle>
+          <a:p>
+            <a:pPr lvl="0"/>
+            <a:r>
+              <a:rPr lang="en-US"/>
+              <a:t>Edit Master text styles</a:t>
+            </a:r>
+          </a:p>
+        </p:txBody>
+      </p:sp>
+      <p:sp>
+        <p:nvSpPr>
+          <p:cNvPr id="4" name="Date Placeholder 3"/>
+          <p:cNvSpPr>
+            <a:spLocks noGrp="1"/>
+          </p:cNvSpPr>
+          <p:nvPr>
+            <p:ph type="dt" sz="half" idx="10"/>
+          </p:nvPr>
+        </p:nvSpPr>
+        <p:spPr/>
+        <p:txBody>
+          <a:bodyPr/>
+          <a:lstStyle/>
+          <a:p>
+            <a:fld id="{7E193D74-4375-40CD-A476-45AA72EFCA66}" type="datetimeFigureOut">
+              <a:rPr lang="en-US" smtClean="0"/>
+              <a:t>7/5/2018</a:t>
+            </a:fld>
+            <a:endParaRPr lang="en-US"/>
+          </a:p>
+        </p:txBody>
+      </p:sp>
+      <p:sp>
+        <p:nvSpPr>
+          <p:cNvPr id="5" name="Footer Placeholder 4"/>
+          <p:cNvSpPr>
+            <a:spLocks noGrp="1"/>
+          </p:cNvSpPr>
+          <p:nvPr>
+            <p:ph type="ftr" sz="quarter" idx="11"/>
+          </p:nvPr>
+        </p:nvSpPr>
+        <p:spPr/>
+        <p:txBody>
+          <a:bodyPr/>
+          <a:lstStyle/>
+          <a:p>
+            <a:endParaRPr lang="en-US"/>
+          </a:p>
+        </p:txBody>
+      </p:sp>
+      <p:sp>
+        <p:nvSpPr>
+          <p:cNvPr id="6" name="Slide Number Placeholder 5"/>
+          <p:cNvSpPr>
+            <a:spLocks noGrp="1"/>
+          </p:cNvSpPr>
+          <p:nvPr>
+            <p:ph type="sldNum" sz="quarter" idx="12"/>
+          </p:nvPr>
+        </p:nvSpPr>
+        <p:spPr/>
+        <p:txBody>
+          <a:bodyPr/>
+          <a:lstStyle/>
+          <a:p>
+            <a:fld id="{0CFF6D7B-4C71-4C8D-9626-5703274B28E6}" type="slidenum">
+              <a:rPr lang="en-US" smtClean="0"/>
+              <a:t>‹#›</a:t>
+            </a:fld>
+            <a:endParaRPr lang="en-US"/>
+          </a:p>
+        </p:txBody>
+      </p:sp>
+      <p:sp>
+        <p:nvSpPr>
+          <p:cNvPr id="20" name="TextBox 19"/>
+          <p:cNvSpPr txBox="1"/>
+          <p:nvPr/>
+        </p:nvSpPr>
+        <p:spPr>
+          <a:xfrm>
+            <a:off x="541870" y="790378"/>
+            <a:ext cx="609600" cy="584776"/>
+          </a:xfrm>
+          <a:prstGeom prst="rect">
+            <a:avLst/>
+          </a:prstGeom>
+        </p:spPr>
+        <p:txBody>
+          <a:bodyPr vert="horz" lIns="91440" tIns="45720" rIns="91440" bIns="45720" rtlCol="0" anchor="ctr">
+            <a:noAutofit/>
+          </a:bodyPr>
+          <a:lstStyle/>
+          <a:p>
+            <a:pPr lvl="0"/>
+            <a:r>
+              <a:rPr lang="en-US" sz="8000" baseline="0" dirty="0">
+                <a:ln w="3175" cmpd="sng">
+                  <a:noFill/>
+                </a:ln>
+                <a:solidFill>
+                  <a:schemeClr val="accent1">
+                    <a:lumMod val="60000"/>
+                    <a:lumOff val="40000"/>
+                  </a:schemeClr>
+                </a:solidFill>
+                <a:effectLst/>
+                <a:latin typeface="Arial"/>
+              </a:rPr>
+              <a:t>“</a:t>
+            </a:r>
+          </a:p>
+        </p:txBody>
+      </p:sp>
+      <p:sp>
+        <p:nvSpPr>
+          <p:cNvPr id="22" name="TextBox 21"/>
+          <p:cNvSpPr txBox="1"/>
+          <p:nvPr/>
+        </p:nvSpPr>
+        <p:spPr>
+          <a:xfrm>
+            <a:off x="8893011" y="2886556"/>
+            <a:ext cx="609600" cy="584776"/>
+          </a:xfrm>
+          <a:prstGeom prst="rect">
+            <a:avLst/>
+          </a:prstGeom>
+        </p:spPr>
+        <p:txBody>
+          <a:bodyPr vert="horz" lIns="91440" tIns="45720" rIns="91440" bIns="45720" rtlCol="0" anchor="ctr">
+            <a:noAutofit/>
+          </a:bodyPr>
+          <a:lstStyle/>
+          <a:p>
+            <a:pPr lvl="0"/>
+            <a:r>
+              <a:rPr lang="en-US" sz="8000" baseline="0" dirty="0">
+                <a:ln w="3175" cmpd="sng">
+                  <a:noFill/>
+                </a:ln>
+                <a:solidFill>
+                  <a:schemeClr val="accent1">
+                    <a:lumMod val="60000"/>
+                    <a:lumOff val="40000"/>
+                  </a:schemeClr>
+                </a:solidFill>
+                <a:latin typeface="Arial"/>
+              </a:rPr>
+              <a:t>”</a:t>
+            </a:r>
+            <a:endParaRPr lang="en-US" dirty="0">
+              <a:solidFill>
+                <a:schemeClr val="accent1">
+                  <a:lumMod val="60000"/>
+                  <a:lumOff val="40000"/>
+                </a:schemeClr>
+              </a:solidFill>
+              <a:latin typeface="Arial"/>
+            </a:endParaRPr>
+          </a:p>
+        </p:txBody>
+      </p:sp>
+    </p:spTree>
+    <p:extLst>
+      <p:ext uri="{BB962C8B-B14F-4D97-AF65-F5344CB8AC3E}">
+        <p14:creationId xmlns:p14="http://schemas.microsoft.com/office/powerpoint/2010/main" val="1478268631"/>
+      </p:ext>
+    </p:extLst>
+  </p:cSld>
+  <p:clrMapOvr>
+    <a:masterClrMapping/>
+  </p:clrMapOvr>
+</p:sldLayout>
+</file>
+
+<file path=ppt/slideLayouts/slideLayout12.xml><?xml version="1.0" encoding="utf-8"?>
+<p:sldLayout xmlns:a="http://schemas.openxmlformats.org/drawingml/2006/main" xmlns:r="http://schemas.openxmlformats.org/officeDocument/2006/relationships" xmlns:p="http://schemas.openxmlformats.org/presentationml/2006/main" preserve="1">
+  <p:cSld name="Name Card">
+    <p:spTree>
+      <p:nvGrpSpPr>
+        <p:cNvPr id="1" name=""/>
+        <p:cNvGrpSpPr/>
+        <p:nvPr/>
+      </p:nvGrpSpPr>
+      <p:grpSpPr>
+        <a:xfrm>
+          <a:off x="0" y="0"/>
+          <a:ext cx="0" cy="0"/>
+          <a:chOff x="0" y="0"/>
+          <a:chExt cx="0" cy="0"/>
+        </a:xfrm>
+      </p:grpSpPr>
+      <p:sp>
+        <p:nvSpPr>
+          <p:cNvPr id="2" name="Title 1"/>
+          <p:cNvSpPr>
+            <a:spLocks noGrp="1"/>
+          </p:cNvSpPr>
+          <p:nvPr>
+            <p:ph type="title"/>
+          </p:nvPr>
+        </p:nvSpPr>
+        <p:spPr>
+          <a:xfrm>
+            <a:off x="677335" y="1931988"/>
+            <a:ext cx="8596668" cy="2595460"/>
+          </a:xfrm>
+        </p:spPr>
+        <p:txBody>
+          <a:bodyPr anchor="b">
+            <a:normAutofit/>
+          </a:bodyPr>
+          <a:lstStyle>
+            <a:lvl1pPr algn="l">
+              <a:defRPr sz="4400" b="0" cap="none"/>
+            </a:lvl1pPr>
+          </a:lstStyle>
+          <a:p>
+            <a:r>
+              <a:rPr lang="en-US"/>
+              <a:t>Click to edit Master title style</a:t>
+            </a:r>
+            <a:endParaRPr lang="en-US" dirty="0"/>
+          </a:p>
+        </p:txBody>
+      </p:sp>
+      <p:sp>
+        <p:nvSpPr>
+          <p:cNvPr id="3" name="Text Placeholder 2"/>
+          <p:cNvSpPr>
+            <a:spLocks noGrp="1"/>
+          </p:cNvSpPr>
+          <p:nvPr>
+            <p:ph type="body" idx="1"/>
+          </p:nvPr>
+        </p:nvSpPr>
+        <p:spPr>
+          <a:xfrm>
+            <a:off x="677335" y="4527448"/>
+            <a:ext cx="8596668" cy="1513914"/>
+          </a:xfrm>
+        </p:spPr>
+        <p:txBody>
+          <a:bodyPr anchor="t">
+            <a:normAutofit/>
+          </a:bodyPr>
+          <a:lstStyle>
+            <a:lvl1pPr marL="0" indent="0" algn="l">
+              <a:buNone/>
+              <a:defRPr sz="1800">
+                <a:solidFill>
+                  <a:schemeClr val="tx1">
+                    <a:lumMod val="75000"/>
+                    <a:lumOff val="25000"/>
+                  </a:schemeClr>
+                </a:solidFill>
+              </a:defRPr>
+            </a:lvl1pPr>
+            <a:lvl2pPr marL="457200" indent="0">
+              <a:buNone/>
+              <a:defRPr sz="1800">
+                <a:solidFill>
+                  <a:schemeClr val="tx1">
+                    <a:tint val="75000"/>
+                  </a:schemeClr>
+                </a:solidFill>
+              </a:defRPr>
+            </a:lvl2pPr>
+            <a:lvl3pPr marL="914400" indent="0">
+              <a:buNone/>
+              <a:defRPr sz="1600">
+                <a:solidFill>
+                  <a:schemeClr val="tx1">
+                    <a:tint val="75000"/>
+                  </a:schemeClr>
+                </a:solidFill>
+              </a:defRPr>
+            </a:lvl3pPr>
+            <a:lvl4pPr marL="1371600" indent="0">
+              <a:buNone/>
+              <a:defRPr sz="1400">
+                <a:solidFill>
+                  <a:schemeClr val="tx1">
+                    <a:tint val="75000"/>
+                  </a:schemeClr>
+                </a:solidFill>
+              </a:defRPr>
+            </a:lvl4pPr>
+            <a:lvl5pPr marL="1828800" indent="0">
+              <a:buNone/>
+              <a:defRPr sz="1400">
+                <a:solidFill>
+                  <a:schemeClr val="tx1">
+                    <a:tint val="75000"/>
+                  </a:schemeClr>
+                </a:solidFill>
+              </a:defRPr>
+            </a:lvl5pPr>
+            <a:lvl6pPr marL="2286000" indent="0">
+              <a:buNone/>
+              <a:defRPr sz="1400">
+                <a:solidFill>
+                  <a:schemeClr val="tx1">
+                    <a:tint val="75000"/>
+                  </a:schemeClr>
+                </a:solidFill>
+              </a:defRPr>
+            </a:lvl6pPr>
+            <a:lvl7pPr marL="2743200" indent="0">
+              <a:buNone/>
+              <a:defRPr sz="1400">
+                <a:solidFill>
+                  <a:schemeClr val="tx1">
+                    <a:tint val="75000"/>
+                  </a:schemeClr>
+                </a:solidFill>
+              </a:defRPr>
+            </a:lvl7pPr>
+            <a:lvl8pPr marL="3200400" indent="0">
+              <a:buNone/>
+              <a:defRPr sz="1400">
+                <a:solidFill>
+                  <a:schemeClr val="tx1">
+                    <a:tint val="75000"/>
+                  </a:schemeClr>
+                </a:solidFill>
+              </a:defRPr>
+            </a:lvl8pPr>
+            <a:lvl9pPr marL="3657600" indent="0">
+              <a:buNone/>
+              <a:defRPr sz="1400">
+                <a:solidFill>
+                  <a:schemeClr val="tx1">
+                    <a:tint val="75000"/>
+                  </a:schemeClr>
+                </a:solidFill>
+              </a:defRPr>
+            </a:lvl9pPr>
+          </a:lstStyle>
+          <a:p>
+            <a:pPr lvl="0"/>
+            <a:r>
+              <a:rPr lang="en-US"/>
+              <a:t>Edit Master text styles</a:t>
+            </a:r>
+          </a:p>
+        </p:txBody>
+      </p:sp>
+      <p:sp>
+        <p:nvSpPr>
+          <p:cNvPr id="4" name="Date Placeholder 3"/>
+          <p:cNvSpPr>
+            <a:spLocks noGrp="1"/>
+          </p:cNvSpPr>
+          <p:nvPr>
+            <p:ph type="dt" sz="half" idx="10"/>
+          </p:nvPr>
+        </p:nvSpPr>
+        <p:spPr/>
+        <p:txBody>
+          <a:bodyPr/>
+          <a:lstStyle/>
+          <a:p>
+            <a:fld id="{7E193D74-4375-40CD-A476-45AA72EFCA66}" type="datetimeFigureOut">
+              <a:rPr lang="en-US" smtClean="0"/>
+              <a:t>7/5/2018</a:t>
+            </a:fld>
+            <a:endParaRPr lang="en-US"/>
+          </a:p>
+        </p:txBody>
+      </p:sp>
+      <p:sp>
+        <p:nvSpPr>
+          <p:cNvPr id="5" name="Footer Placeholder 4"/>
+          <p:cNvSpPr>
+            <a:spLocks noGrp="1"/>
+          </p:cNvSpPr>
+          <p:nvPr>
+            <p:ph type="ftr" sz="quarter" idx="11"/>
+          </p:nvPr>
+        </p:nvSpPr>
+        <p:spPr/>
+        <p:txBody>
+          <a:bodyPr/>
+          <a:lstStyle/>
+          <a:p>
+            <a:endParaRPr lang="en-US"/>
+          </a:p>
+        </p:txBody>
+      </p:sp>
+      <p:sp>
+        <p:nvSpPr>
+          <p:cNvPr id="6" name="Slide Number Placeholder 5"/>
+          <p:cNvSpPr>
+            <a:spLocks noGrp="1"/>
+          </p:cNvSpPr>
+          <p:nvPr>
+            <p:ph type="sldNum" sz="quarter" idx="12"/>
+          </p:nvPr>
+        </p:nvSpPr>
+        <p:spPr/>
+        <p:txBody>
+          <a:bodyPr/>
+          <a:lstStyle/>
+          <a:p>
+            <a:fld id="{0CFF6D7B-4C71-4C8D-9626-5703274B28E6}" type="slidenum">
+              <a:rPr lang="en-US" smtClean="0"/>
+              <a:t>‹#›</a:t>
+            </a:fld>
+            <a:endParaRPr lang="en-US"/>
+          </a:p>
+        </p:txBody>
+      </p:sp>
+    </p:spTree>
+    <p:extLst>
+      <p:ext uri="{BB962C8B-B14F-4D97-AF65-F5344CB8AC3E}">
+        <p14:creationId xmlns:p14="http://schemas.microsoft.com/office/powerpoint/2010/main" val="145142079"/>
+      </p:ext>
+    </p:extLst>
+  </p:cSld>
+  <p:clrMapOvr>
+    <a:masterClrMapping/>
+  </p:clrMapOvr>
+</p:sldLayout>
+</file>
+
+<file path=ppt/slideLayouts/slideLayout13.xml><?xml version="1.0" encoding="utf-8"?>
+<p:sldLayout xmlns:a="http://schemas.openxmlformats.org/drawingml/2006/main" xmlns:r="http://schemas.openxmlformats.org/officeDocument/2006/relationships" xmlns:p="http://schemas.openxmlformats.org/presentationml/2006/main" preserve="1">
+  <p:cSld name="Quote Name Card">
+    <p:spTree>
+      <p:nvGrpSpPr>
+        <p:cNvPr id="1" name=""/>
+        <p:cNvGrpSpPr/>
+        <p:nvPr/>
+      </p:nvGrpSpPr>
+      <p:grpSpPr>
+        <a:xfrm>
+          <a:off x="0" y="0"/>
+          <a:ext cx="0" cy="0"/>
+          <a:chOff x="0" y="0"/>
+          <a:chExt cx="0" cy="0"/>
+        </a:xfrm>
+      </p:grpSpPr>
+      <p:sp>
+        <p:nvSpPr>
+          <p:cNvPr id="2" name="Title 1"/>
+          <p:cNvSpPr>
+            <a:spLocks noGrp="1"/>
+          </p:cNvSpPr>
+          <p:nvPr>
+            <p:ph type="title"/>
+          </p:nvPr>
+        </p:nvSpPr>
+        <p:spPr>
+          <a:xfrm>
+            <a:off x="931334" y="609600"/>
+            <a:ext cx="8094134" cy="3022600"/>
+          </a:xfrm>
+        </p:spPr>
+        <p:txBody>
+          <a:bodyPr anchor="ctr">
+            <a:normAutofit/>
+          </a:bodyPr>
+          <a:lstStyle>
+            <a:lvl1pPr algn="l">
+              <a:defRPr sz="4400" b="0" cap="none"/>
+            </a:lvl1pPr>
+          </a:lstStyle>
+          <a:p>
+            <a:r>
+              <a:rPr lang="en-US"/>
+              <a:t>Click to edit Master title style</a:t>
+            </a:r>
+            <a:endParaRPr lang="en-US" dirty="0"/>
+          </a:p>
+        </p:txBody>
+      </p:sp>
+      <p:sp>
+        <p:nvSpPr>
+          <p:cNvPr id="23" name="Text Placeholder 9"/>
+          <p:cNvSpPr>
+            <a:spLocks noGrp="1"/>
+          </p:cNvSpPr>
+          <p:nvPr>
+            <p:ph type="body" sz="quarter" idx="13"/>
+          </p:nvPr>
+        </p:nvSpPr>
+        <p:spPr>
+          <a:xfrm>
+            <a:off x="677332" y="4013200"/>
+            <a:ext cx="8596669" cy="514248"/>
+          </a:xfrm>
+        </p:spPr>
+        <p:txBody>
+          <a:bodyPr anchor="b">
+            <a:noAutofit/>
+          </a:bodyPr>
+          <a:lstStyle>
+            <a:lvl1pPr marL="0" indent="0">
+              <a:buFontTx/>
+              <a:buNone/>
+              <a:defRPr sz="2400">
+                <a:solidFill>
+                  <a:schemeClr val="tx1">
+                    <a:lumMod val="75000"/>
+                    <a:lumOff val="25000"/>
+                  </a:schemeClr>
+                </a:solidFill>
+              </a:defRPr>
+            </a:lvl1pPr>
+            <a:lvl2pPr marL="457200" indent="0">
+              <a:buFontTx/>
+              <a:buNone/>
+              <a:defRPr/>
+            </a:lvl2pPr>
+            <a:lvl3pPr marL="914400" indent="0">
+              <a:buFontTx/>
+              <a:buNone/>
+              <a:defRPr/>
+            </a:lvl3pPr>
+            <a:lvl4pPr marL="1371600" indent="0">
+              <a:buFontTx/>
+              <a:buNone/>
+              <a:defRPr/>
+            </a:lvl4pPr>
+            <a:lvl5pPr marL="1828800" indent="0">
+              <a:buFontTx/>
+              <a:buNone/>
+              <a:defRPr/>
+            </a:lvl5pPr>
+          </a:lstStyle>
+          <a:p>
+            <a:pPr lvl="0"/>
+            <a:r>
+              <a:rPr lang="en-US"/>
+              <a:t>Edit Master text styles</a:t>
+            </a:r>
+          </a:p>
+        </p:txBody>
+      </p:sp>
+      <p:sp>
+        <p:nvSpPr>
+          <p:cNvPr id="3" name="Text Placeholder 2"/>
+          <p:cNvSpPr>
+            <a:spLocks noGrp="1"/>
+          </p:cNvSpPr>
+          <p:nvPr>
+            <p:ph type="body" idx="1"/>
+          </p:nvPr>
+        </p:nvSpPr>
+        <p:spPr>
+          <a:xfrm>
+            <a:off x="677335" y="4527448"/>
+            <a:ext cx="8596668" cy="1513914"/>
+          </a:xfrm>
+        </p:spPr>
+        <p:txBody>
+          <a:bodyPr anchor="t">
+            <a:normAutofit/>
+          </a:bodyPr>
+          <a:lstStyle>
+            <a:lvl1pPr marL="0" indent="0" algn="l">
+              <a:buNone/>
+              <a:defRPr sz="1800">
+                <a:solidFill>
+                  <a:schemeClr val="tx1">
+                    <a:lumMod val="50000"/>
+                    <a:lumOff val="50000"/>
+                  </a:schemeClr>
+                </a:solidFill>
+              </a:defRPr>
+            </a:lvl1pPr>
+            <a:lvl2pPr marL="457200" indent="0">
+              <a:buNone/>
+              <a:defRPr sz="1800">
+                <a:solidFill>
+                  <a:schemeClr val="tx1">
+                    <a:tint val="75000"/>
+                  </a:schemeClr>
+                </a:solidFill>
+              </a:defRPr>
+            </a:lvl2pPr>
+            <a:lvl3pPr marL="914400" indent="0">
+              <a:buNone/>
+              <a:defRPr sz="1600">
+                <a:solidFill>
+                  <a:schemeClr val="tx1">
+                    <a:tint val="75000"/>
+                  </a:schemeClr>
+                </a:solidFill>
+              </a:defRPr>
+            </a:lvl3pPr>
+            <a:lvl4pPr marL="1371600" indent="0">
+              <a:buNone/>
+              <a:defRPr sz="1400">
+                <a:solidFill>
+                  <a:schemeClr val="tx1">
+                    <a:tint val="75000"/>
+                  </a:schemeClr>
+                </a:solidFill>
+              </a:defRPr>
+            </a:lvl4pPr>
+            <a:lvl5pPr marL="1828800" indent="0">
+              <a:buNone/>
+              <a:defRPr sz="1400">
+                <a:solidFill>
+                  <a:schemeClr val="tx1">
+                    <a:tint val="75000"/>
+                  </a:schemeClr>
+                </a:solidFill>
+              </a:defRPr>
+            </a:lvl5pPr>
+            <a:lvl6pPr marL="2286000" indent="0">
+              <a:buNone/>
+              <a:defRPr sz="1400">
+                <a:solidFill>
+                  <a:schemeClr val="tx1">
+                    <a:tint val="75000"/>
+                  </a:schemeClr>
+                </a:solidFill>
+              </a:defRPr>
+            </a:lvl6pPr>
+            <a:lvl7pPr marL="2743200" indent="0">
+              <a:buNone/>
+              <a:defRPr sz="1400">
+                <a:solidFill>
+                  <a:schemeClr val="tx1">
+                    <a:tint val="75000"/>
+                  </a:schemeClr>
+                </a:solidFill>
+              </a:defRPr>
+            </a:lvl7pPr>
+            <a:lvl8pPr marL="3200400" indent="0">
+              <a:buNone/>
+              <a:defRPr sz="1400">
+                <a:solidFill>
+                  <a:schemeClr val="tx1">
+                    <a:tint val="75000"/>
+                  </a:schemeClr>
+                </a:solidFill>
+              </a:defRPr>
+            </a:lvl8pPr>
+            <a:lvl9pPr marL="3657600" indent="0">
+              <a:buNone/>
+              <a:defRPr sz="1400">
+                <a:solidFill>
+                  <a:schemeClr val="tx1">
+                    <a:tint val="75000"/>
+                  </a:schemeClr>
+                </a:solidFill>
+              </a:defRPr>
+            </a:lvl9pPr>
+          </a:lstStyle>
+          <a:p>
+            <a:pPr lvl="0"/>
+            <a:r>
+              <a:rPr lang="en-US"/>
+              <a:t>Edit Master text styles</a:t>
+            </a:r>
+          </a:p>
+        </p:txBody>
+      </p:sp>
+      <p:sp>
+        <p:nvSpPr>
+          <p:cNvPr id="4" name="Date Placeholder 3"/>
+          <p:cNvSpPr>
+            <a:spLocks noGrp="1"/>
+          </p:cNvSpPr>
+          <p:nvPr>
+            <p:ph type="dt" sz="half" idx="10"/>
+          </p:nvPr>
+        </p:nvSpPr>
+        <p:spPr/>
+        <p:txBody>
+          <a:bodyPr/>
+          <a:lstStyle/>
+          <a:p>
+            <a:fld id="{7E193D74-4375-40CD-A476-45AA72EFCA66}" type="datetimeFigureOut">
+              <a:rPr lang="en-US" smtClean="0"/>
+              <a:t>7/5/2018</a:t>
+            </a:fld>
+            <a:endParaRPr lang="en-US"/>
+          </a:p>
+        </p:txBody>
+      </p:sp>
+      <p:sp>
+        <p:nvSpPr>
+          <p:cNvPr id="5" name="Footer Placeholder 4"/>
+          <p:cNvSpPr>
+            <a:spLocks noGrp="1"/>
+          </p:cNvSpPr>
+          <p:nvPr>
+            <p:ph type="ftr" sz="quarter" idx="11"/>
+          </p:nvPr>
+        </p:nvSpPr>
+        <p:spPr/>
+        <p:txBody>
+          <a:bodyPr/>
+          <a:lstStyle/>
+          <a:p>
+            <a:endParaRPr lang="en-US"/>
+          </a:p>
+        </p:txBody>
+      </p:sp>
+      <p:sp>
+        <p:nvSpPr>
+          <p:cNvPr id="6" name="Slide Number Placeholder 5"/>
+          <p:cNvSpPr>
+            <a:spLocks noGrp="1"/>
+          </p:cNvSpPr>
+          <p:nvPr>
+            <p:ph type="sldNum" sz="quarter" idx="12"/>
+          </p:nvPr>
+        </p:nvSpPr>
+        <p:spPr/>
+        <p:txBody>
+          <a:bodyPr/>
+          <a:lstStyle/>
+          <a:p>
+            <a:fld id="{0CFF6D7B-4C71-4C8D-9626-5703274B28E6}" type="slidenum">
+              <a:rPr lang="en-US" smtClean="0"/>
+              <a:t>‹#›</a:t>
+            </a:fld>
+            <a:endParaRPr lang="en-US"/>
+          </a:p>
+        </p:txBody>
+      </p:sp>
+      <p:sp>
+        <p:nvSpPr>
+          <p:cNvPr id="24" name="TextBox 23"/>
+          <p:cNvSpPr txBox="1"/>
+          <p:nvPr/>
+        </p:nvSpPr>
+        <p:spPr>
+          <a:xfrm>
+            <a:off x="541870" y="790378"/>
+            <a:ext cx="609600" cy="584776"/>
+          </a:xfrm>
+          <a:prstGeom prst="rect">
+            <a:avLst/>
+          </a:prstGeom>
+        </p:spPr>
+        <p:txBody>
+          <a:bodyPr vert="horz" lIns="91440" tIns="45720" rIns="91440" bIns="45720" rtlCol="0" anchor="ctr">
+            <a:noAutofit/>
+          </a:bodyPr>
+          <a:lstStyle/>
+          <a:p>
+            <a:pPr lvl="0"/>
+            <a:r>
+              <a:rPr lang="en-US" sz="8000" baseline="0" dirty="0">
+                <a:ln w="3175" cmpd="sng">
+                  <a:noFill/>
+                </a:ln>
+                <a:solidFill>
+                  <a:schemeClr val="accent1">
+                    <a:lumMod val="60000"/>
+                    <a:lumOff val="40000"/>
+                  </a:schemeClr>
+                </a:solidFill>
+                <a:effectLst/>
+                <a:latin typeface="Arial"/>
+              </a:rPr>
+              <a:t>“</a:t>
+            </a:r>
+          </a:p>
+        </p:txBody>
+      </p:sp>
+      <p:sp>
+        <p:nvSpPr>
+          <p:cNvPr id="25" name="TextBox 24"/>
+          <p:cNvSpPr txBox="1"/>
+          <p:nvPr/>
+        </p:nvSpPr>
+        <p:spPr>
+          <a:xfrm>
+            <a:off x="8893011" y="2886556"/>
+            <a:ext cx="609600" cy="584776"/>
+          </a:xfrm>
+          <a:prstGeom prst="rect">
+            <a:avLst/>
+          </a:prstGeom>
+        </p:spPr>
+        <p:txBody>
+          <a:bodyPr vert="horz" lIns="91440" tIns="45720" rIns="91440" bIns="45720" rtlCol="0" anchor="ctr">
+            <a:noAutofit/>
+          </a:bodyPr>
+          <a:lstStyle/>
+          <a:p>
+            <a:pPr lvl="0"/>
+            <a:r>
+              <a:rPr lang="en-US" sz="8000" baseline="0" dirty="0">
+                <a:ln w="3175" cmpd="sng">
+                  <a:noFill/>
+                </a:ln>
+                <a:solidFill>
+                  <a:schemeClr val="accent1">
+                    <a:lumMod val="60000"/>
+                    <a:lumOff val="40000"/>
+                  </a:schemeClr>
+                </a:solidFill>
+                <a:effectLst/>
+                <a:latin typeface="Arial"/>
+              </a:rPr>
+              <a:t>”</a:t>
+            </a:r>
+          </a:p>
+        </p:txBody>
+      </p:sp>
+    </p:spTree>
+    <p:extLst>
+      <p:ext uri="{BB962C8B-B14F-4D97-AF65-F5344CB8AC3E}">
+        <p14:creationId xmlns:p14="http://schemas.microsoft.com/office/powerpoint/2010/main" val="554383927"/>
+      </p:ext>
+    </p:extLst>
+  </p:cSld>
+  <p:clrMapOvr>
+    <a:masterClrMapping/>
+  </p:clrMapOvr>
+</p:sldLayout>
+</file>
+
+<file path=ppt/slideLayouts/slideLayout14.xml><?xml version="1.0" encoding="utf-8"?>
+<p:sldLayout xmlns:a="http://schemas.openxmlformats.org/drawingml/2006/main" xmlns:r="http://schemas.openxmlformats.org/officeDocument/2006/relationships" xmlns:p="http://schemas.openxmlformats.org/presentationml/2006/main" preserve="1">
+  <p:cSld name="True or False">
+    <p:spTree>
+      <p:nvGrpSpPr>
+        <p:cNvPr id="1" name=""/>
+        <p:cNvGrpSpPr/>
+        <p:nvPr/>
+      </p:nvGrpSpPr>
+      <p:grpSpPr>
+        <a:xfrm>
+          <a:off x="0" y="0"/>
+          <a:ext cx="0" cy="0"/>
+          <a:chOff x="0" y="0"/>
+          <a:chExt cx="0" cy="0"/>
+        </a:xfrm>
+      </p:grpSpPr>
+      <p:sp>
+        <p:nvSpPr>
+          <p:cNvPr id="2" name="Title 1"/>
+          <p:cNvSpPr>
+            <a:spLocks noGrp="1"/>
+          </p:cNvSpPr>
+          <p:nvPr>
+            <p:ph type="title"/>
+          </p:nvPr>
+        </p:nvSpPr>
+        <p:spPr>
+          <a:xfrm>
+            <a:off x="685799" y="609600"/>
+            <a:ext cx="8588203" cy="3022600"/>
+          </a:xfrm>
+        </p:spPr>
+        <p:txBody>
+          <a:bodyPr anchor="ctr">
+            <a:normAutofit/>
+          </a:bodyPr>
+          <a:lstStyle>
+            <a:lvl1pPr algn="l">
+              <a:defRPr sz="4400" b="0" cap="none"/>
+            </a:lvl1pPr>
+          </a:lstStyle>
+          <a:p>
+            <a:r>
+              <a:rPr lang="en-US"/>
+              <a:t>Click to edit Master title style</a:t>
+            </a:r>
+            <a:endParaRPr lang="en-US" dirty="0"/>
+          </a:p>
+        </p:txBody>
+      </p:sp>
+      <p:sp>
+        <p:nvSpPr>
+          <p:cNvPr id="23" name="Text Placeholder 9"/>
+          <p:cNvSpPr>
+            <a:spLocks noGrp="1"/>
+          </p:cNvSpPr>
+          <p:nvPr>
+            <p:ph type="body" sz="quarter" idx="13"/>
+          </p:nvPr>
+        </p:nvSpPr>
+        <p:spPr>
+          <a:xfrm>
+            <a:off x="677332" y="4013200"/>
+            <a:ext cx="8596669" cy="514248"/>
+          </a:xfrm>
+        </p:spPr>
+        <p:txBody>
+          <a:bodyPr anchor="b">
+            <a:noAutofit/>
+          </a:bodyPr>
+          <a:lstStyle>
+            <a:lvl1pPr marL="0" indent="0">
+              <a:buFontTx/>
+              <a:buNone/>
+              <a:defRPr sz="2400">
+                <a:solidFill>
+                  <a:schemeClr val="accent1"/>
+                </a:solidFill>
+              </a:defRPr>
+            </a:lvl1pPr>
+            <a:lvl2pPr marL="457200" indent="0">
+              <a:buFontTx/>
+              <a:buNone/>
+              <a:defRPr/>
+            </a:lvl2pPr>
+            <a:lvl3pPr marL="914400" indent="0">
+              <a:buFontTx/>
+              <a:buNone/>
+              <a:defRPr/>
+            </a:lvl3pPr>
+            <a:lvl4pPr marL="1371600" indent="0">
+              <a:buFontTx/>
+              <a:buNone/>
+              <a:defRPr/>
+            </a:lvl4pPr>
+            <a:lvl5pPr marL="1828800" indent="0">
+              <a:buFontTx/>
+              <a:buNone/>
+              <a:defRPr/>
+            </a:lvl5pPr>
+          </a:lstStyle>
+          <a:p>
+            <a:pPr lvl="0"/>
+            <a:r>
+              <a:rPr lang="en-US"/>
+              <a:t>Edit Master text styles</a:t>
+            </a:r>
+          </a:p>
+        </p:txBody>
+      </p:sp>
+      <p:sp>
+        <p:nvSpPr>
+          <p:cNvPr id="3" name="Text Placeholder 2"/>
+          <p:cNvSpPr>
+            <a:spLocks noGrp="1"/>
+          </p:cNvSpPr>
+          <p:nvPr>
+            <p:ph type="body" idx="1"/>
+          </p:nvPr>
+        </p:nvSpPr>
+        <p:spPr>
+          <a:xfrm>
+            <a:off x="677335" y="4527448"/>
+            <a:ext cx="8596668" cy="1513914"/>
+          </a:xfrm>
+        </p:spPr>
+        <p:txBody>
+          <a:bodyPr anchor="t">
+            <a:normAutofit/>
+          </a:bodyPr>
+          <a:lstStyle>
+            <a:lvl1pPr marL="0" indent="0" algn="l">
+              <a:buNone/>
+              <a:defRPr sz="1800">
+                <a:solidFill>
+                  <a:schemeClr val="tx1">
+                    <a:lumMod val="50000"/>
+                    <a:lumOff val="50000"/>
+                  </a:schemeClr>
+                </a:solidFill>
+              </a:defRPr>
+            </a:lvl1pPr>
+            <a:lvl2pPr marL="457200" indent="0">
+              <a:buNone/>
+              <a:defRPr sz="1800">
+                <a:solidFill>
+                  <a:schemeClr val="tx1">
+                    <a:tint val="75000"/>
+                  </a:schemeClr>
+                </a:solidFill>
+              </a:defRPr>
+            </a:lvl2pPr>
+            <a:lvl3pPr marL="914400" indent="0">
+              <a:buNone/>
+              <a:defRPr sz="1600">
+                <a:solidFill>
+                  <a:schemeClr val="tx1">
+                    <a:tint val="75000"/>
+                  </a:schemeClr>
+                </a:solidFill>
+              </a:defRPr>
+            </a:lvl3pPr>
+            <a:lvl4pPr marL="1371600" indent="0">
+              <a:buNone/>
+              <a:defRPr sz="1400">
+                <a:solidFill>
+                  <a:schemeClr val="tx1">
+                    <a:tint val="75000"/>
+                  </a:schemeClr>
+                </a:solidFill>
+              </a:defRPr>
+            </a:lvl4pPr>
+            <a:lvl5pPr marL="1828800" indent="0">
+              <a:buNone/>
+              <a:defRPr sz="1400">
+                <a:solidFill>
+                  <a:schemeClr val="tx1">
+                    <a:tint val="75000"/>
+                  </a:schemeClr>
+                </a:solidFill>
+              </a:defRPr>
+            </a:lvl5pPr>
+            <a:lvl6pPr marL="2286000" indent="0">
+              <a:buNone/>
+              <a:defRPr sz="1400">
+                <a:solidFill>
+                  <a:schemeClr val="tx1">
+                    <a:tint val="75000"/>
+                  </a:schemeClr>
+                </a:solidFill>
+              </a:defRPr>
+            </a:lvl6pPr>
+            <a:lvl7pPr marL="2743200" indent="0">
+              <a:buNone/>
+              <a:defRPr sz="1400">
+                <a:solidFill>
+                  <a:schemeClr val="tx1">
+                    <a:tint val="75000"/>
+                  </a:schemeClr>
+                </a:solidFill>
+              </a:defRPr>
+            </a:lvl7pPr>
+            <a:lvl8pPr marL="3200400" indent="0">
+              <a:buNone/>
+              <a:defRPr sz="1400">
+                <a:solidFill>
+                  <a:schemeClr val="tx1">
+                    <a:tint val="75000"/>
+                  </a:schemeClr>
+                </a:solidFill>
+              </a:defRPr>
+            </a:lvl8pPr>
+            <a:lvl9pPr marL="3657600" indent="0">
+              <a:buNone/>
+              <a:defRPr sz="1400">
+                <a:solidFill>
+                  <a:schemeClr val="tx1">
+                    <a:tint val="75000"/>
+                  </a:schemeClr>
+                </a:solidFill>
+              </a:defRPr>
+            </a:lvl9pPr>
+          </a:lstStyle>
+          <a:p>
+            <a:pPr lvl="0"/>
+            <a:r>
+              <a:rPr lang="en-US"/>
+              <a:t>Edit Master text styles</a:t>
+            </a:r>
+          </a:p>
+        </p:txBody>
+      </p:sp>
+      <p:sp>
+        <p:nvSpPr>
+          <p:cNvPr id="4" name="Date Placeholder 3"/>
+          <p:cNvSpPr>
+            <a:spLocks noGrp="1"/>
+          </p:cNvSpPr>
+          <p:nvPr>
+            <p:ph type="dt" sz="half" idx="10"/>
+          </p:nvPr>
+        </p:nvSpPr>
+        <p:spPr/>
+        <p:txBody>
+          <a:bodyPr/>
+          <a:lstStyle/>
+          <a:p>
+            <a:fld id="{7E193D74-4375-40CD-A476-45AA72EFCA66}" type="datetimeFigureOut">
+              <a:rPr lang="en-US" smtClean="0"/>
+              <a:t>7/5/2018</a:t>
+            </a:fld>
+            <a:endParaRPr lang="en-US"/>
+          </a:p>
+        </p:txBody>
+      </p:sp>
+      <p:sp>
+        <p:nvSpPr>
+          <p:cNvPr id="5" name="Footer Placeholder 4"/>
+          <p:cNvSpPr>
+            <a:spLocks noGrp="1"/>
+          </p:cNvSpPr>
+          <p:nvPr>
+            <p:ph type="ftr" sz="quarter" idx="11"/>
+          </p:nvPr>
+        </p:nvSpPr>
+        <p:spPr/>
+        <p:txBody>
+          <a:bodyPr/>
+          <a:lstStyle/>
+          <a:p>
+            <a:endParaRPr lang="en-US"/>
+          </a:p>
+        </p:txBody>
+      </p:sp>
+      <p:sp>
+        <p:nvSpPr>
+          <p:cNvPr id="6" name="Slide Number Placeholder 5"/>
+          <p:cNvSpPr>
+            <a:spLocks noGrp="1"/>
+          </p:cNvSpPr>
+          <p:nvPr>
+            <p:ph type="sldNum" sz="quarter" idx="12"/>
+          </p:nvPr>
+        </p:nvSpPr>
+        <p:spPr/>
+        <p:txBody>
+          <a:bodyPr/>
+          <a:lstStyle/>
+          <a:p>
+            <a:fld id="{0CFF6D7B-4C71-4C8D-9626-5703274B28E6}" type="slidenum">
+              <a:rPr lang="en-US" smtClean="0"/>
+              <a:t>‹#›</a:t>
+            </a:fld>
+            <a:endParaRPr lang="en-US"/>
+          </a:p>
+        </p:txBody>
+      </p:sp>
+    </p:spTree>
+    <p:extLst>
+      <p:ext uri="{BB962C8B-B14F-4D97-AF65-F5344CB8AC3E}">
+        <p14:creationId xmlns:p14="http://schemas.microsoft.com/office/powerpoint/2010/main" val="2924270593"/>
+      </p:ext>
+    </p:extLst>
+  </p:cSld>
+  <p:clrMapOvr>
+    <a:masterClrMapping/>
+  </p:clrMapOvr>
+</p:sldLayout>
+</file>
+
+<file path=ppt/slideLayouts/slideLayout15.xml><?xml version="1.0" encoding="utf-8"?>
 <p:sldLayout xmlns:a="http://schemas.openxmlformats.org/drawingml/2006/main" xmlns:r="http://schemas.openxmlformats.org/officeDocument/2006/relationships" xmlns:p="http://schemas.openxmlformats.org/presentationml/2006/main" type="vertTx" preserve="1">
   <p:cSld name="Title and Vertical Text">
     <p:spTree>
@@ -502,7 +2567,7 @@
         </p:nvSpPr>
         <p:spPr/>
         <p:txBody>
-          <a:bodyPr vert="eaVert" lIns="45720" tIns="0" rIns="45720" bIns="0"/>
+          <a:bodyPr vert="eaVert"/>
           <a:lstStyle/>
           <a:p>
             <a:pPr lvl="0"/>
@@ -557,11 +2622,11 @@
           <a:bodyPr/>
           <a:lstStyle/>
           <a:p>
-            <a:fld id="{181069D4-B020-4602-B87C-B094679675DF}" type="datetimeFigureOut">
+            <a:fld id="{7E193D74-4375-40CD-A476-45AA72EFCA66}" type="datetimeFigureOut">
               <a:rPr lang="en-US" smtClean="0"/>
-              <a:t>7/4/2018</a:t>
+              <a:t>7/5/2018</a:t>
             </a:fld>
-            <a:endParaRPr lang="en-US" dirty="0"/>
+            <a:endParaRPr lang="en-US"/>
           </a:p>
         </p:txBody>
       </p:sp>
@@ -580,7 +2645,7 @@
           <a:bodyPr/>
           <a:lstStyle/>
           <a:p>
-            <a:endParaRPr lang="en-US" dirty="0"/>
+            <a:endParaRPr lang="en-US"/>
           </a:p>
         </p:txBody>
       </p:sp>
@@ -599,18 +2664,18 @@
           <a:bodyPr/>
           <a:lstStyle/>
           <a:p>
-            <a:fld id="{4FAB73BC-B049-4115-A692-8D63A059BFB8}" type="slidenum">
+            <a:fld id="{0CFF6D7B-4C71-4C8D-9626-5703274B28E6}" type="slidenum">
               <a:rPr lang="en-US" smtClean="0"/>
               <a:t>‹#›</a:t>
             </a:fld>
-            <a:endParaRPr lang="en-US" dirty="0"/>
+            <a:endParaRPr lang="en-US"/>
           </a:p>
         </p:txBody>
       </p:sp>
     </p:spTree>
     <p:extLst>
       <p:ext uri="{BB962C8B-B14F-4D97-AF65-F5344CB8AC3E}">
-        <p14:creationId xmlns:p14="http://schemas.microsoft.com/office/powerpoint/2010/main" val="1500806865"/>
+        <p14:creationId xmlns:p14="http://schemas.microsoft.com/office/powerpoint/2010/main" val="363600188"/>
       </p:ext>
     </p:extLst>
   </p:cSld>
@@ -620,8 +2685,8 @@
 </p:sldLayout>
 </file>
 
-<file path=ppt/slideLayouts/slideLayout11.xml><?xml version="1.0" encoding="utf-8"?>
-<p:sldLayout xmlns:a="http://schemas.openxmlformats.org/drawingml/2006/main" xmlns:r="http://schemas.openxmlformats.org/officeDocument/2006/relationships" xmlns:p="http://schemas.openxmlformats.org/presentationml/2006/main" showMasterSp="0" type="vertTitleAndTx" preserve="1">
+<file path=ppt/slideLayouts/slideLayout16.xml><?xml version="1.0" encoding="utf-8"?>
+<p:sldLayout xmlns:a="http://schemas.openxmlformats.org/drawingml/2006/main" xmlns:r="http://schemas.openxmlformats.org/officeDocument/2006/relationships" xmlns:p="http://schemas.openxmlformats.org/presentationml/2006/main" type="vertTitleAndTx" preserve="1">
   <p:cSld name="Vertical Title and Text">
     <p:spTree>
       <p:nvGrpSpPr>
@@ -639,128 +2704,52 @@
       </p:grpSpPr>
       <p:sp>
         <p:nvSpPr>
-          <p:cNvPr id="7" name="Rectangle 6"/>
-          <p:cNvSpPr/>
-          <p:nvPr/>
+          <p:cNvPr id="2" name="Vertical Title 1"/>
+          <p:cNvSpPr>
+            <a:spLocks noGrp="1"/>
+          </p:cNvSpPr>
+          <p:nvPr>
+            <p:ph type="title" orient="vert"/>
+          </p:nvPr>
         </p:nvSpPr>
         <p:spPr>
           <a:xfrm>
-            <a:off x="3175" y="6400800"/>
-            <a:ext cx="12188825" cy="457200"/>
+            <a:off x="7967673" y="609599"/>
+            <a:ext cx="1304743" cy="5251451"/>
           </a:xfrm>
-          <a:prstGeom prst="rect">
-            <a:avLst/>
-          </a:prstGeom>
-          <a:solidFill>
-            <a:schemeClr val="accent2"/>
-          </a:solidFill>
-          <a:ln>
-            <a:noFill/>
-          </a:ln>
         </p:spPr>
-        <p:style>
-          <a:lnRef idx="2">
-            <a:schemeClr val="accent1">
-              <a:shade val="50000"/>
-            </a:schemeClr>
-          </a:lnRef>
-          <a:fillRef idx="1">
-            <a:schemeClr val="accent1"/>
-          </a:fillRef>
-          <a:effectRef idx="0">
-            <a:schemeClr val="accent1"/>
-          </a:effectRef>
-          <a:fontRef idx="minor">
-            <a:schemeClr val="lt1"/>
-          </a:fontRef>
-        </p:style>
-      </p:sp>
-      <p:sp>
-        <p:nvSpPr>
-          <p:cNvPr id="8" name="Rectangle 7"/>
-          <p:cNvSpPr/>
-          <p:nvPr/>
+        <p:txBody>
+          <a:bodyPr vert="eaVert" anchor="ctr"/>
+          <a:lstStyle/>
+          <a:p>
+            <a:r>
+              <a:rPr lang="en-US"/>
+              <a:t>Click to edit Master title style</a:t>
+            </a:r>
+            <a:endParaRPr lang="en-US" dirty="0"/>
+          </a:p>
+        </p:txBody>
+      </p:sp>
+      <p:sp>
+        <p:nvSpPr>
+          <p:cNvPr id="3" name="Vertical Text Placeholder 2"/>
+          <p:cNvSpPr>
+            <a:spLocks noGrp="1"/>
+          </p:cNvSpPr>
+          <p:nvPr>
+            <p:ph type="body" orient="vert" idx="1"/>
+          </p:nvPr>
         </p:nvSpPr>
         <p:spPr>
           <a:xfrm>
-            <a:off x="15" y="6334316"/>
-            <a:ext cx="12188825" cy="64008"/>
-          </a:xfrm>
-          <a:prstGeom prst="rect">
-            <a:avLst/>
-          </a:prstGeom>
-          <a:solidFill>
-            <a:schemeClr val="accent1"/>
-          </a:solidFill>
-          <a:ln>
-            <a:noFill/>
-          </a:ln>
-        </p:spPr>
-        <p:style>
-          <a:lnRef idx="2">
-            <a:schemeClr val="accent1">
-              <a:shade val="50000"/>
-            </a:schemeClr>
-          </a:lnRef>
-          <a:fillRef idx="1">
-            <a:schemeClr val="accent1"/>
-          </a:fillRef>
-          <a:effectRef idx="0">
-            <a:schemeClr val="accent1"/>
-          </a:effectRef>
-          <a:fontRef idx="minor">
-            <a:schemeClr val="lt1"/>
-          </a:fontRef>
-        </p:style>
-      </p:sp>
-      <p:sp>
-        <p:nvSpPr>
-          <p:cNvPr id="2" name="Vertical Title 1"/>
-          <p:cNvSpPr>
-            <a:spLocks noGrp="1"/>
-          </p:cNvSpPr>
-          <p:nvPr>
-            <p:ph type="title" orient="vert"/>
-          </p:nvPr>
-        </p:nvSpPr>
-        <p:spPr>
-          <a:xfrm>
-            <a:off x="8724900" y="414778"/>
-            <a:ext cx="2628900" cy="5757421"/>
+            <a:off x="677335" y="609600"/>
+            <a:ext cx="7060150" cy="5251450"/>
           </a:xfrm>
         </p:spPr>
         <p:txBody>
           <a:bodyPr vert="eaVert"/>
           <a:lstStyle/>
           <a:p>
-            <a:r>
-              <a:rPr lang="en-US"/>
-              <a:t>Click to edit Master title style</a:t>
-            </a:r>
-            <a:endParaRPr lang="en-US" dirty="0"/>
-          </a:p>
-        </p:txBody>
-      </p:sp>
-      <p:sp>
-        <p:nvSpPr>
-          <p:cNvPr id="3" name="Vertical Text Placeholder 2"/>
-          <p:cNvSpPr>
-            <a:spLocks noGrp="1"/>
-          </p:cNvSpPr>
-          <p:nvPr>
-            <p:ph type="body" orient="vert" idx="1"/>
-          </p:nvPr>
-        </p:nvSpPr>
-        <p:spPr>
-          <a:xfrm>
-            <a:off x="838200" y="414778"/>
-            <a:ext cx="7734300" cy="5757422"/>
-          </a:xfrm>
-        </p:spPr>
-        <p:txBody>
-          <a:bodyPr vert="eaVert" lIns="45720" tIns="0" rIns="45720" bIns="0"/>
-          <a:lstStyle/>
-          <a:p>
             <a:pPr lvl="0"/>
             <a:r>
               <a:rPr lang="en-US"/>
@@ -813,11 +2802,11 @@
           <a:bodyPr/>
           <a:lstStyle/>
           <a:p>
-            <a:fld id="{936C11EA-3D59-4DFE-9385-0A032B3191AF}" type="datetimeFigureOut">
+            <a:fld id="{7E193D74-4375-40CD-A476-45AA72EFCA66}" type="datetimeFigureOut">
               <a:rPr lang="en-US" smtClean="0"/>
-              <a:t>7/4/2018</a:t>
+              <a:t>7/5/2018</a:t>
             </a:fld>
-            <a:endParaRPr lang="en-US" dirty="0"/>
+            <a:endParaRPr lang="en-US"/>
           </a:p>
         </p:txBody>
       </p:sp>
@@ -836,7 +2825,7 @@
           <a:bodyPr/>
           <a:lstStyle/>
           <a:p>
-            <a:endParaRPr lang="en-US" dirty="0"/>
+            <a:endParaRPr lang="en-US"/>
           </a:p>
         </p:txBody>
       </p:sp>
@@ -855,18 +2844,18 @@
           <a:bodyPr/>
           <a:lstStyle/>
           <a:p>
-            <a:fld id="{4FAB73BC-B049-4115-A692-8D63A059BFB8}" type="slidenum">
+            <a:fld id="{0CFF6D7B-4C71-4C8D-9626-5703274B28E6}" type="slidenum">
               <a:rPr lang="en-US" smtClean="0"/>
               <a:t>‹#›</a:t>
             </a:fld>
-            <a:endParaRPr lang="en-US" dirty="0"/>
+            <a:endParaRPr lang="en-US"/>
           </a:p>
         </p:txBody>
       </p:sp>
     </p:spTree>
     <p:extLst>
       <p:ext uri="{BB962C8B-B14F-4D97-AF65-F5344CB8AC3E}">
-        <p14:creationId xmlns:p14="http://schemas.microsoft.com/office/powerpoint/2010/main" val="4279241448"/>
+        <p14:creationId xmlns:p14="http://schemas.microsoft.com/office/powerpoint/2010/main" val="3926922648"/>
       </p:ext>
     </p:extLst>
   </p:cSld>
@@ -905,10 +2894,12 @@
         </p:nvSpPr>
         <p:spPr/>
         <p:txBody>
-          <a:bodyPr/>
+          <a:bodyPr>
+            <a:normAutofit/>
+          </a:bodyPr>
           <a:lstStyle>
-            <a:lvl1pPr marL="0">
-              <a:defRPr/>
+            <a:lvl1pPr>
+              <a:defRPr sz="3600"/>
             </a:lvl1pPr>
           </a:lstStyle>
           <a:p>
@@ -987,11 +2978,11 @@
           <a:bodyPr/>
           <a:lstStyle/>
           <a:p>
-            <a:fld id="{804936D4-0671-4B70-A95D-BFBC9A35DA5B}" type="datetimeFigureOut">
+            <a:fld id="{7E193D74-4375-40CD-A476-45AA72EFCA66}" type="datetimeFigureOut">
               <a:rPr lang="en-US" smtClean="0"/>
-              <a:t>7/4/2018</a:t>
+              <a:t>7/5/2018</a:t>
             </a:fld>
-            <a:endParaRPr lang="en-US" dirty="0"/>
+            <a:endParaRPr lang="en-US"/>
           </a:p>
         </p:txBody>
       </p:sp>
@@ -1010,7 +3001,7 @@
           <a:bodyPr/>
           <a:lstStyle/>
           <a:p>
-            <a:endParaRPr lang="en-US" dirty="0"/>
+            <a:endParaRPr lang="en-US"/>
           </a:p>
         </p:txBody>
       </p:sp>
@@ -1029,18 +3020,18 @@
           <a:bodyPr/>
           <a:lstStyle/>
           <a:p>
-            <a:fld id="{4FAB73BC-B049-4115-A692-8D63A059BFB8}" type="slidenum">
+            <a:fld id="{0CFF6D7B-4C71-4C8D-9626-5703274B28E6}" type="slidenum">
               <a:rPr lang="en-US" smtClean="0"/>
               <a:t>‹#›</a:t>
             </a:fld>
-            <a:endParaRPr lang="en-US" dirty="0"/>
+            <a:endParaRPr lang="en-US"/>
           </a:p>
         </p:txBody>
       </p:sp>
     </p:spTree>
     <p:extLst>
       <p:ext uri="{BB962C8B-B14F-4D97-AF65-F5344CB8AC3E}">
-        <p14:creationId xmlns:p14="http://schemas.microsoft.com/office/powerpoint/2010/main" val="3279245427"/>
+        <p14:creationId xmlns:p14="http://schemas.microsoft.com/office/powerpoint/2010/main" val="4207687378"/>
       </p:ext>
     </p:extLst>
   </p:cSld>
@@ -1051,16 +3042,8 @@
 </file>
 
 <file path=ppt/slideLayouts/slideLayout3.xml><?xml version="1.0" encoding="utf-8"?>
-<p:sldLayout xmlns:a="http://schemas.openxmlformats.org/drawingml/2006/main" xmlns:r="http://schemas.openxmlformats.org/officeDocument/2006/relationships" xmlns:p="http://schemas.openxmlformats.org/presentationml/2006/main" showMasterSp="0" type="secHead" preserve="1">
+<p:sldLayout xmlns:a="http://schemas.openxmlformats.org/drawingml/2006/main" xmlns:r="http://schemas.openxmlformats.org/officeDocument/2006/relationships" xmlns:p="http://schemas.openxmlformats.org/presentationml/2006/main" type="secHead" preserve="1">
   <p:cSld name="Section Header">
-    <p:bg>
-      <p:bgPr>
-        <a:solidFill>
-          <a:schemeClr val="bg1"/>
-        </a:solidFill>
-        <a:effectLst/>
-      </p:bgPr>
-    </p:bg>
     <p:spTree>
       <p:nvGrpSpPr>
         <p:cNvPr id="1" name=""/>
@@ -1077,152 +3060,64 @@
       </p:grpSpPr>
       <p:sp>
         <p:nvSpPr>
-          <p:cNvPr id="7" name="Rectangle 6"/>
-          <p:cNvSpPr/>
-          <p:nvPr/>
+          <p:cNvPr id="2" name="Title 1"/>
+          <p:cNvSpPr>
+            <a:spLocks noGrp="1"/>
+          </p:cNvSpPr>
+          <p:nvPr>
+            <p:ph type="title"/>
+          </p:nvPr>
         </p:nvSpPr>
         <p:spPr>
           <a:xfrm>
-            <a:off x="3175" y="6400800"/>
-            <a:ext cx="12188825" cy="457200"/>
+            <a:off x="677335" y="2700867"/>
+            <a:ext cx="8596668" cy="1826581"/>
           </a:xfrm>
-          <a:prstGeom prst="rect">
-            <a:avLst/>
-          </a:prstGeom>
-          <a:solidFill>
-            <a:schemeClr val="accent2"/>
-          </a:solidFill>
-          <a:ln>
-            <a:noFill/>
-          </a:ln>
         </p:spPr>
-        <p:style>
-          <a:lnRef idx="2">
-            <a:schemeClr val="accent1">
-              <a:shade val="50000"/>
-            </a:schemeClr>
-          </a:lnRef>
-          <a:fillRef idx="1">
-            <a:schemeClr val="accent1"/>
-          </a:fillRef>
-          <a:effectRef idx="0">
-            <a:schemeClr val="accent1"/>
-          </a:effectRef>
-          <a:fontRef idx="minor">
-            <a:schemeClr val="lt1"/>
-          </a:fontRef>
-        </p:style>
-      </p:sp>
-      <p:sp>
-        <p:nvSpPr>
-          <p:cNvPr id="8" name="Rectangle 7"/>
-          <p:cNvSpPr/>
-          <p:nvPr/>
+        <p:txBody>
+          <a:bodyPr anchor="b"/>
+          <a:lstStyle>
+            <a:lvl1pPr algn="l">
+              <a:defRPr sz="4000" b="0" cap="none"/>
+            </a:lvl1pPr>
+          </a:lstStyle>
+          <a:p>
+            <a:r>
+              <a:rPr lang="en-US"/>
+              <a:t>Click to edit Master title style</a:t>
+            </a:r>
+            <a:endParaRPr lang="en-US" dirty="0"/>
+          </a:p>
+        </p:txBody>
+      </p:sp>
+      <p:sp>
+        <p:nvSpPr>
+          <p:cNvPr id="3" name="Text Placeholder 2"/>
+          <p:cNvSpPr>
+            <a:spLocks noGrp="1"/>
+          </p:cNvSpPr>
+          <p:nvPr>
+            <p:ph type="body" idx="1"/>
+          </p:nvPr>
         </p:nvSpPr>
         <p:spPr>
           <a:xfrm>
-            <a:off x="15" y="6334316"/>
-            <a:ext cx="12188825" cy="64008"/>
-          </a:xfrm>
-          <a:prstGeom prst="rect">
-            <a:avLst/>
-          </a:prstGeom>
-          <a:solidFill>
-            <a:schemeClr val="accent1"/>
-          </a:solidFill>
-          <a:ln>
-            <a:noFill/>
-          </a:ln>
-        </p:spPr>
-        <p:style>
-          <a:lnRef idx="2">
-            <a:schemeClr val="accent1">
-              <a:shade val="50000"/>
-            </a:schemeClr>
-          </a:lnRef>
-          <a:fillRef idx="1">
-            <a:schemeClr val="accent1"/>
-          </a:fillRef>
-          <a:effectRef idx="0">
-            <a:schemeClr val="accent1"/>
-          </a:effectRef>
-          <a:fontRef idx="minor">
-            <a:schemeClr val="lt1"/>
-          </a:fontRef>
-        </p:style>
-      </p:sp>
-      <p:sp>
-        <p:nvSpPr>
-          <p:cNvPr id="2" name="Title 1"/>
-          <p:cNvSpPr>
-            <a:spLocks noGrp="1"/>
-          </p:cNvSpPr>
-          <p:nvPr>
-            <p:ph type="title"/>
-          </p:nvPr>
-        </p:nvSpPr>
-        <p:spPr>
-          <a:xfrm>
-            <a:off x="1097280" y="758952"/>
-            <a:ext cx="10058400" cy="3566160"/>
+            <a:off x="677335" y="4527448"/>
+            <a:ext cx="8596668" cy="860400"/>
           </a:xfrm>
         </p:spPr>
         <p:txBody>
-          <a:bodyPr anchor="b" anchorCtr="0">
-            <a:normAutofit/>
-          </a:bodyPr>
+          <a:bodyPr anchor="t"/>
           <a:lstStyle>
-            <a:lvl1pPr>
-              <a:lnSpc>
-                <a:spcPct val="85000"/>
-              </a:lnSpc>
-              <a:defRPr sz="8000" b="0">
+            <a:lvl1pPr marL="0" indent="0" algn="l">
+              <a:buNone/>
+              <a:defRPr sz="2000">
                 <a:solidFill>
                   <a:schemeClr val="tx1">
-                    <a:lumMod val="85000"/>
-                    <a:lumOff val="15000"/>
+                    <a:lumMod val="50000"/>
+                    <a:lumOff val="50000"/>
                   </a:schemeClr>
                 </a:solidFill>
-              </a:defRPr>
-            </a:lvl1pPr>
-          </a:lstStyle>
-          <a:p>
-            <a:r>
-              <a:rPr lang="en-US"/>
-              <a:t>Click to edit Master title style</a:t>
-            </a:r>
-            <a:endParaRPr lang="en-US" dirty="0"/>
-          </a:p>
-        </p:txBody>
-      </p:sp>
-      <p:sp>
-        <p:nvSpPr>
-          <p:cNvPr id="3" name="Text Placeholder 2"/>
-          <p:cNvSpPr>
-            <a:spLocks noGrp="1"/>
-          </p:cNvSpPr>
-          <p:nvPr>
-            <p:ph type="body" idx="1"/>
-          </p:nvPr>
-        </p:nvSpPr>
-        <p:spPr>
-          <a:xfrm>
-            <a:off x="1097280" y="4453128"/>
-            <a:ext cx="10058400" cy="1143000"/>
-          </a:xfrm>
-        </p:spPr>
-        <p:txBody>
-          <a:bodyPr lIns="91440" rIns="91440" anchor="t" anchorCtr="0">
-            <a:normAutofit/>
-          </a:bodyPr>
-          <a:lstStyle>
-            <a:lvl1pPr marL="0" indent="0">
-              <a:buNone/>
-              <a:defRPr sz="2400" cap="all" spc="200" baseline="0">
-                <a:solidFill>
-                  <a:schemeClr val="tx2"/>
-                </a:solidFill>
-                <a:latin typeface="+mj-lt"/>
               </a:defRPr>
             </a:lvl1pPr>
             <a:lvl2pPr marL="457200" indent="0">
@@ -1330,11 +3225,11 @@
           <a:bodyPr/>
           <a:lstStyle/>
           <a:p>
-            <a:fld id="{DDD67DAC-232D-4042-B5C0-E64770A42A28}" type="datetimeFigureOut">
+            <a:fld id="{7E193D74-4375-40CD-A476-45AA72EFCA66}" type="datetimeFigureOut">
               <a:rPr lang="en-US" smtClean="0"/>
-              <a:t>7/4/2018</a:t>
+              <a:t>7/5/2018</a:t>
             </a:fld>
-            <a:endParaRPr lang="en-US" dirty="0"/>
+            <a:endParaRPr lang="en-US"/>
           </a:p>
         </p:txBody>
       </p:sp>
@@ -1353,7 +3248,7 @@
           <a:bodyPr/>
           <a:lstStyle/>
           <a:p>
-            <a:endParaRPr lang="en-US" dirty="0"/>
+            <a:endParaRPr lang="en-US"/>
           </a:p>
         </p:txBody>
       </p:sp>
@@ -1372,57 +3267,18 @@
           <a:bodyPr/>
           <a:lstStyle/>
           <a:p>
-            <a:fld id="{4FAB73BC-B049-4115-A692-8D63A059BFB8}" type="slidenum">
+            <a:fld id="{0CFF6D7B-4C71-4C8D-9626-5703274B28E6}" type="slidenum">
               <a:rPr lang="en-US" smtClean="0"/>
-              <a:pPr/>
               <a:t>‹#›</a:t>
             </a:fld>
-            <a:endParaRPr lang="en-US" dirty="0"/>
-          </a:p>
-        </p:txBody>
-      </p:sp>
-      <p:cxnSp>
-        <p:nvCxnSpPr>
-          <p:cNvPr id="9" name="Straight Connector 8"/>
-          <p:cNvCxnSpPr/>
-          <p:nvPr/>
-        </p:nvCxnSpPr>
-        <p:spPr>
-          <a:xfrm>
-            <a:off x="1207658" y="4343400"/>
-            <a:ext cx="9875520" cy="0"/>
-          </a:xfrm>
-          <a:prstGeom prst="line">
-            <a:avLst/>
-          </a:prstGeom>
-          <a:ln w="6350">
-            <a:solidFill>
-              <a:schemeClr val="tx1">
-                <a:lumMod val="50000"/>
-                <a:lumOff val="50000"/>
-              </a:schemeClr>
-            </a:solidFill>
-          </a:ln>
-        </p:spPr>
-        <p:style>
-          <a:lnRef idx="1">
-            <a:schemeClr val="accent1"/>
-          </a:lnRef>
-          <a:fillRef idx="0">
-            <a:schemeClr val="accent1"/>
-          </a:fillRef>
-          <a:effectRef idx="0">
-            <a:schemeClr val="accent1"/>
-          </a:effectRef>
-          <a:fontRef idx="minor">
-            <a:schemeClr val="tx1"/>
-          </a:fontRef>
-        </p:style>
-      </p:cxnSp>
+            <a:endParaRPr lang="en-US"/>
+          </a:p>
+        </p:txBody>
+      </p:sp>
     </p:spTree>
     <p:extLst>
       <p:ext uri="{BB962C8B-B14F-4D97-AF65-F5344CB8AC3E}">
-        <p14:creationId xmlns:p14="http://schemas.microsoft.com/office/powerpoint/2010/main" val="1088273894"/>
+        <p14:creationId xmlns:p14="http://schemas.microsoft.com/office/powerpoint/2010/main" val="3032275478"/>
       </p:ext>
     </p:extLst>
   </p:cSld>
@@ -1451,27 +3307,79 @@
       </p:grpSpPr>
       <p:sp>
         <p:nvSpPr>
-          <p:cNvPr id="8" name="Title 7"/>
+          <p:cNvPr id="2" name="Title 1"/>
           <p:cNvSpPr>
             <a:spLocks noGrp="1"/>
           </p:cNvSpPr>
           <p:nvPr>
             <p:ph type="title"/>
+          </p:nvPr>
+        </p:nvSpPr>
+        <p:spPr/>
+        <p:txBody>
+          <a:bodyPr/>
+          <a:lstStyle/>
+          <a:p>
+            <a:r>
+              <a:rPr lang="en-US"/>
+              <a:t>Click to edit Master title style</a:t>
+            </a:r>
+            <a:endParaRPr lang="en-US" dirty="0"/>
+          </a:p>
+        </p:txBody>
+      </p:sp>
+      <p:sp>
+        <p:nvSpPr>
+          <p:cNvPr id="3" name="Content Placeholder 2"/>
+          <p:cNvSpPr>
+            <a:spLocks noGrp="1"/>
+          </p:cNvSpPr>
+          <p:nvPr>
+            <p:ph sz="half" idx="1"/>
           </p:nvPr>
         </p:nvSpPr>
         <p:spPr>
           <a:xfrm>
-            <a:off x="1097280" y="286603"/>
-            <a:ext cx="10058400" cy="1450757"/>
+            <a:off x="677334" y="2160589"/>
+            <a:ext cx="4184035" cy="3880772"/>
           </a:xfrm>
         </p:spPr>
         <p:txBody>
           <a:bodyPr/>
           <a:lstStyle/>
           <a:p>
+            <a:pPr lvl="0"/>
             <a:r>
               <a:rPr lang="en-US"/>
-              <a:t>Click to edit Master title style</a:t>
+              <a:t>Edit Master text styles</a:t>
+            </a:r>
+          </a:p>
+          <a:p>
+            <a:pPr lvl="1"/>
+            <a:r>
+              <a:rPr lang="en-US"/>
+              <a:t>Second level</a:t>
+            </a:r>
+          </a:p>
+          <a:p>
+            <a:pPr lvl="2"/>
+            <a:r>
+              <a:rPr lang="en-US"/>
+              <a:t>Third level</a:t>
+            </a:r>
+          </a:p>
+          <a:p>
+            <a:pPr lvl="3"/>
+            <a:r>
+              <a:rPr lang="en-US"/>
+              <a:t>Fourth level</a:t>
+            </a:r>
+          </a:p>
+          <a:p>
+            <a:pPr lvl="4"/>
+            <a:r>
+              <a:rPr lang="en-US"/>
+              <a:t>Fifth level</a:t>
             </a:r>
             <a:endParaRPr lang="en-US" dirty="0"/>
           </a:p>
@@ -1479,18 +3387,18 @@
       </p:sp>
       <p:sp>
         <p:nvSpPr>
-          <p:cNvPr id="3" name="Content Placeholder 2"/>
-          <p:cNvSpPr>
-            <a:spLocks noGrp="1"/>
-          </p:cNvSpPr>
-          <p:nvPr>
-            <p:ph sz="half" idx="1"/>
+          <p:cNvPr id="4" name="Content Placeholder 3"/>
+          <p:cNvSpPr>
+            <a:spLocks noGrp="1"/>
+          </p:cNvSpPr>
+          <p:nvPr>
+            <p:ph sz="half" idx="2"/>
           </p:nvPr>
         </p:nvSpPr>
         <p:spPr>
           <a:xfrm>
-            <a:off x="1097279" y="1845734"/>
-            <a:ext cx="4937760" cy="4023360"/>
+            <a:off x="5089970" y="2160589"/>
+            <a:ext cx="4184034" cy="3880773"/>
           </a:xfrm>
         </p:spPr>
         <p:txBody>
@@ -1536,69 +3444,35 @@
       </p:sp>
       <p:sp>
         <p:nvSpPr>
-          <p:cNvPr id="4" name="Content Placeholder 3"/>
-          <p:cNvSpPr>
-            <a:spLocks noGrp="1"/>
-          </p:cNvSpPr>
-          <p:nvPr>
-            <p:ph sz="half" idx="2"/>
-          </p:nvPr>
-        </p:nvSpPr>
-        <p:spPr>
-          <a:xfrm>
-            <a:off x="6217920" y="1845735"/>
-            <a:ext cx="4937760" cy="4023360"/>
-          </a:xfrm>
-        </p:spPr>
+          <p:cNvPr id="5" name="Date Placeholder 4"/>
+          <p:cNvSpPr>
+            <a:spLocks noGrp="1"/>
+          </p:cNvSpPr>
+          <p:nvPr>
+            <p:ph type="dt" sz="half" idx="10"/>
+          </p:nvPr>
+        </p:nvSpPr>
+        <p:spPr/>
         <p:txBody>
           <a:bodyPr/>
           <a:lstStyle/>
           <a:p>
-            <a:pPr lvl="0"/>
-            <a:r>
-              <a:rPr lang="en-US"/>
-              <a:t>Edit Master text styles</a:t>
-            </a:r>
-          </a:p>
-          <a:p>
-            <a:pPr lvl="1"/>
-            <a:r>
-              <a:rPr lang="en-US"/>
-              <a:t>Second level</a:t>
-            </a:r>
-          </a:p>
-          <a:p>
-            <a:pPr lvl="2"/>
-            <a:r>
-              <a:rPr lang="en-US"/>
-              <a:t>Third level</a:t>
-            </a:r>
-          </a:p>
-          <a:p>
-            <a:pPr lvl="3"/>
-            <a:r>
-              <a:rPr lang="en-US"/>
-              <a:t>Fourth level</a:t>
-            </a:r>
-          </a:p>
-          <a:p>
-            <a:pPr lvl="4"/>
-            <a:r>
-              <a:rPr lang="en-US"/>
-              <a:t>Fifth level</a:t>
-            </a:r>
-            <a:endParaRPr lang="en-US" dirty="0"/>
-          </a:p>
-        </p:txBody>
-      </p:sp>
-      <p:sp>
-        <p:nvSpPr>
-          <p:cNvPr id="5" name="Date Placeholder 4"/>
-          <p:cNvSpPr>
-            <a:spLocks noGrp="1"/>
-          </p:cNvSpPr>
-          <p:nvPr>
-            <p:ph type="dt" sz="half" idx="10"/>
+            <a:fld id="{7E193D74-4375-40CD-A476-45AA72EFCA66}" type="datetimeFigureOut">
+              <a:rPr lang="en-US" smtClean="0"/>
+              <a:t>7/5/2018</a:t>
+            </a:fld>
+            <a:endParaRPr lang="en-US"/>
+          </a:p>
+        </p:txBody>
+      </p:sp>
+      <p:sp>
+        <p:nvSpPr>
+          <p:cNvPr id="6" name="Footer Placeholder 5"/>
+          <p:cNvSpPr>
+            <a:spLocks noGrp="1"/>
+          </p:cNvSpPr>
+          <p:nvPr>
+            <p:ph type="ftr" sz="quarter" idx="11"/>
           </p:nvPr>
         </p:nvSpPr>
         <p:spPr/>
@@ -1606,22 +3480,18 @@
           <a:bodyPr/>
           <a:lstStyle/>
           <a:p>
-            <a:fld id="{8ECECD2C-79BD-4B90-B3FA-E3B19B3FF97B}" type="datetimeFigureOut">
-              <a:rPr lang="en-US" smtClean="0"/>
-              <a:t>7/4/2018</a:t>
-            </a:fld>
-            <a:endParaRPr lang="en-US" dirty="0"/>
-          </a:p>
-        </p:txBody>
-      </p:sp>
-      <p:sp>
-        <p:nvSpPr>
-          <p:cNvPr id="6" name="Footer Placeholder 5"/>
-          <p:cNvSpPr>
-            <a:spLocks noGrp="1"/>
-          </p:cNvSpPr>
-          <p:nvPr>
-            <p:ph type="ftr" sz="quarter" idx="11"/>
+            <a:endParaRPr lang="en-US"/>
+          </a:p>
+        </p:txBody>
+      </p:sp>
+      <p:sp>
+        <p:nvSpPr>
+          <p:cNvPr id="7" name="Slide Number Placeholder 6"/>
+          <p:cNvSpPr>
+            <a:spLocks noGrp="1"/>
+          </p:cNvSpPr>
+          <p:nvPr>
+            <p:ph type="sldNum" sz="quarter" idx="12"/>
           </p:nvPr>
         </p:nvSpPr>
         <p:spPr/>
@@ -1629,37 +3499,18 @@
           <a:bodyPr/>
           <a:lstStyle/>
           <a:p>
-            <a:endParaRPr lang="en-US" dirty="0"/>
-          </a:p>
-        </p:txBody>
-      </p:sp>
-      <p:sp>
-        <p:nvSpPr>
-          <p:cNvPr id="7" name="Slide Number Placeholder 6"/>
-          <p:cNvSpPr>
-            <a:spLocks noGrp="1"/>
-          </p:cNvSpPr>
-          <p:nvPr>
-            <p:ph type="sldNum" sz="quarter" idx="12"/>
-          </p:nvPr>
-        </p:nvSpPr>
-        <p:spPr/>
-        <p:txBody>
-          <a:bodyPr/>
-          <a:lstStyle/>
-          <a:p>
-            <a:fld id="{4FAB73BC-B049-4115-A692-8D63A059BFB8}" type="slidenum">
+            <a:fld id="{0CFF6D7B-4C71-4C8D-9626-5703274B28E6}" type="slidenum">
               <a:rPr lang="en-US" smtClean="0"/>
               <a:t>‹#›</a:t>
             </a:fld>
-            <a:endParaRPr lang="en-US" dirty="0"/>
+            <a:endParaRPr lang="en-US"/>
           </a:p>
         </p:txBody>
       </p:sp>
     </p:spTree>
     <p:extLst>
       <p:ext uri="{BB962C8B-B14F-4D97-AF65-F5344CB8AC3E}">
-        <p14:creationId xmlns:p14="http://schemas.microsoft.com/office/powerpoint/2010/main" val="39089387"/>
+        <p14:creationId xmlns:p14="http://schemas.microsoft.com/office/powerpoint/2010/main" val="1650419895"/>
       </p:ext>
     </p:extLst>
   </p:cSld>
@@ -1688,60 +3539,55 @@
       </p:grpSpPr>
       <p:sp>
         <p:nvSpPr>
-          <p:cNvPr id="10" name="Title 9"/>
+          <p:cNvPr id="2" name="Title 1"/>
           <p:cNvSpPr>
             <a:spLocks noGrp="1"/>
           </p:cNvSpPr>
           <p:nvPr>
             <p:ph type="title"/>
+          </p:nvPr>
+        </p:nvSpPr>
+        <p:spPr/>
+        <p:txBody>
+          <a:bodyPr/>
+          <a:lstStyle>
+            <a:lvl1pPr>
+              <a:defRPr/>
+            </a:lvl1pPr>
+          </a:lstStyle>
+          <a:p>
+            <a:r>
+              <a:rPr lang="en-US"/>
+              <a:t>Click to edit Master title style</a:t>
+            </a:r>
+            <a:endParaRPr lang="en-US" dirty="0"/>
+          </a:p>
+        </p:txBody>
+      </p:sp>
+      <p:sp>
+        <p:nvSpPr>
+          <p:cNvPr id="3" name="Text Placeholder 2"/>
+          <p:cNvSpPr>
+            <a:spLocks noGrp="1"/>
+          </p:cNvSpPr>
+          <p:nvPr>
+            <p:ph type="body" idx="1"/>
           </p:nvPr>
         </p:nvSpPr>
         <p:spPr>
           <a:xfrm>
-            <a:off x="1097280" y="286603"/>
-            <a:ext cx="10058400" cy="1450757"/>
+            <a:off x="675745" y="2160983"/>
+            <a:ext cx="4185623" cy="576262"/>
           </a:xfrm>
         </p:spPr>
         <p:txBody>
-          <a:bodyPr/>
-          <a:lstStyle/>
-          <a:p>
-            <a:r>
-              <a:rPr lang="en-US"/>
-              <a:t>Click to edit Master title style</a:t>
-            </a:r>
-            <a:endParaRPr lang="en-US" dirty="0"/>
-          </a:p>
-        </p:txBody>
-      </p:sp>
-      <p:sp>
-        <p:nvSpPr>
-          <p:cNvPr id="3" name="Text Placeholder 2"/>
-          <p:cNvSpPr>
-            <a:spLocks noGrp="1"/>
-          </p:cNvSpPr>
-          <p:nvPr>
-            <p:ph type="body" idx="1"/>
-          </p:nvPr>
-        </p:nvSpPr>
-        <p:spPr>
-          <a:xfrm>
-            <a:off x="1097280" y="1846052"/>
-            <a:ext cx="4937760" cy="736282"/>
-          </a:xfrm>
-        </p:spPr>
-        <p:txBody>
-          <a:bodyPr lIns="91440" rIns="91440" anchor="ctr">
-            <a:normAutofit/>
+          <a:bodyPr anchor="b">
+            <a:noAutofit/>
           </a:bodyPr>
           <a:lstStyle>
             <a:lvl1pPr marL="0" indent="0">
               <a:buNone/>
-              <a:defRPr sz="2000" b="0" cap="all" baseline="0">
-                <a:solidFill>
-                  <a:schemeClr val="tx2"/>
-                </a:solidFill>
-              </a:defRPr>
+              <a:defRPr sz="2400" b="0"/>
             </a:lvl1pPr>
             <a:lvl2pPr marL="457200" indent="0">
               <a:buNone/>
@@ -1797,12 +3643,14 @@
         </p:nvSpPr>
         <p:spPr>
           <a:xfrm>
-            <a:off x="1097280" y="2582334"/>
-            <a:ext cx="4937760" cy="3378200"/>
+            <a:off x="675745" y="2737245"/>
+            <a:ext cx="4185623" cy="3304117"/>
           </a:xfrm>
         </p:spPr>
         <p:txBody>
-          <a:bodyPr/>
+          <a:bodyPr>
+            <a:normAutofit/>
+          </a:bodyPr>
           <a:lstStyle/>
           <a:p>
             <a:pPr lvl="0"/>
@@ -1854,22 +3702,18 @@
         </p:nvSpPr>
         <p:spPr>
           <a:xfrm>
-            <a:off x="6217920" y="1846052"/>
-            <a:ext cx="4937760" cy="736282"/>
+            <a:off x="5088383" y="2160983"/>
+            <a:ext cx="4185618" cy="576262"/>
           </a:xfrm>
         </p:spPr>
         <p:txBody>
-          <a:bodyPr lIns="91440" rIns="91440" anchor="ctr">
-            <a:normAutofit/>
+          <a:bodyPr anchor="b">
+            <a:noAutofit/>
           </a:bodyPr>
           <a:lstStyle>
             <a:lvl1pPr marL="0" indent="0">
               <a:buNone/>
-              <a:defRPr sz="2000" b="0" cap="all" baseline="0">
-                <a:solidFill>
-                  <a:schemeClr val="tx2"/>
-                </a:solidFill>
-              </a:defRPr>
+              <a:defRPr sz="2400" b="0"/>
             </a:lvl1pPr>
             <a:lvl2pPr marL="457200" indent="0">
               <a:buNone/>
@@ -1925,12 +3769,14 @@
         </p:nvSpPr>
         <p:spPr>
           <a:xfrm>
-            <a:off x="6217920" y="2582334"/>
-            <a:ext cx="4937760" cy="3378200"/>
+            <a:off x="5088384" y="2737245"/>
+            <a:ext cx="4185617" cy="3304117"/>
           </a:xfrm>
         </p:spPr>
         <p:txBody>
-          <a:bodyPr/>
+          <a:bodyPr>
+            <a:normAutofit/>
+          </a:bodyPr>
           <a:lstStyle/>
           <a:p>
             <a:pPr lvl="0"/>
@@ -1985,11 +3831,11 @@
           <a:bodyPr/>
           <a:lstStyle/>
           <a:p>
-            <a:fld id="{29E9FDB6-7A26-4DBB-9BB0-088C0534314D}" type="datetimeFigureOut">
+            <a:fld id="{7E193D74-4375-40CD-A476-45AA72EFCA66}" type="datetimeFigureOut">
               <a:rPr lang="en-US" smtClean="0"/>
-              <a:t>7/4/2018</a:t>
+              <a:t>7/5/2018</a:t>
             </a:fld>
-            <a:endParaRPr lang="en-US" dirty="0"/>
+            <a:endParaRPr lang="en-US"/>
           </a:p>
         </p:txBody>
       </p:sp>
@@ -2008,7 +3854,7 @@
           <a:bodyPr/>
           <a:lstStyle/>
           <a:p>
-            <a:endParaRPr lang="en-US" dirty="0"/>
+            <a:endParaRPr lang="en-US"/>
           </a:p>
         </p:txBody>
       </p:sp>
@@ -2027,18 +3873,18 @@
           <a:bodyPr/>
           <a:lstStyle/>
           <a:p>
-            <a:fld id="{4FAB73BC-B049-4115-A692-8D63A059BFB8}" type="slidenum">
+            <a:fld id="{0CFF6D7B-4C71-4C8D-9626-5703274B28E6}" type="slidenum">
               <a:rPr lang="en-US" smtClean="0"/>
               <a:t>‹#›</a:t>
             </a:fld>
-            <a:endParaRPr lang="en-US" dirty="0"/>
+            <a:endParaRPr lang="en-US"/>
           </a:p>
         </p:txBody>
       </p:sp>
     </p:spTree>
     <p:extLst>
       <p:ext uri="{BB962C8B-B14F-4D97-AF65-F5344CB8AC3E}">
-        <p14:creationId xmlns:p14="http://schemas.microsoft.com/office/powerpoint/2010/main" val="3999275384"/>
+        <p14:creationId xmlns:p14="http://schemas.microsoft.com/office/powerpoint/2010/main" val="119698435"/>
       </p:ext>
     </p:extLst>
   </p:cSld>
@@ -2075,7 +3921,12 @@
             <p:ph type="title"/>
           </p:nvPr>
         </p:nvSpPr>
-        <p:spPr/>
+        <p:spPr>
+          <a:xfrm>
+            <a:off x="677334" y="609600"/>
+            <a:ext cx="8596668" cy="1320800"/>
+          </a:xfrm>
+        </p:spPr>
         <p:txBody>
           <a:bodyPr/>
           <a:lstStyle/>
@@ -2103,11 +3954,11 @@
           <a:bodyPr/>
           <a:lstStyle/>
           <a:p>
-            <a:fld id="{C2E7C72F-E0F0-449A-A903-6D7865ED3EFA}" type="datetimeFigureOut">
+            <a:fld id="{7E193D74-4375-40CD-A476-45AA72EFCA66}" type="datetimeFigureOut">
               <a:rPr lang="en-US" smtClean="0"/>
-              <a:t>7/4/2018</a:t>
+              <a:t>7/5/2018</a:t>
             </a:fld>
-            <a:endParaRPr lang="en-US" dirty="0"/>
+            <a:endParaRPr lang="en-US"/>
           </a:p>
         </p:txBody>
       </p:sp>
@@ -2126,7 +3977,7 @@
           <a:bodyPr/>
           <a:lstStyle/>
           <a:p>
-            <a:endParaRPr lang="en-US" dirty="0"/>
+            <a:endParaRPr lang="en-US"/>
           </a:p>
         </p:txBody>
       </p:sp>
@@ -2145,18 +3996,18 @@
           <a:bodyPr/>
           <a:lstStyle/>
           <a:p>
-            <a:fld id="{4FAB73BC-B049-4115-A692-8D63A059BFB8}" type="slidenum">
+            <a:fld id="{0CFF6D7B-4C71-4C8D-9626-5703274B28E6}" type="slidenum">
               <a:rPr lang="en-US" smtClean="0"/>
               <a:t>‹#›</a:t>
             </a:fld>
-            <a:endParaRPr lang="en-US" dirty="0"/>
+            <a:endParaRPr lang="en-US"/>
           </a:p>
         </p:txBody>
       </p:sp>
     </p:spTree>
     <p:extLst>
       <p:ext uri="{BB962C8B-B14F-4D97-AF65-F5344CB8AC3E}">
-        <p14:creationId xmlns:p14="http://schemas.microsoft.com/office/powerpoint/2010/main" val="2537303852"/>
+        <p14:creationId xmlns:p14="http://schemas.microsoft.com/office/powerpoint/2010/main" val="521670939"/>
       </p:ext>
     </p:extLst>
   </p:cSld>
@@ -2167,7 +4018,7 @@
 </file>
 
 <file path=ppt/slideLayouts/slideLayout7.xml><?xml version="1.0" encoding="utf-8"?>
-<p:sldLayout xmlns:a="http://schemas.openxmlformats.org/drawingml/2006/main" xmlns:r="http://schemas.openxmlformats.org/officeDocument/2006/relationships" xmlns:p="http://schemas.openxmlformats.org/presentationml/2006/main" showMasterSp="0" type="blank" preserve="1">
+<p:sldLayout xmlns:a="http://schemas.openxmlformats.org/drawingml/2006/main" xmlns:r="http://schemas.openxmlformats.org/officeDocument/2006/relationships" xmlns:p="http://schemas.openxmlformats.org/presentationml/2006/main" type="blank" preserve="1">
   <p:cSld name="Blank">
     <p:spTree>
       <p:nvGrpSpPr>
@@ -2185,83 +4036,7 @@
       </p:grpSpPr>
       <p:sp>
         <p:nvSpPr>
-          <p:cNvPr id="5" name="Rectangle 4"/>
-          <p:cNvSpPr/>
-          <p:nvPr/>
-        </p:nvSpPr>
-        <p:spPr>
-          <a:xfrm>
-            <a:off x="3175" y="6400800"/>
-            <a:ext cx="12188825" cy="457200"/>
-          </a:xfrm>
-          <a:prstGeom prst="rect">
-            <a:avLst/>
-          </a:prstGeom>
-          <a:solidFill>
-            <a:schemeClr val="accent2"/>
-          </a:solidFill>
-          <a:ln>
-            <a:noFill/>
-          </a:ln>
-        </p:spPr>
-        <p:style>
-          <a:lnRef idx="2">
-            <a:schemeClr val="accent1">
-              <a:shade val="50000"/>
-            </a:schemeClr>
-          </a:lnRef>
-          <a:fillRef idx="1">
-            <a:schemeClr val="accent1"/>
-          </a:fillRef>
-          <a:effectRef idx="0">
-            <a:schemeClr val="accent1"/>
-          </a:effectRef>
-          <a:fontRef idx="minor">
-            <a:schemeClr val="lt1"/>
-          </a:fontRef>
-        </p:style>
-      </p:sp>
-      <p:sp>
-        <p:nvSpPr>
-          <p:cNvPr id="6" name="Rectangle 5"/>
-          <p:cNvSpPr/>
-          <p:nvPr/>
-        </p:nvSpPr>
-        <p:spPr>
-          <a:xfrm>
-            <a:off x="15" y="6334316"/>
-            <a:ext cx="12188825" cy="64008"/>
-          </a:xfrm>
-          <a:prstGeom prst="rect">
-            <a:avLst/>
-          </a:prstGeom>
-          <a:solidFill>
-            <a:schemeClr val="accent1"/>
-          </a:solidFill>
-          <a:ln>
-            <a:noFill/>
-          </a:ln>
-        </p:spPr>
-        <p:style>
-          <a:lnRef idx="2">
-            <a:schemeClr val="accent1">
-              <a:shade val="50000"/>
-            </a:schemeClr>
-          </a:lnRef>
-          <a:fillRef idx="1">
-            <a:schemeClr val="accent1"/>
-          </a:fillRef>
-          <a:effectRef idx="0">
-            <a:schemeClr val="accent1"/>
-          </a:effectRef>
-          <a:fontRef idx="minor">
-            <a:schemeClr val="lt1"/>
-          </a:fontRef>
-        </p:style>
-      </p:sp>
-      <p:sp>
-        <p:nvSpPr>
-          <p:cNvPr id="7" name="Date Placeholder 6"/>
+          <p:cNvPr id="2" name="Date Placeholder 1"/>
           <p:cNvSpPr>
             <a:spLocks noGrp="1"/>
           </p:cNvSpPr>
@@ -2274,17 +4049,17 @@
           <a:bodyPr/>
           <a:lstStyle/>
           <a:p>
-            <a:fld id="{6641207D-C9F3-42EA-960B-DC9955B358C7}" type="datetimeFigureOut">
+            <a:fld id="{7E193D74-4375-40CD-A476-45AA72EFCA66}" type="datetimeFigureOut">
               <a:rPr lang="en-US" smtClean="0"/>
-              <a:t>7/4/2018</a:t>
+              <a:t>7/5/2018</a:t>
             </a:fld>
-            <a:endParaRPr lang="en-US" dirty="0"/>
-          </a:p>
-        </p:txBody>
-      </p:sp>
-      <p:sp>
-        <p:nvSpPr>
-          <p:cNvPr id="8" name="Footer Placeholder 7"/>
+            <a:endParaRPr lang="en-US"/>
+          </a:p>
+        </p:txBody>
+      </p:sp>
+      <p:sp>
+        <p:nvSpPr>
+          <p:cNvPr id="3" name="Footer Placeholder 2"/>
           <p:cNvSpPr>
             <a:spLocks noGrp="1"/>
           </p:cNvSpPr>
@@ -2295,23 +4070,15 @@
         <p:spPr/>
         <p:txBody>
           <a:bodyPr/>
-          <a:lstStyle>
-            <a:lvl1pPr>
-              <a:defRPr>
-                <a:solidFill>
-                  <a:srgbClr val="FFFFFF"/>
-                </a:solidFill>
-              </a:defRPr>
-            </a:lvl1pPr>
-          </a:lstStyle>
-          <a:p>
-            <a:endParaRPr lang="en-US" dirty="0"/>
-          </a:p>
-        </p:txBody>
-      </p:sp>
-      <p:sp>
-        <p:nvSpPr>
-          <p:cNvPr id="9" name="Slide Number Placeholder 8"/>
+          <a:lstStyle/>
+          <a:p>
+            <a:endParaRPr lang="en-US"/>
+          </a:p>
+        </p:txBody>
+      </p:sp>
+      <p:sp>
+        <p:nvSpPr>
+          <p:cNvPr id="4" name="Slide Number Placeholder 3"/>
           <p:cNvSpPr>
             <a:spLocks noGrp="1"/>
           </p:cNvSpPr>
@@ -2324,18 +4091,18 @@
           <a:bodyPr/>
           <a:lstStyle/>
           <a:p>
-            <a:fld id="{4FAB73BC-B049-4115-A692-8D63A059BFB8}" type="slidenum">
+            <a:fld id="{0CFF6D7B-4C71-4C8D-9626-5703274B28E6}" type="slidenum">
               <a:rPr lang="en-US" smtClean="0"/>
               <a:t>‹#›</a:t>
             </a:fld>
-            <a:endParaRPr lang="en-US" dirty="0"/>
+            <a:endParaRPr lang="en-US"/>
           </a:p>
         </p:txBody>
       </p:sp>
     </p:spTree>
     <p:extLst>
       <p:ext uri="{BB962C8B-B14F-4D97-AF65-F5344CB8AC3E}">
-        <p14:creationId xmlns:p14="http://schemas.microsoft.com/office/powerpoint/2010/main" val="370118427"/>
+        <p14:creationId xmlns:p14="http://schemas.microsoft.com/office/powerpoint/2010/main" val="1335155304"/>
       </p:ext>
     </p:extLst>
   </p:cSld>
@@ -2346,7 +4113,7 @@
 </file>
 
 <file path=ppt/slideLayouts/slideLayout8.xml><?xml version="1.0" encoding="utf-8"?>
-<p:sldLayout xmlns:a="http://schemas.openxmlformats.org/drawingml/2006/main" xmlns:r="http://schemas.openxmlformats.org/officeDocument/2006/relationships" xmlns:p="http://schemas.openxmlformats.org/presentationml/2006/main" showMasterSp="0" type="objTx" preserve="1">
+<p:sldLayout xmlns:a="http://schemas.openxmlformats.org/drawingml/2006/main" xmlns:r="http://schemas.openxmlformats.org/officeDocument/2006/relationships" xmlns:p="http://schemas.openxmlformats.org/presentationml/2006/main" type="objTx" preserve="1">
   <p:cSld name="Content with Caption">
     <p:spTree>
       <p:nvGrpSpPr>
@@ -2364,94 +4131,18 @@
       </p:grpSpPr>
       <p:sp>
         <p:nvSpPr>
-          <p:cNvPr id="8" name="Rectangle 7"/>
-          <p:cNvSpPr/>
-          <p:nvPr/>
+          <p:cNvPr id="2" name="Title 1"/>
+          <p:cNvSpPr>
+            <a:spLocks noGrp="1"/>
+          </p:cNvSpPr>
+          <p:nvPr>
+            <p:ph type="title"/>
+          </p:nvPr>
         </p:nvSpPr>
         <p:spPr>
           <a:xfrm>
-            <a:off x="16" y="0"/>
-            <a:ext cx="4050791" cy="6858000"/>
-          </a:xfrm>
-          <a:prstGeom prst="rect">
-            <a:avLst/>
-          </a:prstGeom>
-          <a:solidFill>
-            <a:schemeClr val="accent2"/>
-          </a:solidFill>
-          <a:ln>
-            <a:noFill/>
-          </a:ln>
-        </p:spPr>
-        <p:style>
-          <a:lnRef idx="2">
-            <a:schemeClr val="accent1">
-              <a:shade val="50000"/>
-            </a:schemeClr>
-          </a:lnRef>
-          <a:fillRef idx="1">
-            <a:schemeClr val="accent1"/>
-          </a:fillRef>
-          <a:effectRef idx="0">
-            <a:schemeClr val="accent1"/>
-          </a:effectRef>
-          <a:fontRef idx="minor">
-            <a:schemeClr val="lt1"/>
-          </a:fontRef>
-        </p:style>
-      </p:sp>
-      <p:sp>
-        <p:nvSpPr>
-          <p:cNvPr id="9" name="Rectangle 8"/>
-          <p:cNvSpPr/>
-          <p:nvPr/>
-        </p:nvSpPr>
-        <p:spPr>
-          <a:xfrm>
-            <a:off x="4040071" y="0"/>
-            <a:ext cx="64008" cy="6858000"/>
-          </a:xfrm>
-          <a:prstGeom prst="rect">
-            <a:avLst/>
-          </a:prstGeom>
-          <a:solidFill>
-            <a:schemeClr val="accent1"/>
-          </a:solidFill>
-          <a:ln>
-            <a:noFill/>
-          </a:ln>
-        </p:spPr>
-        <p:style>
-          <a:lnRef idx="2">
-            <a:schemeClr val="accent1">
-              <a:shade val="50000"/>
-            </a:schemeClr>
-          </a:lnRef>
-          <a:fillRef idx="1">
-            <a:schemeClr val="accent1"/>
-          </a:fillRef>
-          <a:effectRef idx="0">
-            <a:schemeClr val="accent1"/>
-          </a:effectRef>
-          <a:fontRef idx="minor">
-            <a:schemeClr val="lt1"/>
-          </a:fontRef>
-        </p:style>
-      </p:sp>
-      <p:sp>
-        <p:nvSpPr>
-          <p:cNvPr id="2" name="Title 1"/>
-          <p:cNvSpPr>
-            <a:spLocks noGrp="1"/>
-          </p:cNvSpPr>
-          <p:nvPr>
-            <p:ph type="title"/>
-          </p:nvPr>
-        </p:nvSpPr>
-        <p:spPr>
-          <a:xfrm>
-            <a:off x="457200" y="594359"/>
-            <a:ext cx="3200400" cy="2286000"/>
+            <a:off x="677334" y="1498604"/>
+            <a:ext cx="3854528" cy="1278466"/>
           </a:xfrm>
         </p:spPr>
         <p:txBody>
@@ -2460,11 +4151,7 @@
           </a:bodyPr>
           <a:lstStyle>
             <a:lvl1pPr>
-              <a:defRPr sz="3600" b="0">
-                <a:solidFill>
-                  <a:srgbClr val="FFFFFF"/>
-                </a:solidFill>
-              </a:defRPr>
+              <a:defRPr sz="2000"/>
             </a:lvl1pPr>
           </a:lstStyle>
           <a:p>
@@ -2488,12 +4175,14 @@
         </p:nvSpPr>
         <p:spPr>
           <a:xfrm>
-            <a:off x="4800600" y="731520"/>
-            <a:ext cx="6492240" cy="5257800"/>
+            <a:off x="4760461" y="514924"/>
+            <a:ext cx="4513541" cy="5526437"/>
           </a:xfrm>
         </p:spPr>
         <p:txBody>
-          <a:bodyPr/>
+          <a:bodyPr>
+            <a:normAutofit/>
+          </a:bodyPr>
           <a:lstStyle/>
           <a:p>
             <a:pPr lvl="0"/>
@@ -2545,54 +4234,50 @@
         </p:nvSpPr>
         <p:spPr>
           <a:xfrm>
-            <a:off x="457200" y="2926080"/>
-            <a:ext cx="3200400" cy="3379124"/>
+            <a:off x="677334" y="2777069"/>
+            <a:ext cx="3854528" cy="2584449"/>
           </a:xfrm>
         </p:spPr>
         <p:txBody>
-          <a:bodyPr lIns="91440" rIns="91440">
+          <a:bodyPr>
             <a:normAutofit/>
           </a:bodyPr>
           <a:lstStyle>
             <a:lvl1pPr marL="0" indent="0">
               <a:buNone/>
-              <a:defRPr sz="1500">
-                <a:solidFill>
-                  <a:srgbClr val="FFFFFF"/>
-                </a:solidFill>
-              </a:defRPr>
+              <a:defRPr sz="1400"/>
             </a:lvl1pPr>
-            <a:lvl2pPr marL="457200" indent="0">
+            <a:lvl2pPr marL="457063" indent="0">
+              <a:buNone/>
+              <a:defRPr sz="1400"/>
+            </a:lvl2pPr>
+            <a:lvl3pPr marL="914126" indent="0">
               <a:buNone/>
               <a:defRPr sz="1200"/>
-            </a:lvl2pPr>
-            <a:lvl3pPr marL="914400" indent="0">
+            </a:lvl3pPr>
+            <a:lvl4pPr marL="1371189" indent="0">
               <a:buNone/>
               <a:defRPr sz="1000"/>
-            </a:lvl3pPr>
-            <a:lvl4pPr marL="1371600" indent="0">
-              <a:buNone/>
-              <a:defRPr sz="900"/>
             </a:lvl4pPr>
-            <a:lvl5pPr marL="1828800" indent="0">
-              <a:buNone/>
-              <a:defRPr sz="900"/>
+            <a:lvl5pPr marL="1828251" indent="0">
+              <a:buNone/>
+              <a:defRPr sz="1000"/>
             </a:lvl5pPr>
-            <a:lvl6pPr marL="2286000" indent="0">
-              <a:buNone/>
-              <a:defRPr sz="900"/>
+            <a:lvl6pPr marL="2285314" indent="0">
+              <a:buNone/>
+              <a:defRPr sz="1000"/>
             </a:lvl6pPr>
-            <a:lvl7pPr marL="2743200" indent="0">
-              <a:buNone/>
-              <a:defRPr sz="900"/>
+            <a:lvl7pPr marL="2742377" indent="0">
+              <a:buNone/>
+              <a:defRPr sz="1000"/>
             </a:lvl7pPr>
-            <a:lvl8pPr marL="3200400" indent="0">
-              <a:buNone/>
-              <a:defRPr sz="900"/>
+            <a:lvl8pPr marL="3199440" indent="0">
+              <a:buNone/>
+              <a:defRPr sz="1000"/>
             </a:lvl8pPr>
-            <a:lvl9pPr marL="3657600" indent="0">
-              <a:buNone/>
-              <a:defRPr sz="900"/>
+            <a:lvl9pPr marL="3656503" indent="0">
+              <a:buNone/>
+              <a:defRPr sz="1000"/>
             </a:lvl9pPr>
           </a:lstStyle>
           <a:p>
@@ -2614,25 +4299,16 @@
             <p:ph type="dt" sz="half" idx="10"/>
           </p:nvPr>
         </p:nvSpPr>
-        <p:spPr>
-          <a:xfrm>
-            <a:off x="465512" y="6459785"/>
-            <a:ext cx="2618510" cy="365125"/>
-          </a:xfrm>
-        </p:spPr>
+        <p:spPr/>
         <p:txBody>
           <a:bodyPr/>
-          <a:lstStyle>
-            <a:lvl1pPr algn="l">
-              <a:defRPr/>
-            </a:lvl1pPr>
-          </a:lstStyle>
-          <a:p>
-            <a:fld id="{4D8827A6-8947-4115-8D9E-E89B1EC0518D}" type="datetimeFigureOut">
+          <a:lstStyle/>
+          <a:p>
+            <a:fld id="{7E193D74-4375-40CD-A476-45AA72EFCA66}" type="datetimeFigureOut">
               <a:rPr lang="en-US" smtClean="0"/>
-              <a:t>7/4/2018</a:t>
+              <a:t>7/5/2018</a:t>
             </a:fld>
-            <a:endParaRPr lang="en-US" dirty="0"/>
+            <a:endParaRPr lang="en-US"/>
           </a:p>
         </p:txBody>
       </p:sp>
@@ -2646,25 +4322,12 @@
             <p:ph type="ftr" sz="quarter" idx="11"/>
           </p:nvPr>
         </p:nvSpPr>
-        <p:spPr>
-          <a:xfrm>
-            <a:off x="4800600" y="6459785"/>
-            <a:ext cx="4648200" cy="365125"/>
-          </a:xfrm>
-        </p:spPr>
+        <p:spPr/>
         <p:txBody>
           <a:bodyPr/>
-          <a:lstStyle>
-            <a:lvl1pPr algn="l">
-              <a:defRPr>
-                <a:solidFill>
-                  <a:schemeClr val="tx2"/>
-                </a:solidFill>
-              </a:defRPr>
-            </a:lvl1pPr>
-          </a:lstStyle>
-          <a:p>
-            <a:endParaRPr lang="en-US" dirty="0"/>
+          <a:lstStyle/>
+          <a:p>
+            <a:endParaRPr lang="en-US"/>
           </a:p>
         </p:txBody>
       </p:sp>
@@ -2681,28 +4344,20 @@
         <p:spPr/>
         <p:txBody>
           <a:bodyPr/>
-          <a:lstStyle>
-            <a:lvl1pPr>
-              <a:defRPr>
-                <a:solidFill>
-                  <a:schemeClr val="tx2"/>
-                </a:solidFill>
-              </a:defRPr>
-            </a:lvl1pPr>
-          </a:lstStyle>
-          <a:p>
-            <a:fld id="{4FAB73BC-B049-4115-A692-8D63A059BFB8}" type="slidenum">
+          <a:lstStyle/>
+          <a:p>
+            <a:fld id="{0CFF6D7B-4C71-4C8D-9626-5703274B28E6}" type="slidenum">
               <a:rPr lang="en-US" smtClean="0"/>
               <a:t>‹#›</a:t>
             </a:fld>
-            <a:endParaRPr lang="en-US" dirty="0"/>
+            <a:endParaRPr lang="en-US"/>
           </a:p>
         </p:txBody>
       </p:sp>
     </p:spTree>
     <p:extLst>
       <p:ext uri="{BB962C8B-B14F-4D97-AF65-F5344CB8AC3E}">
-        <p14:creationId xmlns:p14="http://schemas.microsoft.com/office/powerpoint/2010/main" val="3957655899"/>
+        <p14:creationId xmlns:p14="http://schemas.microsoft.com/office/powerpoint/2010/main" val="3482193701"/>
       </p:ext>
     </p:extLst>
   </p:cSld>
@@ -2713,7 +4368,7 @@
 </file>
 
 <file path=ppt/slideLayouts/slideLayout9.xml><?xml version="1.0" encoding="utf-8"?>
-<p:sldLayout xmlns:a="http://schemas.openxmlformats.org/drawingml/2006/main" xmlns:r="http://schemas.openxmlformats.org/officeDocument/2006/relationships" xmlns:p="http://schemas.openxmlformats.org/presentationml/2006/main" showMasterSp="0" type="picTx" preserve="1">
+<p:sldLayout xmlns:a="http://schemas.openxmlformats.org/drawingml/2006/main" xmlns:r="http://schemas.openxmlformats.org/officeDocument/2006/relationships" xmlns:p="http://schemas.openxmlformats.org/presentationml/2006/main" type="picTx" preserve="1">
   <p:cSld name="Picture with Caption">
     <p:spTree>
       <p:nvGrpSpPr>
@@ -2731,227 +4386,129 @@
       </p:grpSpPr>
       <p:sp>
         <p:nvSpPr>
-          <p:cNvPr id="8" name="Rectangle 7"/>
-          <p:cNvSpPr/>
-          <p:nvPr/>
+          <p:cNvPr id="2" name="Title 1"/>
+          <p:cNvSpPr>
+            <a:spLocks noGrp="1"/>
+          </p:cNvSpPr>
+          <p:nvPr>
+            <p:ph type="title"/>
+          </p:nvPr>
         </p:nvSpPr>
         <p:spPr>
           <a:xfrm>
-            <a:off x="0" y="4953000"/>
-            <a:ext cx="12188825" cy="1905000"/>
+            <a:off x="677334" y="4800600"/>
+            <a:ext cx="8596667" cy="566738"/>
           </a:xfrm>
-          <a:prstGeom prst="rect">
-            <a:avLst/>
-          </a:prstGeom>
-          <a:solidFill>
-            <a:schemeClr val="accent2"/>
-          </a:solidFill>
-          <a:ln>
-            <a:noFill/>
-          </a:ln>
         </p:spPr>
-        <p:style>
-          <a:lnRef idx="2">
-            <a:schemeClr val="accent1">
-              <a:shade val="50000"/>
-            </a:schemeClr>
-          </a:lnRef>
-          <a:fillRef idx="1">
-            <a:schemeClr val="accent1"/>
-          </a:fillRef>
-          <a:effectRef idx="0">
-            <a:schemeClr val="accent1"/>
-          </a:effectRef>
-          <a:fontRef idx="minor">
-            <a:schemeClr val="lt1"/>
-          </a:fontRef>
-        </p:style>
-      </p:sp>
-      <p:sp>
-        <p:nvSpPr>
-          <p:cNvPr id="9" name="Rectangle 8"/>
-          <p:cNvSpPr/>
-          <p:nvPr/>
+        <p:txBody>
+          <a:bodyPr anchor="b">
+            <a:normAutofit/>
+          </a:bodyPr>
+          <a:lstStyle>
+            <a:lvl1pPr algn="l">
+              <a:defRPr sz="2400" b="0"/>
+            </a:lvl1pPr>
+          </a:lstStyle>
+          <a:p>
+            <a:r>
+              <a:rPr lang="en-US"/>
+              <a:t>Click to edit Master title style</a:t>
+            </a:r>
+            <a:endParaRPr lang="en-US" dirty="0"/>
+          </a:p>
+        </p:txBody>
+      </p:sp>
+      <p:sp>
+        <p:nvSpPr>
+          <p:cNvPr id="3" name="Picture Placeholder 2"/>
+          <p:cNvSpPr>
+            <a:spLocks noGrp="1" noChangeAspect="1"/>
+          </p:cNvSpPr>
+          <p:nvPr>
+            <p:ph type="pic" idx="1"/>
+          </p:nvPr>
         </p:nvSpPr>
         <p:spPr>
           <a:xfrm>
-            <a:off x="15" y="4915076"/>
-            <a:ext cx="12188825" cy="64008"/>
+            <a:off x="677334" y="609600"/>
+            <a:ext cx="8596668" cy="3845718"/>
           </a:xfrm>
-          <a:prstGeom prst="rect">
-            <a:avLst/>
-          </a:prstGeom>
-          <a:solidFill>
-            <a:schemeClr val="accent1"/>
-          </a:solidFill>
-          <a:ln>
-            <a:noFill/>
-          </a:ln>
         </p:spPr>
-        <p:style>
-          <a:lnRef idx="2">
-            <a:schemeClr val="accent1">
-              <a:shade val="50000"/>
-            </a:schemeClr>
-          </a:lnRef>
-          <a:fillRef idx="1">
-            <a:schemeClr val="accent1"/>
-          </a:fillRef>
-          <a:effectRef idx="0">
-            <a:schemeClr val="accent1"/>
-          </a:effectRef>
-          <a:fontRef idx="minor">
-            <a:schemeClr val="lt1"/>
-          </a:fontRef>
-        </p:style>
-      </p:sp>
-      <p:sp>
-        <p:nvSpPr>
-          <p:cNvPr id="2" name="Title 1"/>
-          <p:cNvSpPr>
-            <a:spLocks noGrp="1"/>
-          </p:cNvSpPr>
-          <p:nvPr>
-            <p:ph type="title"/>
+        <p:txBody>
+          <a:bodyPr anchor="t">
+            <a:normAutofit/>
+          </a:bodyPr>
+          <a:lstStyle>
+            <a:lvl1pPr marL="0" indent="0" algn="ctr">
+              <a:buNone/>
+              <a:defRPr sz="1600"/>
+            </a:lvl1pPr>
+            <a:lvl2pPr marL="457200" indent="0">
+              <a:buNone/>
+              <a:defRPr sz="1600"/>
+            </a:lvl2pPr>
+            <a:lvl3pPr marL="914400" indent="0">
+              <a:buNone/>
+              <a:defRPr sz="1600"/>
+            </a:lvl3pPr>
+            <a:lvl4pPr marL="1371600" indent="0">
+              <a:buNone/>
+              <a:defRPr sz="1600"/>
+            </a:lvl4pPr>
+            <a:lvl5pPr marL="1828800" indent="0">
+              <a:buNone/>
+              <a:defRPr sz="1600"/>
+            </a:lvl5pPr>
+            <a:lvl6pPr marL="2286000" indent="0">
+              <a:buNone/>
+              <a:defRPr sz="1600"/>
+            </a:lvl6pPr>
+            <a:lvl7pPr marL="2743200" indent="0">
+              <a:buNone/>
+              <a:defRPr sz="1600"/>
+            </a:lvl7pPr>
+            <a:lvl8pPr marL="3200400" indent="0">
+              <a:buNone/>
+              <a:defRPr sz="1600"/>
+            </a:lvl8pPr>
+            <a:lvl9pPr marL="3657600" indent="0">
+              <a:buNone/>
+              <a:defRPr sz="1600"/>
+            </a:lvl9pPr>
+          </a:lstStyle>
+          <a:p>
+            <a:r>
+              <a:rPr lang="en-US"/>
+              <a:t>Click icon to add picture</a:t>
+            </a:r>
+            <a:endParaRPr lang="en-US" dirty="0"/>
+          </a:p>
+        </p:txBody>
+      </p:sp>
+      <p:sp>
+        <p:nvSpPr>
+          <p:cNvPr id="4" name="Text Placeholder 3"/>
+          <p:cNvSpPr>
+            <a:spLocks noGrp="1"/>
+          </p:cNvSpPr>
+          <p:nvPr>
+            <p:ph type="body" sz="half" idx="2"/>
           </p:nvPr>
         </p:nvSpPr>
         <p:spPr>
           <a:xfrm>
-            <a:off x="1097280" y="5074920"/>
-            <a:ext cx="10113264" cy="822960"/>
+            <a:off x="677334" y="5367338"/>
+            <a:ext cx="8596667" cy="674024"/>
           </a:xfrm>
         </p:spPr>
         <p:txBody>
-          <a:bodyPr lIns="91440" tIns="0" rIns="91440" bIns="0" anchor="b">
-            <a:noAutofit/>
-          </a:bodyPr>
-          <a:lstStyle>
-            <a:lvl1pPr>
-              <a:defRPr sz="3600" b="0">
-                <a:solidFill>
-                  <a:srgbClr val="FFFFFF"/>
-                </a:solidFill>
-              </a:defRPr>
-            </a:lvl1pPr>
-          </a:lstStyle>
-          <a:p>
-            <a:r>
-              <a:rPr lang="en-US"/>
-              <a:t>Click to edit Master title style</a:t>
-            </a:r>
-            <a:endParaRPr lang="en-US" dirty="0"/>
-          </a:p>
-        </p:txBody>
-      </p:sp>
-      <p:sp>
-        <p:nvSpPr>
-          <p:cNvPr id="3" name="Picture Placeholder 2"/>
-          <p:cNvSpPr>
-            <a:spLocks noGrp="1" noChangeAspect="1"/>
-          </p:cNvSpPr>
-          <p:nvPr>
-            <p:ph type="pic" idx="1"/>
-          </p:nvPr>
-        </p:nvSpPr>
-        <p:spPr>
-          <a:xfrm>
-            <a:off x="15" y="0"/>
-            <a:ext cx="12191985" cy="4915076"/>
-          </a:xfrm>
-          <a:blipFill>
-            <a:blip r:embed="rId2"/>
-            <a:stretch>
-              <a:fillRect/>
-            </a:stretch>
-          </a:blipFill>
-        </p:spPr>
-        <p:txBody>
-          <a:bodyPr lIns="457200" tIns="457200" anchor="t"/>
-          <a:lstStyle>
-            <a:lvl1pPr marL="0" indent="0">
-              <a:buNone/>
-              <a:defRPr sz="3200">
-                <a:solidFill>
-                  <a:schemeClr val="bg1"/>
-                </a:solidFill>
-              </a:defRPr>
-            </a:lvl1pPr>
-            <a:lvl2pPr marL="457200" indent="0">
-              <a:buNone/>
-              <a:defRPr sz="2800"/>
-            </a:lvl2pPr>
-            <a:lvl3pPr marL="914400" indent="0">
-              <a:buNone/>
-              <a:defRPr sz="2400"/>
-            </a:lvl3pPr>
-            <a:lvl4pPr marL="1371600" indent="0">
-              <a:buNone/>
-              <a:defRPr sz="2000"/>
-            </a:lvl4pPr>
-            <a:lvl5pPr marL="1828800" indent="0">
-              <a:buNone/>
-              <a:defRPr sz="2000"/>
-            </a:lvl5pPr>
-            <a:lvl6pPr marL="2286000" indent="0">
-              <a:buNone/>
-              <a:defRPr sz="2000"/>
-            </a:lvl6pPr>
-            <a:lvl7pPr marL="2743200" indent="0">
-              <a:buNone/>
-              <a:defRPr sz="2000"/>
-            </a:lvl7pPr>
-            <a:lvl8pPr marL="3200400" indent="0">
-              <a:buNone/>
-              <a:defRPr sz="2000"/>
-            </a:lvl8pPr>
-            <a:lvl9pPr marL="3657600" indent="0">
-              <a:buNone/>
-              <a:defRPr sz="2000"/>
-            </a:lvl9pPr>
-          </a:lstStyle>
-          <a:p>
-            <a:r>
-              <a:rPr lang="en-US"/>
-              <a:t>Click icon to add picture</a:t>
-            </a:r>
-            <a:endParaRPr lang="en-US" dirty="0"/>
-          </a:p>
-        </p:txBody>
-      </p:sp>
-      <p:sp>
-        <p:nvSpPr>
-          <p:cNvPr id="4" name="Text Placeholder 3"/>
-          <p:cNvSpPr>
-            <a:spLocks noGrp="1"/>
-          </p:cNvSpPr>
-          <p:nvPr>
-            <p:ph type="body" sz="half" idx="2"/>
-          </p:nvPr>
-        </p:nvSpPr>
-        <p:spPr>
-          <a:xfrm>
-            <a:off x="1097280" y="5907023"/>
-            <a:ext cx="10113264" cy="594360"/>
-          </a:xfrm>
-        </p:spPr>
-        <p:txBody>
-          <a:bodyPr lIns="91440" tIns="0" rIns="91440" bIns="0">
+          <a:bodyPr>
             <a:normAutofit/>
           </a:bodyPr>
           <a:lstStyle>
             <a:lvl1pPr marL="0" indent="0">
-              <a:spcBef>
-                <a:spcPts val="0"/>
-              </a:spcBef>
-              <a:spcAft>
-                <a:spcPts val="600"/>
-              </a:spcAft>
-              <a:buNone/>
-              <a:defRPr sz="1500">
-                <a:solidFill>
-                  <a:srgbClr val="FFFFFF"/>
-                </a:solidFill>
-              </a:defRPr>
+              <a:buNone/>
+              <a:defRPr sz="1200"/>
             </a:lvl1pPr>
             <a:lvl2pPr marL="457200" indent="0">
               <a:buNone/>
@@ -3010,11 +4567,11 @@
           <a:bodyPr/>
           <a:lstStyle/>
           <a:p>
-            <a:fld id="{ED460A6F-F31A-4CA3-B222-0B3C224FF998}" type="datetimeFigureOut">
+            <a:fld id="{7E193D74-4375-40CD-A476-45AA72EFCA66}" type="datetimeFigureOut">
               <a:rPr lang="en-US" smtClean="0"/>
-              <a:t>7/4/2018</a:t>
+              <a:t>7/5/2018</a:t>
             </a:fld>
-            <a:endParaRPr lang="en-US" dirty="0"/>
+            <a:endParaRPr lang="en-US"/>
           </a:p>
         </p:txBody>
       </p:sp>
@@ -3033,7 +4590,7 @@
           <a:bodyPr/>
           <a:lstStyle/>
           <a:p>
-            <a:endParaRPr lang="en-US" dirty="0"/>
+            <a:endParaRPr lang="en-US"/>
           </a:p>
         </p:txBody>
       </p:sp>
@@ -3052,18 +4609,18 @@
           <a:bodyPr/>
           <a:lstStyle/>
           <a:p>
-            <a:fld id="{4FAB73BC-B049-4115-A692-8D63A059BFB8}" type="slidenum">
+            <a:fld id="{0CFF6D7B-4C71-4C8D-9626-5703274B28E6}" type="slidenum">
               <a:rPr lang="en-US" smtClean="0"/>
               <a:t>‹#›</a:t>
             </a:fld>
-            <a:endParaRPr lang="en-US" dirty="0"/>
+            <a:endParaRPr lang="en-US"/>
           </a:p>
         </p:txBody>
       </p:sp>
     </p:spTree>
     <p:extLst>
       <p:ext uri="{BB962C8B-B14F-4D97-AF65-F5344CB8AC3E}">
-        <p14:creationId xmlns:p14="http://schemas.microsoft.com/office/powerpoint/2010/main" val="2930817433"/>
+        <p14:creationId xmlns:p14="http://schemas.microsoft.com/office/powerpoint/2010/main" val="2739253997"/>
       </p:ext>
     </p:extLst>
   </p:cSld>
@@ -3095,103 +4652,557 @@
           <a:chExt cx="0" cy="0"/>
         </a:xfrm>
       </p:grpSpPr>
-      <p:sp>
-        <p:nvSpPr>
-          <p:cNvPr id="7" name="Rectangle 6"/>
-          <p:cNvSpPr/>
+      <p:grpSp>
+        <p:nvGrpSpPr>
+          <p:cNvPr id="7" name="Group 6"/>
+          <p:cNvGrpSpPr/>
           <p:nvPr/>
+        </p:nvGrpSpPr>
+        <p:grpSpPr>
+          <a:xfrm>
+            <a:off x="0" y="-8467"/>
+            <a:ext cx="12192000" cy="6866467"/>
+            <a:chOff x="0" y="-8467"/>
+            <a:chExt cx="12192000" cy="6866467"/>
+          </a:xfrm>
+        </p:grpSpPr>
+        <p:cxnSp>
+          <p:nvCxnSpPr>
+            <p:cNvPr id="20" name="Straight Connector 19"/>
+            <p:cNvCxnSpPr/>
+            <p:nvPr/>
+          </p:nvCxnSpPr>
+          <p:spPr>
+            <a:xfrm>
+              <a:off x="9371012" y="0"/>
+              <a:ext cx="1219200" cy="6858000"/>
+            </a:xfrm>
+            <a:prstGeom prst="line">
+              <a:avLst/>
+            </a:prstGeom>
+            <a:ln w="9525">
+              <a:solidFill>
+                <a:schemeClr val="bg1">
+                  <a:lumMod val="75000"/>
+                </a:schemeClr>
+              </a:solidFill>
+            </a:ln>
+          </p:spPr>
+          <p:style>
+            <a:lnRef idx="2">
+              <a:schemeClr val="accent1"/>
+            </a:lnRef>
+            <a:fillRef idx="0">
+              <a:schemeClr val="accent1"/>
+            </a:fillRef>
+            <a:effectRef idx="1">
+              <a:schemeClr val="accent1"/>
+            </a:effectRef>
+            <a:fontRef idx="minor">
+              <a:schemeClr val="tx1"/>
+            </a:fontRef>
+          </p:style>
+        </p:cxnSp>
+        <p:cxnSp>
+          <p:nvCxnSpPr>
+            <p:cNvPr id="21" name="Straight Connector 20"/>
+            <p:cNvCxnSpPr/>
+            <p:nvPr/>
+          </p:nvCxnSpPr>
+          <p:spPr>
+            <a:xfrm flipH="1">
+              <a:off x="7425267" y="3681413"/>
+              <a:ext cx="4763558" cy="3176587"/>
+            </a:xfrm>
+            <a:prstGeom prst="line">
+              <a:avLst/>
+            </a:prstGeom>
+            <a:ln w="9525">
+              <a:solidFill>
+                <a:schemeClr val="bg1">
+                  <a:lumMod val="85000"/>
+                </a:schemeClr>
+              </a:solidFill>
+            </a:ln>
+          </p:spPr>
+          <p:style>
+            <a:lnRef idx="2">
+              <a:schemeClr val="accent1"/>
+            </a:lnRef>
+            <a:fillRef idx="0">
+              <a:schemeClr val="accent1"/>
+            </a:fillRef>
+            <a:effectRef idx="1">
+              <a:schemeClr val="accent1"/>
+            </a:effectRef>
+            <a:fontRef idx="minor">
+              <a:schemeClr val="tx1"/>
+            </a:fontRef>
+          </p:style>
+        </p:cxnSp>
+        <p:sp>
+          <p:nvSpPr>
+            <p:cNvPr id="22" name="Rectangle 23"/>
+            <p:cNvSpPr/>
+            <p:nvPr/>
+          </p:nvSpPr>
+          <p:spPr>
+            <a:xfrm>
+              <a:off x="9181476" y="-8467"/>
+              <a:ext cx="3007349" cy="6866467"/>
+            </a:xfrm>
+            <a:custGeom>
+              <a:avLst/>
+              <a:gdLst/>
+              <a:ahLst/>
+              <a:cxnLst/>
+              <a:rect l="l" t="t" r="r" b="b"/>
+              <a:pathLst>
+                <a:path w="3007349" h="6866467">
+                  <a:moveTo>
+                    <a:pt x="2045532" y="0"/>
+                  </a:moveTo>
+                  <a:lnTo>
+                    <a:pt x="3007349" y="0"/>
+                  </a:lnTo>
+                  <a:lnTo>
+                    <a:pt x="3007349" y="6866467"/>
+                  </a:lnTo>
+                  <a:lnTo>
+                    <a:pt x="0" y="6866467"/>
+                  </a:lnTo>
+                  <a:lnTo>
+                    <a:pt x="2045532" y="0"/>
+                  </a:lnTo>
+                  <a:close/>
+                </a:path>
+              </a:pathLst>
+            </a:custGeom>
+            <a:solidFill>
+              <a:schemeClr val="accent1">
+                <a:alpha val="30000"/>
+              </a:schemeClr>
+            </a:solidFill>
+            <a:ln>
+              <a:noFill/>
+            </a:ln>
+            <a:effectLst/>
+          </p:spPr>
+          <p:style>
+            <a:lnRef idx="1">
+              <a:schemeClr val="accent1"/>
+            </a:lnRef>
+            <a:fillRef idx="3">
+              <a:schemeClr val="accent1"/>
+            </a:fillRef>
+            <a:effectRef idx="2">
+              <a:schemeClr val="accent1"/>
+            </a:effectRef>
+            <a:fontRef idx="minor">
+              <a:schemeClr val="lt1"/>
+            </a:fontRef>
+          </p:style>
+        </p:sp>
+        <p:sp>
+          <p:nvSpPr>
+            <p:cNvPr id="23" name="Rectangle 25"/>
+            <p:cNvSpPr/>
+            <p:nvPr/>
+          </p:nvSpPr>
+          <p:spPr>
+            <a:xfrm>
+              <a:off x="9603442" y="-8467"/>
+              <a:ext cx="2588558" cy="6866467"/>
+            </a:xfrm>
+            <a:custGeom>
+              <a:avLst/>
+              <a:gdLst/>
+              <a:ahLst/>
+              <a:cxnLst/>
+              <a:rect l="l" t="t" r="r" b="b"/>
+              <a:pathLst>
+                <a:path w="2573311" h="6866467">
+                  <a:moveTo>
+                    <a:pt x="0" y="0"/>
+                  </a:moveTo>
+                  <a:lnTo>
+                    <a:pt x="2573311" y="0"/>
+                  </a:lnTo>
+                  <a:lnTo>
+                    <a:pt x="2573311" y="6866467"/>
+                  </a:lnTo>
+                  <a:lnTo>
+                    <a:pt x="1202336" y="6866467"/>
+                  </a:lnTo>
+                  <a:lnTo>
+                    <a:pt x="0" y="0"/>
+                  </a:lnTo>
+                  <a:close/>
+                </a:path>
+              </a:pathLst>
+            </a:custGeom>
+            <a:solidFill>
+              <a:schemeClr val="accent1">
+                <a:alpha val="20000"/>
+              </a:schemeClr>
+            </a:solidFill>
+            <a:ln>
+              <a:noFill/>
+            </a:ln>
+            <a:effectLst/>
+          </p:spPr>
+          <p:style>
+            <a:lnRef idx="1">
+              <a:schemeClr val="accent1"/>
+            </a:lnRef>
+            <a:fillRef idx="3">
+              <a:schemeClr val="accent1"/>
+            </a:fillRef>
+            <a:effectRef idx="2">
+              <a:schemeClr val="accent1"/>
+            </a:effectRef>
+            <a:fontRef idx="minor">
+              <a:schemeClr val="lt1"/>
+            </a:fontRef>
+          </p:style>
+        </p:sp>
+        <p:sp>
+          <p:nvSpPr>
+            <p:cNvPr id="24" name="Isosceles Triangle 23"/>
+            <p:cNvSpPr/>
+            <p:nvPr/>
+          </p:nvSpPr>
+          <p:spPr>
+            <a:xfrm>
+              <a:off x="8932333" y="3048000"/>
+              <a:ext cx="3259667" cy="3810000"/>
+            </a:xfrm>
+            <a:prstGeom prst="triangle">
+              <a:avLst>
+                <a:gd name="adj" fmla="val 100000"/>
+              </a:avLst>
+            </a:prstGeom>
+            <a:solidFill>
+              <a:schemeClr val="accent2">
+                <a:alpha val="72000"/>
+              </a:schemeClr>
+            </a:solidFill>
+            <a:ln>
+              <a:noFill/>
+            </a:ln>
+            <a:effectLst/>
+          </p:spPr>
+          <p:style>
+            <a:lnRef idx="1">
+              <a:schemeClr val="accent1"/>
+            </a:lnRef>
+            <a:fillRef idx="3">
+              <a:schemeClr val="accent1"/>
+            </a:fillRef>
+            <a:effectRef idx="2">
+              <a:schemeClr val="accent1"/>
+            </a:effectRef>
+            <a:fontRef idx="minor">
+              <a:schemeClr val="lt1"/>
+            </a:fontRef>
+          </p:style>
+        </p:sp>
+        <p:sp>
+          <p:nvSpPr>
+            <p:cNvPr id="25" name="Rectangle 27"/>
+            <p:cNvSpPr/>
+            <p:nvPr/>
+          </p:nvSpPr>
+          <p:spPr>
+            <a:xfrm>
+              <a:off x="9334500" y="-8467"/>
+              <a:ext cx="2854326" cy="6866467"/>
+            </a:xfrm>
+            <a:custGeom>
+              <a:avLst/>
+              <a:gdLst/>
+              <a:ahLst/>
+              <a:cxnLst/>
+              <a:rect l="l" t="t" r="r" b="b"/>
+              <a:pathLst>
+                <a:path w="2858013" h="6866467">
+                  <a:moveTo>
+                    <a:pt x="0" y="0"/>
+                  </a:moveTo>
+                  <a:lnTo>
+                    <a:pt x="2858013" y="0"/>
+                  </a:lnTo>
+                  <a:lnTo>
+                    <a:pt x="2858013" y="6866467"/>
+                  </a:lnTo>
+                  <a:lnTo>
+                    <a:pt x="2473942" y="6866467"/>
+                  </a:lnTo>
+                  <a:lnTo>
+                    <a:pt x="0" y="0"/>
+                  </a:lnTo>
+                  <a:close/>
+                </a:path>
+              </a:pathLst>
+            </a:custGeom>
+            <a:solidFill>
+              <a:schemeClr val="accent2">
+                <a:lumMod val="75000"/>
+                <a:alpha val="70000"/>
+              </a:schemeClr>
+            </a:solidFill>
+            <a:ln>
+              <a:noFill/>
+            </a:ln>
+            <a:effectLst/>
+          </p:spPr>
+          <p:style>
+            <a:lnRef idx="1">
+              <a:schemeClr val="accent1"/>
+            </a:lnRef>
+            <a:fillRef idx="3">
+              <a:schemeClr val="accent1"/>
+            </a:fillRef>
+            <a:effectRef idx="2">
+              <a:schemeClr val="accent1"/>
+            </a:effectRef>
+            <a:fontRef idx="minor">
+              <a:schemeClr val="lt1"/>
+            </a:fontRef>
+          </p:style>
+        </p:sp>
+        <p:sp>
+          <p:nvSpPr>
+            <p:cNvPr id="26" name="Rectangle 28"/>
+            <p:cNvSpPr/>
+            <p:nvPr/>
+          </p:nvSpPr>
+          <p:spPr>
+            <a:xfrm>
+              <a:off x="10898730" y="-8467"/>
+              <a:ext cx="1290094" cy="6866467"/>
+            </a:xfrm>
+            <a:custGeom>
+              <a:avLst/>
+              <a:gdLst/>
+              <a:ahLst/>
+              <a:cxnLst/>
+              <a:rect l="l" t="t" r="r" b="b"/>
+              <a:pathLst>
+                <a:path w="1290094" h="6858000">
+                  <a:moveTo>
+                    <a:pt x="1019735" y="0"/>
+                  </a:moveTo>
+                  <a:lnTo>
+                    <a:pt x="1290094" y="0"/>
+                  </a:lnTo>
+                  <a:lnTo>
+                    <a:pt x="1290094" y="6858000"/>
+                  </a:lnTo>
+                  <a:lnTo>
+                    <a:pt x="0" y="6858000"/>
+                  </a:lnTo>
+                  <a:lnTo>
+                    <a:pt x="1019735" y="0"/>
+                  </a:lnTo>
+                  <a:close/>
+                </a:path>
+              </a:pathLst>
+            </a:custGeom>
+            <a:solidFill>
+              <a:schemeClr val="accent1">
+                <a:lumMod val="60000"/>
+                <a:lumOff val="40000"/>
+                <a:alpha val="70000"/>
+              </a:schemeClr>
+            </a:solidFill>
+            <a:ln>
+              <a:noFill/>
+            </a:ln>
+            <a:effectLst/>
+          </p:spPr>
+          <p:style>
+            <a:lnRef idx="1">
+              <a:schemeClr val="accent1"/>
+            </a:lnRef>
+            <a:fillRef idx="3">
+              <a:schemeClr val="accent1"/>
+            </a:fillRef>
+            <a:effectRef idx="2">
+              <a:schemeClr val="accent1"/>
+            </a:effectRef>
+            <a:fontRef idx="minor">
+              <a:schemeClr val="lt1"/>
+            </a:fontRef>
+          </p:style>
+        </p:sp>
+        <p:sp>
+          <p:nvSpPr>
+            <p:cNvPr id="27" name="Rectangle 29"/>
+            <p:cNvSpPr/>
+            <p:nvPr/>
+          </p:nvSpPr>
+          <p:spPr>
+            <a:xfrm>
+              <a:off x="10938999" y="-8467"/>
+              <a:ext cx="1249825" cy="6866467"/>
+            </a:xfrm>
+            <a:custGeom>
+              <a:avLst/>
+              <a:gdLst/>
+              <a:ahLst/>
+              <a:cxnLst/>
+              <a:rect l="l" t="t" r="r" b="b"/>
+              <a:pathLst>
+                <a:path w="1249825" h="6858000">
+                  <a:moveTo>
+                    <a:pt x="0" y="0"/>
+                  </a:moveTo>
+                  <a:lnTo>
+                    <a:pt x="1249825" y="0"/>
+                  </a:lnTo>
+                  <a:lnTo>
+                    <a:pt x="1249825" y="6858000"/>
+                  </a:lnTo>
+                  <a:lnTo>
+                    <a:pt x="1109382" y="6858000"/>
+                  </a:lnTo>
+                  <a:lnTo>
+                    <a:pt x="0" y="0"/>
+                  </a:lnTo>
+                  <a:close/>
+                </a:path>
+              </a:pathLst>
+            </a:custGeom>
+            <a:solidFill>
+              <a:schemeClr val="accent1">
+                <a:alpha val="65000"/>
+              </a:schemeClr>
+            </a:solidFill>
+            <a:ln>
+              <a:noFill/>
+            </a:ln>
+            <a:effectLst/>
+          </p:spPr>
+          <p:style>
+            <a:lnRef idx="1">
+              <a:schemeClr val="accent1"/>
+            </a:lnRef>
+            <a:fillRef idx="3">
+              <a:schemeClr val="accent1"/>
+            </a:fillRef>
+            <a:effectRef idx="2">
+              <a:schemeClr val="accent1"/>
+            </a:effectRef>
+            <a:fontRef idx="minor">
+              <a:schemeClr val="lt1"/>
+            </a:fontRef>
+          </p:style>
+        </p:sp>
+        <p:sp>
+          <p:nvSpPr>
+            <p:cNvPr id="28" name="Isosceles Triangle 27"/>
+            <p:cNvSpPr/>
+            <p:nvPr/>
+          </p:nvSpPr>
+          <p:spPr>
+            <a:xfrm>
+              <a:off x="10371666" y="3589867"/>
+              <a:ext cx="1817159" cy="3268133"/>
+            </a:xfrm>
+            <a:prstGeom prst="triangle">
+              <a:avLst>
+                <a:gd name="adj" fmla="val 100000"/>
+              </a:avLst>
+            </a:prstGeom>
+            <a:solidFill>
+              <a:schemeClr val="accent1">
+                <a:alpha val="80000"/>
+              </a:schemeClr>
+            </a:solidFill>
+            <a:ln>
+              <a:noFill/>
+            </a:ln>
+            <a:effectLst/>
+          </p:spPr>
+          <p:style>
+            <a:lnRef idx="1">
+              <a:schemeClr val="accent1"/>
+            </a:lnRef>
+            <a:fillRef idx="3">
+              <a:schemeClr val="accent1"/>
+            </a:fillRef>
+            <a:effectRef idx="2">
+              <a:schemeClr val="accent1"/>
+            </a:effectRef>
+            <a:fontRef idx="minor">
+              <a:schemeClr val="lt1"/>
+            </a:fontRef>
+          </p:style>
+        </p:sp>
+        <p:sp>
+          <p:nvSpPr>
+            <p:cNvPr id="29" name="Isosceles Triangle 28"/>
+            <p:cNvSpPr/>
+            <p:nvPr/>
+          </p:nvSpPr>
+          <p:spPr>
+            <a:xfrm>
+              <a:off x="0" y="4013200"/>
+              <a:ext cx="448733" cy="2844800"/>
+            </a:xfrm>
+            <a:prstGeom prst="triangle">
+              <a:avLst>
+                <a:gd name="adj" fmla="val 0"/>
+              </a:avLst>
+            </a:prstGeom>
+            <a:solidFill>
+              <a:schemeClr val="accent1">
+                <a:alpha val="85000"/>
+              </a:schemeClr>
+            </a:solidFill>
+            <a:ln>
+              <a:noFill/>
+            </a:ln>
+            <a:effectLst/>
+          </p:spPr>
+          <p:style>
+            <a:lnRef idx="1">
+              <a:schemeClr val="accent1"/>
+            </a:lnRef>
+            <a:fillRef idx="3">
+              <a:schemeClr val="accent1"/>
+            </a:fillRef>
+            <a:effectRef idx="2">
+              <a:schemeClr val="accent1"/>
+            </a:effectRef>
+            <a:fontRef idx="minor">
+              <a:schemeClr val="lt1"/>
+            </a:fontRef>
+          </p:style>
+        </p:sp>
+      </p:grpSp>
+      <p:sp>
+        <p:nvSpPr>
+          <p:cNvPr id="2" name="Title Placeholder 1"/>
+          <p:cNvSpPr>
+            <a:spLocks noGrp="1"/>
+          </p:cNvSpPr>
+          <p:nvPr>
+            <p:ph type="title"/>
+          </p:nvPr>
         </p:nvSpPr>
         <p:spPr>
           <a:xfrm>
-            <a:off x="1" y="6400800"/>
-            <a:ext cx="12192000" cy="457200"/>
-          </a:xfrm>
-          <a:prstGeom prst="rect">
-            <a:avLst/>
-          </a:prstGeom>
-          <a:solidFill>
-            <a:schemeClr val="accent2"/>
-          </a:solidFill>
-          <a:ln>
-            <a:noFill/>
-          </a:ln>
-        </p:spPr>
-        <p:style>
-          <a:lnRef idx="2">
-            <a:schemeClr val="accent1">
-              <a:shade val="50000"/>
-            </a:schemeClr>
-          </a:lnRef>
-          <a:fillRef idx="1">
-            <a:schemeClr val="accent1"/>
-          </a:fillRef>
-          <a:effectRef idx="0">
-            <a:schemeClr val="accent1"/>
-          </a:effectRef>
-          <a:fontRef idx="minor">
-            <a:schemeClr val="lt1"/>
-          </a:fontRef>
-        </p:style>
-      </p:sp>
-      <p:sp>
-        <p:nvSpPr>
-          <p:cNvPr id="9" name="Rectangle 8"/>
-          <p:cNvSpPr/>
-          <p:nvPr/>
-        </p:nvSpPr>
-        <p:spPr>
-          <a:xfrm>
-            <a:off x="0" y="6334316"/>
-            <a:ext cx="12192001" cy="65998"/>
-          </a:xfrm>
-          <a:prstGeom prst="rect">
-            <a:avLst/>
-          </a:prstGeom>
-          <a:solidFill>
-            <a:schemeClr val="accent1"/>
-          </a:solidFill>
-          <a:ln>
-            <a:noFill/>
-          </a:ln>
-        </p:spPr>
-        <p:style>
-          <a:lnRef idx="2">
-            <a:schemeClr val="accent1">
-              <a:shade val="50000"/>
-            </a:schemeClr>
-          </a:lnRef>
-          <a:fillRef idx="1">
-            <a:schemeClr val="accent1"/>
-          </a:fillRef>
-          <a:effectRef idx="0">
-            <a:schemeClr val="accent1"/>
-          </a:effectRef>
-          <a:fontRef idx="minor">
-            <a:schemeClr val="lt1"/>
-          </a:fontRef>
-        </p:style>
-      </p:sp>
-      <p:sp>
-        <p:nvSpPr>
-          <p:cNvPr id="2" name="Title Placeholder 1"/>
-          <p:cNvSpPr>
-            <a:spLocks noGrp="1"/>
-          </p:cNvSpPr>
-          <p:nvPr>
-            <p:ph type="title"/>
-          </p:nvPr>
-        </p:nvSpPr>
-        <p:spPr>
-          <a:xfrm>
-            <a:off x="1097280" y="286603"/>
-            <a:ext cx="10058400" cy="1450757"/>
+            <a:off x="677334" y="609600"/>
+            <a:ext cx="8596668" cy="1320800"/>
           </a:xfrm>
           <a:prstGeom prst="rect">
             <a:avLst/>
           </a:prstGeom>
         </p:spPr>
         <p:txBody>
-          <a:bodyPr vert="horz" lIns="91440" tIns="45720" rIns="91440" bIns="45720" rtlCol="0" anchor="b">
+          <a:bodyPr vert="horz" lIns="91440" tIns="45720" rIns="91440" bIns="45720" rtlCol="0" anchor="t">
             <a:normAutofit/>
           </a:bodyPr>
           <a:lstStyle/>
@@ -3216,15 +5227,15 @@
         </p:nvSpPr>
         <p:spPr>
           <a:xfrm>
-            <a:off x="1097280" y="1845734"/>
-            <a:ext cx="10058400" cy="4023360"/>
+            <a:off x="677334" y="2160589"/>
+            <a:ext cx="8596668" cy="3880773"/>
           </a:xfrm>
           <a:prstGeom prst="rect">
             <a:avLst/>
           </a:prstGeom>
         </p:spPr>
         <p:txBody>
-          <a:bodyPr vert="horz" lIns="0" tIns="45720" rIns="0" bIns="45720" rtlCol="0">
+          <a:bodyPr vert="horz" lIns="91440" tIns="45720" rIns="91440" bIns="45720" rtlCol="0">
             <a:normAutofit/>
           </a:bodyPr>
           <a:lstStyle/>
@@ -3278,8 +5289,8 @@
         </p:nvSpPr>
         <p:spPr>
           <a:xfrm>
-            <a:off x="1097280" y="6459785"/>
-            <a:ext cx="2472271" cy="365125"/>
+            <a:off x="7205133" y="6041362"/>
+            <a:ext cx="911939" cy="365125"/>
           </a:xfrm>
           <a:prstGeom prst="rect">
             <a:avLst/>
@@ -3288,20 +5299,22 @@
         <p:txBody>
           <a:bodyPr vert="horz" lIns="91440" tIns="45720" rIns="91440" bIns="45720" rtlCol="0" anchor="ctr"/>
           <a:lstStyle>
-            <a:lvl1pPr algn="l">
+            <a:lvl1pPr algn="r">
               <a:defRPr sz="900">
                 <a:solidFill>
-                  <a:srgbClr val="FFFFFF"/>
+                  <a:schemeClr val="tx1">
+                    <a:tint val="75000"/>
+                  </a:schemeClr>
                 </a:solidFill>
               </a:defRPr>
             </a:lvl1pPr>
           </a:lstStyle>
           <a:p>
-            <a:fld id="{648A1663-7765-4EF4-B97F-A02E70C6265E}" type="datetimeFigureOut">
+            <a:fld id="{7E193D74-4375-40CD-A476-45AA72EFCA66}" type="datetimeFigureOut">
               <a:rPr lang="en-US" smtClean="0"/>
-              <a:t>7/4/2018</a:t>
+              <a:t>7/5/2018</a:t>
             </a:fld>
-            <a:endParaRPr lang="en-US" dirty="0"/>
+            <a:endParaRPr lang="en-US"/>
           </a:p>
         </p:txBody>
       </p:sp>
@@ -3317,8 +5330,8 @@
         </p:nvSpPr>
         <p:spPr>
           <a:xfrm>
-            <a:off x="3686185" y="6459785"/>
-            <a:ext cx="4822804" cy="365125"/>
+            <a:off x="677334" y="6041362"/>
+            <a:ext cx="6297612" cy="365125"/>
           </a:xfrm>
           <a:prstGeom prst="rect">
             <a:avLst/>
@@ -3327,16 +5340,18 @@
         <p:txBody>
           <a:bodyPr vert="horz" lIns="91440" tIns="45720" rIns="91440" bIns="45720" rtlCol="0" anchor="ctr"/>
           <a:lstStyle>
-            <a:lvl1pPr algn="ctr">
-              <a:defRPr sz="900" cap="all" baseline="0">
-                <a:solidFill>
-                  <a:srgbClr val="FFFFFF"/>
+            <a:lvl1pPr algn="l">
+              <a:defRPr sz="900">
+                <a:solidFill>
+                  <a:schemeClr val="tx1">
+                    <a:tint val="75000"/>
+                  </a:schemeClr>
                 </a:solidFill>
               </a:defRPr>
             </a:lvl1pPr>
           </a:lstStyle>
           <a:p>
-            <a:endParaRPr lang="en-US" dirty="0"/>
+            <a:endParaRPr lang="en-US"/>
           </a:p>
         </p:txBody>
       </p:sp>
@@ -3352,8 +5367,8 @@
         </p:nvSpPr>
         <p:spPr>
           <a:xfrm>
-            <a:off x="9900458" y="6459785"/>
-            <a:ext cx="1312025" cy="365125"/>
+            <a:off x="8590663" y="6041362"/>
+            <a:ext cx="683339" cy="365125"/>
           </a:xfrm>
           <a:prstGeom prst="rect">
             <a:avLst/>
@@ -3363,124 +5378,136 @@
           <a:bodyPr vert="horz" lIns="91440" tIns="45720" rIns="91440" bIns="45720" rtlCol="0" anchor="ctr"/>
           <a:lstStyle>
             <a:lvl1pPr algn="r">
-              <a:defRPr sz="1050">
-                <a:solidFill>
-                  <a:srgbClr val="FFFFFF"/>
+              <a:defRPr sz="900">
+                <a:solidFill>
+                  <a:schemeClr val="accent1"/>
                 </a:solidFill>
               </a:defRPr>
             </a:lvl1pPr>
           </a:lstStyle>
           <a:p>
-            <a:fld id="{4FAB73BC-B049-4115-A692-8D63A059BFB8}" type="slidenum">
+            <a:fld id="{0CFF6D7B-4C71-4C8D-9626-5703274B28E6}" type="slidenum">
               <a:rPr lang="en-US" smtClean="0"/>
-              <a:pPr/>
               <a:t>‹#›</a:t>
             </a:fld>
-            <a:endParaRPr lang="en-US" dirty="0"/>
-          </a:p>
-        </p:txBody>
-      </p:sp>
-      <p:cxnSp>
-        <p:nvCxnSpPr>
-          <p:cNvPr id="10" name="Straight Connector 9"/>
-          <p:cNvCxnSpPr/>
-          <p:nvPr/>
-        </p:nvCxnSpPr>
-        <p:spPr>
-          <a:xfrm>
-            <a:off x="1193532" y="1737845"/>
-            <a:ext cx="9966960" cy="0"/>
-          </a:xfrm>
-          <a:prstGeom prst="line">
-            <a:avLst/>
-          </a:prstGeom>
-          <a:ln w="6350">
-            <a:solidFill>
-              <a:schemeClr val="tx1">
-                <a:lumMod val="50000"/>
-                <a:lumOff val="50000"/>
-              </a:schemeClr>
-            </a:solidFill>
-          </a:ln>
-        </p:spPr>
-        <p:style>
-          <a:lnRef idx="1">
-            <a:schemeClr val="accent1"/>
-          </a:lnRef>
-          <a:fillRef idx="0">
-            <a:schemeClr val="accent1"/>
-          </a:fillRef>
-          <a:effectRef idx="0">
-            <a:schemeClr val="accent1"/>
-          </a:effectRef>
-          <a:fontRef idx="minor">
-            <a:schemeClr val="tx1"/>
-          </a:fontRef>
-        </p:style>
-      </p:cxnSp>
+            <a:endParaRPr lang="en-US"/>
+          </a:p>
+        </p:txBody>
+      </p:sp>
     </p:spTree>
     <p:extLst>
       <p:ext uri="{BB962C8B-B14F-4D97-AF65-F5344CB8AC3E}">
-        <p14:creationId xmlns:p14="http://schemas.microsoft.com/office/powerpoint/2010/main" val="703482857"/>
+        <p14:creationId xmlns:p14="http://schemas.microsoft.com/office/powerpoint/2010/main" val="3832935455"/>
       </p:ext>
     </p:extLst>
   </p:cSld>
   <p:clrMap bg1="lt1" tx1="dk1" bg2="lt2" tx2="dk2" accent1="accent1" accent2="accent2" accent3="accent3" accent4="accent4" accent5="accent5" accent6="accent6" hlink="hlink" folHlink="folHlink"/>
   <p:sldLayoutIdLst>
-    <p:sldLayoutId id="2147483853" r:id="rId1"/>
-    <p:sldLayoutId id="2147483854" r:id="rId2"/>
-    <p:sldLayoutId id="2147483855" r:id="rId3"/>
-    <p:sldLayoutId id="2147483856" r:id="rId4"/>
-    <p:sldLayoutId id="2147483857" r:id="rId5"/>
-    <p:sldLayoutId id="2147483858" r:id="rId6"/>
-    <p:sldLayoutId id="2147483859" r:id="rId7"/>
-    <p:sldLayoutId id="2147483860" r:id="rId8"/>
-    <p:sldLayoutId id="2147483861" r:id="rId9"/>
-    <p:sldLayoutId id="2147483862" r:id="rId10"/>
-    <p:sldLayoutId id="2147483863" r:id="rId11"/>
+    <p:sldLayoutId id="2147483661" r:id="rId1"/>
+    <p:sldLayoutId id="2147483662" r:id="rId2"/>
+    <p:sldLayoutId id="2147483663" r:id="rId3"/>
+    <p:sldLayoutId id="2147483664" r:id="rId4"/>
+    <p:sldLayoutId id="2147483665" r:id="rId5"/>
+    <p:sldLayoutId id="2147483666" r:id="rId6"/>
+    <p:sldLayoutId id="2147483667" r:id="rId7"/>
+    <p:sldLayoutId id="2147483668" r:id="rId8"/>
+    <p:sldLayoutId id="2147483669" r:id="rId9"/>
+    <p:sldLayoutId id="2147483670" r:id="rId10"/>
+    <p:sldLayoutId id="2147483671" r:id="rId11"/>
+    <p:sldLayoutId id="2147483672" r:id="rId12"/>
+    <p:sldLayoutId id="2147483673" r:id="rId13"/>
+    <p:sldLayoutId id="2147483674" r:id="rId14"/>
+    <p:sldLayoutId id="2147483675" r:id="rId15"/>
+    <p:sldLayoutId id="2147483676" r:id="rId16"/>
   </p:sldLayoutIdLst>
-  <p:hf sldNum="0" hdr="0" ftr="0" dt="0"/>
   <p:txStyles>
     <p:titleStyle>
-      <a:lvl1pPr algn="l" defTabSz="914400" rtl="0" eaLnBrk="1" latinLnBrk="0" hangingPunct="1">
-        <a:lnSpc>
-          <a:spcPct val="85000"/>
-        </a:lnSpc>
+      <a:lvl1pPr algn="l" defTabSz="457200" rtl="0" eaLnBrk="1" latinLnBrk="0" hangingPunct="1">
         <a:spcBef>
           <a:spcPct val="0"/>
         </a:spcBef>
         <a:buNone/>
-        <a:defRPr sz="4800" kern="1200" spc="-50" baseline="0">
+        <a:defRPr sz="3600" kern="1200">
           <a:solidFill>
-            <a:schemeClr val="tx1">
-              <a:lumMod val="75000"/>
-              <a:lumOff val="25000"/>
-            </a:schemeClr>
+            <a:schemeClr val="accent1"/>
           </a:solidFill>
           <a:latin typeface="+mj-lt"/>
           <a:ea typeface="+mj-ea"/>
           <a:cs typeface="+mj-cs"/>
         </a:defRPr>
       </a:lvl1pPr>
+      <a:lvl2pPr eaLnBrk="1" hangingPunct="1">
+        <a:defRPr>
+          <a:solidFill>
+            <a:schemeClr val="tx2"/>
+          </a:solidFill>
+        </a:defRPr>
+      </a:lvl2pPr>
+      <a:lvl3pPr eaLnBrk="1" hangingPunct="1">
+        <a:defRPr>
+          <a:solidFill>
+            <a:schemeClr val="tx2"/>
+          </a:solidFill>
+        </a:defRPr>
+      </a:lvl3pPr>
+      <a:lvl4pPr eaLnBrk="1" hangingPunct="1">
+        <a:defRPr>
+          <a:solidFill>
+            <a:schemeClr val="tx2"/>
+          </a:solidFill>
+        </a:defRPr>
+      </a:lvl4pPr>
+      <a:lvl5pPr eaLnBrk="1" hangingPunct="1">
+        <a:defRPr>
+          <a:solidFill>
+            <a:schemeClr val="tx2"/>
+          </a:solidFill>
+        </a:defRPr>
+      </a:lvl5pPr>
+      <a:lvl6pPr eaLnBrk="1" hangingPunct="1">
+        <a:defRPr>
+          <a:solidFill>
+            <a:schemeClr val="tx2"/>
+          </a:solidFill>
+        </a:defRPr>
+      </a:lvl6pPr>
+      <a:lvl7pPr eaLnBrk="1" hangingPunct="1">
+        <a:defRPr>
+          <a:solidFill>
+            <a:schemeClr val="tx2"/>
+          </a:solidFill>
+        </a:defRPr>
+      </a:lvl7pPr>
+      <a:lvl8pPr eaLnBrk="1" hangingPunct="1">
+        <a:defRPr>
+          <a:solidFill>
+            <a:schemeClr val="tx2"/>
+          </a:solidFill>
+        </a:defRPr>
+      </a:lvl8pPr>
+      <a:lvl9pPr eaLnBrk="1" hangingPunct="1">
+        <a:defRPr>
+          <a:solidFill>
+            <a:schemeClr val="tx2"/>
+          </a:solidFill>
+        </a:defRPr>
+      </a:lvl9pPr>
     </p:titleStyle>
     <p:bodyStyle>
-      <a:lvl1pPr marL="91440" indent="-91440" algn="l" defTabSz="914400" rtl="0" eaLnBrk="1" latinLnBrk="0" hangingPunct="1">
-        <a:lnSpc>
-          <a:spcPct val="90000"/>
-        </a:lnSpc>
+      <a:lvl1pPr marL="342900" indent="-342900" algn="l" defTabSz="457200" rtl="0" eaLnBrk="1" latinLnBrk="0" hangingPunct="1">
         <a:spcBef>
-          <a:spcPts val="1200"/>
+          <a:spcPts val="1000"/>
         </a:spcBef>
         <a:spcAft>
-          <a:spcPts val="200"/>
+          <a:spcPts val="0"/>
         </a:spcAft>
         <a:buClr>
           <a:schemeClr val="accent1"/>
         </a:buClr>
-        <a:buSzPct val="100000"/>
-        <a:buFont typeface="Calibri" panose="020F0502020204030204" pitchFamily="34" charset="0"/>
-        <a:buChar char=" "/>
-        <a:defRPr sz="2000" kern="1200">
+        <a:buSzPct val="80000"/>
+        <a:buFont typeface="Wingdings 3" charset="2"/>
+        <a:buChar char=""/>
+        <a:defRPr sz="1800" kern="1200">
           <a:solidFill>
             <a:schemeClr val="tx1">
               <a:lumMod val="75000"/>
@@ -3492,22 +5519,20 @@
           <a:cs typeface="+mn-cs"/>
         </a:defRPr>
       </a:lvl1pPr>
-      <a:lvl2pPr marL="384048" indent="-182880" algn="l" defTabSz="914400" rtl="0" eaLnBrk="1" latinLnBrk="0" hangingPunct="1">
-        <a:lnSpc>
-          <a:spcPct val="90000"/>
-        </a:lnSpc>
+      <a:lvl2pPr marL="742950" indent="-285750" algn="l" defTabSz="457200" rtl="0" eaLnBrk="1" latinLnBrk="0" hangingPunct="1">
         <a:spcBef>
-          <a:spcPts val="200"/>
+          <a:spcPts val="1000"/>
         </a:spcBef>
         <a:spcAft>
-          <a:spcPts val="400"/>
+          <a:spcPts val="0"/>
         </a:spcAft>
         <a:buClr>
           <a:schemeClr val="accent1"/>
         </a:buClr>
-        <a:buFont typeface="Calibri" pitchFamily="34" charset="0"/>
-        <a:buChar char="◦"/>
-        <a:defRPr sz="1800" kern="1200">
+        <a:buSzPct val="80000"/>
+        <a:buFont typeface="Wingdings 3" charset="2"/>
+        <a:buChar char=""/>
+        <a:defRPr sz="1600" kern="1200">
           <a:solidFill>
             <a:schemeClr val="tx1">
               <a:lumMod val="75000"/>
@@ -3519,21 +5544,19 @@
           <a:cs typeface="+mn-cs"/>
         </a:defRPr>
       </a:lvl2pPr>
-      <a:lvl3pPr marL="566928" indent="-182880" algn="l" defTabSz="914400" rtl="0" eaLnBrk="1" latinLnBrk="0" hangingPunct="1">
-        <a:lnSpc>
-          <a:spcPct val="90000"/>
-        </a:lnSpc>
+      <a:lvl3pPr marL="1143000" indent="-228600" algn="l" defTabSz="457200" rtl="0" eaLnBrk="1" latinLnBrk="0" hangingPunct="1">
         <a:spcBef>
-          <a:spcPts val="200"/>
+          <a:spcPts val="1000"/>
         </a:spcBef>
         <a:spcAft>
-          <a:spcPts val="400"/>
+          <a:spcPts val="0"/>
         </a:spcAft>
         <a:buClr>
           <a:schemeClr val="accent1"/>
         </a:buClr>
-        <a:buFont typeface="Calibri" pitchFamily="34" charset="0"/>
-        <a:buChar char="◦"/>
+        <a:buSzPct val="80000"/>
+        <a:buFont typeface="Wingdings 3" charset="2"/>
+        <a:buChar char=""/>
         <a:defRPr sz="1400" kern="1200">
           <a:solidFill>
             <a:schemeClr val="tx1">
@@ -3546,22 +5569,20 @@
           <a:cs typeface="+mn-cs"/>
         </a:defRPr>
       </a:lvl3pPr>
-      <a:lvl4pPr marL="749808" indent="-182880" algn="l" defTabSz="914400" rtl="0" eaLnBrk="1" latinLnBrk="0" hangingPunct="1">
-        <a:lnSpc>
-          <a:spcPct val="90000"/>
-        </a:lnSpc>
+      <a:lvl4pPr marL="1600200" indent="-228600" algn="l" defTabSz="457200" rtl="0" eaLnBrk="1" latinLnBrk="0" hangingPunct="1">
         <a:spcBef>
-          <a:spcPts val="200"/>
+          <a:spcPts val="1000"/>
         </a:spcBef>
         <a:spcAft>
-          <a:spcPts val="400"/>
+          <a:spcPts val="0"/>
         </a:spcAft>
         <a:buClr>
           <a:schemeClr val="accent1"/>
         </a:buClr>
-        <a:buFont typeface="Calibri" pitchFamily="34" charset="0"/>
-        <a:buChar char="◦"/>
-        <a:defRPr sz="1400" kern="1200">
+        <a:buSzPct val="80000"/>
+        <a:buFont typeface="Wingdings 3" charset="2"/>
+        <a:buChar char=""/>
+        <a:defRPr sz="1200" kern="1200">
           <a:solidFill>
             <a:schemeClr val="tx1">
               <a:lumMod val="75000"/>
@@ -3573,22 +5594,20 @@
           <a:cs typeface="+mn-cs"/>
         </a:defRPr>
       </a:lvl4pPr>
-      <a:lvl5pPr marL="932688" indent="-182880" algn="l" defTabSz="914400" rtl="0" eaLnBrk="1" latinLnBrk="0" hangingPunct="1">
-        <a:lnSpc>
-          <a:spcPct val="90000"/>
-        </a:lnSpc>
+      <a:lvl5pPr marL="2057400" indent="-228600" algn="l" defTabSz="457200" rtl="0" eaLnBrk="1" latinLnBrk="0" hangingPunct="1">
         <a:spcBef>
-          <a:spcPts val="200"/>
+          <a:spcPts val="1000"/>
         </a:spcBef>
         <a:spcAft>
-          <a:spcPts val="400"/>
+          <a:spcPts val="0"/>
         </a:spcAft>
         <a:buClr>
           <a:schemeClr val="accent1"/>
         </a:buClr>
-        <a:buFont typeface="Calibri" pitchFamily="34" charset="0"/>
-        <a:buChar char="◦"/>
-        <a:defRPr sz="1400" kern="1200">
+        <a:buSzPct val="80000"/>
+        <a:buFont typeface="Wingdings 3" charset="2"/>
+        <a:buChar char=""/>
+        <a:defRPr sz="1200" kern="1200">
           <a:solidFill>
             <a:schemeClr val="tx1">
               <a:lumMod val="75000"/>
@@ -3600,22 +5619,20 @@
           <a:cs typeface="+mn-cs"/>
         </a:defRPr>
       </a:lvl5pPr>
-      <a:lvl6pPr marL="1100000" indent="-228600" algn="l" defTabSz="914400" rtl="0" eaLnBrk="1" latinLnBrk="0" hangingPunct="1">
-        <a:lnSpc>
-          <a:spcPct val="90000"/>
-        </a:lnSpc>
+      <a:lvl6pPr marL="2514600" indent="-228600" algn="l" defTabSz="457200" rtl="0" eaLnBrk="1" latinLnBrk="0" hangingPunct="1">
         <a:spcBef>
-          <a:spcPts val="200"/>
+          <a:spcPts val="1000"/>
         </a:spcBef>
         <a:spcAft>
-          <a:spcPts val="400"/>
+          <a:spcPts val="0"/>
         </a:spcAft>
         <a:buClr>
           <a:schemeClr val="accent1"/>
         </a:buClr>
-        <a:buFont typeface="Calibri" pitchFamily="34" charset="0"/>
-        <a:buChar char="◦"/>
-        <a:defRPr sz="1400" kern="1200">
+        <a:buSzPct val="80000"/>
+        <a:buFont typeface="Wingdings 3" charset="2"/>
+        <a:buChar char=""/>
+        <a:defRPr sz="1200" kern="1200">
           <a:solidFill>
             <a:schemeClr val="tx1">
               <a:lumMod val="75000"/>
@@ -3627,22 +5644,20 @@
           <a:cs typeface="+mn-cs"/>
         </a:defRPr>
       </a:lvl6pPr>
-      <a:lvl7pPr marL="1300000" indent="-228600" algn="l" defTabSz="914400" rtl="0" eaLnBrk="1" latinLnBrk="0" hangingPunct="1">
-        <a:lnSpc>
-          <a:spcPct val="90000"/>
-        </a:lnSpc>
+      <a:lvl7pPr marL="2971800" indent="-228600" algn="l" defTabSz="457200" rtl="0" eaLnBrk="1" latinLnBrk="0" hangingPunct="1">
         <a:spcBef>
-          <a:spcPts val="200"/>
+          <a:spcPts val="1000"/>
         </a:spcBef>
         <a:spcAft>
-          <a:spcPts val="400"/>
+          <a:spcPts val="0"/>
         </a:spcAft>
         <a:buClr>
           <a:schemeClr val="accent1"/>
         </a:buClr>
-        <a:buFont typeface="Calibri" pitchFamily="34" charset="0"/>
-        <a:buChar char="◦"/>
-        <a:defRPr sz="1400" kern="1200">
+        <a:buSzPct val="80000"/>
+        <a:buFont typeface="Wingdings 3" charset="2"/>
+        <a:buChar char=""/>
+        <a:defRPr sz="1200" kern="1200">
           <a:solidFill>
             <a:schemeClr val="tx1">
               <a:lumMod val="75000"/>
@@ -3654,22 +5669,20 @@
           <a:cs typeface="+mn-cs"/>
         </a:defRPr>
       </a:lvl7pPr>
-      <a:lvl8pPr marL="1500000" indent="-228600" algn="l" defTabSz="914400" rtl="0" eaLnBrk="1" latinLnBrk="0" hangingPunct="1">
-        <a:lnSpc>
-          <a:spcPct val="90000"/>
-        </a:lnSpc>
+      <a:lvl8pPr marL="3429000" indent="-228600" algn="l" defTabSz="457200" rtl="0" eaLnBrk="1" latinLnBrk="0" hangingPunct="1">
         <a:spcBef>
-          <a:spcPts val="200"/>
+          <a:spcPts val="1000"/>
         </a:spcBef>
         <a:spcAft>
-          <a:spcPts val="400"/>
+          <a:spcPts val="0"/>
         </a:spcAft>
         <a:buClr>
           <a:schemeClr val="accent1"/>
         </a:buClr>
-        <a:buFont typeface="Calibri" pitchFamily="34" charset="0"/>
-        <a:buChar char="◦"/>
-        <a:defRPr sz="1400" kern="1200">
+        <a:buSzPct val="80000"/>
+        <a:buFont typeface="Wingdings 3" charset="2"/>
+        <a:buChar char=""/>
+        <a:defRPr sz="1200" kern="1200">
           <a:solidFill>
             <a:schemeClr val="tx1">
               <a:lumMod val="75000"/>
@@ -3681,22 +5694,20 @@
           <a:cs typeface="+mn-cs"/>
         </a:defRPr>
       </a:lvl8pPr>
-      <a:lvl9pPr marL="1700000" indent="-228600" algn="l" defTabSz="914400" rtl="0" eaLnBrk="1" latinLnBrk="0" hangingPunct="1">
-        <a:lnSpc>
-          <a:spcPct val="90000"/>
-        </a:lnSpc>
+      <a:lvl9pPr marL="3886200" indent="-228600" algn="l" defTabSz="457200" rtl="0" eaLnBrk="1" latinLnBrk="0" hangingPunct="1">
         <a:spcBef>
-          <a:spcPts val="200"/>
+          <a:spcPts val="1000"/>
         </a:spcBef>
         <a:spcAft>
-          <a:spcPts val="400"/>
+          <a:spcPts val="0"/>
         </a:spcAft>
         <a:buClr>
           <a:schemeClr val="accent1"/>
         </a:buClr>
-        <a:buFont typeface="Calibri" pitchFamily="34" charset="0"/>
-        <a:buChar char="◦"/>
-        <a:defRPr sz="1400" kern="1200">
+        <a:buSzPct val="80000"/>
+        <a:buFont typeface="Wingdings 3" charset="2"/>
+        <a:buChar char=""/>
+        <a:defRPr sz="1200" kern="1200">
           <a:solidFill>
             <a:schemeClr val="tx1">
               <a:lumMod val="75000"/>
@@ -3713,7 +5724,7 @@
       <a:defPPr>
         <a:defRPr lang="en-US"/>
       </a:defPPr>
-      <a:lvl1pPr marL="0" algn="l" defTabSz="914400" rtl="0" eaLnBrk="1" latinLnBrk="0" hangingPunct="1">
+      <a:lvl1pPr marL="0" algn="l" defTabSz="457200" rtl="0" eaLnBrk="1" latinLnBrk="0" hangingPunct="1">
         <a:defRPr sz="1800" kern="1200">
           <a:solidFill>
             <a:schemeClr val="tx1"/>
@@ -3723,7 +5734,7 @@
           <a:cs typeface="+mn-cs"/>
         </a:defRPr>
       </a:lvl1pPr>
-      <a:lvl2pPr marL="457200" algn="l" defTabSz="914400" rtl="0" eaLnBrk="1" latinLnBrk="0" hangingPunct="1">
+      <a:lvl2pPr marL="457200" algn="l" defTabSz="457200" rtl="0" eaLnBrk="1" latinLnBrk="0" hangingPunct="1">
         <a:defRPr sz="1800" kern="1200">
           <a:solidFill>
             <a:schemeClr val="tx1"/>
@@ -3733,7 +5744,7 @@
           <a:cs typeface="+mn-cs"/>
         </a:defRPr>
       </a:lvl2pPr>
-      <a:lvl3pPr marL="914400" algn="l" defTabSz="914400" rtl="0" eaLnBrk="1" latinLnBrk="0" hangingPunct="1">
+      <a:lvl3pPr marL="914400" algn="l" defTabSz="457200" rtl="0" eaLnBrk="1" latinLnBrk="0" hangingPunct="1">
         <a:defRPr sz="1800" kern="1200">
           <a:solidFill>
             <a:schemeClr val="tx1"/>
@@ -3743,7 +5754,7 @@
           <a:cs typeface="+mn-cs"/>
         </a:defRPr>
       </a:lvl3pPr>
-      <a:lvl4pPr marL="1371600" algn="l" defTabSz="914400" rtl="0" eaLnBrk="1" latinLnBrk="0" hangingPunct="1">
+      <a:lvl4pPr marL="1371600" algn="l" defTabSz="457200" rtl="0" eaLnBrk="1" latinLnBrk="0" hangingPunct="1">
         <a:defRPr sz="1800" kern="1200">
           <a:solidFill>
             <a:schemeClr val="tx1"/>
@@ -3753,7 +5764,7 @@
           <a:cs typeface="+mn-cs"/>
         </a:defRPr>
       </a:lvl4pPr>
-      <a:lvl5pPr marL="1828800" algn="l" defTabSz="914400" rtl="0" eaLnBrk="1" latinLnBrk="0" hangingPunct="1">
+      <a:lvl5pPr marL="1828800" algn="l" defTabSz="457200" rtl="0" eaLnBrk="1" latinLnBrk="0" hangingPunct="1">
         <a:defRPr sz="1800" kern="1200">
           <a:solidFill>
             <a:schemeClr val="tx1"/>
@@ -3763,7 +5774,7 @@
           <a:cs typeface="+mn-cs"/>
         </a:defRPr>
       </a:lvl5pPr>
-      <a:lvl6pPr marL="2286000" algn="l" defTabSz="914400" rtl="0" eaLnBrk="1" latinLnBrk="0" hangingPunct="1">
+      <a:lvl6pPr marL="2286000" algn="l" defTabSz="457200" rtl="0" eaLnBrk="1" latinLnBrk="0" hangingPunct="1">
         <a:defRPr sz="1800" kern="1200">
           <a:solidFill>
             <a:schemeClr val="tx1"/>
@@ -3773,7 +5784,7 @@
           <a:cs typeface="+mn-cs"/>
         </a:defRPr>
       </a:lvl6pPr>
-      <a:lvl7pPr marL="2743200" algn="l" defTabSz="914400" rtl="0" eaLnBrk="1" latinLnBrk="0" hangingPunct="1">
+      <a:lvl7pPr marL="2743200" algn="l" defTabSz="457200" rtl="0" eaLnBrk="1" latinLnBrk="0" hangingPunct="1">
         <a:defRPr sz="1800" kern="1200">
           <a:solidFill>
             <a:schemeClr val="tx1"/>
@@ -3783,7 +5794,7 @@
           <a:cs typeface="+mn-cs"/>
         </a:defRPr>
       </a:lvl7pPr>
-      <a:lvl8pPr marL="3200400" algn="l" defTabSz="914400" rtl="0" eaLnBrk="1" latinLnBrk="0" hangingPunct="1">
+      <a:lvl8pPr marL="3200400" algn="l" defTabSz="457200" rtl="0" eaLnBrk="1" latinLnBrk="0" hangingPunct="1">
         <a:defRPr sz="1800" kern="1200">
           <a:solidFill>
             <a:schemeClr val="tx1"/>
@@ -3793,7 +5804,7 @@
           <a:cs typeface="+mn-cs"/>
         </a:defRPr>
       </a:lvl8pPr>
-      <a:lvl9pPr marL="3657600" algn="l" defTabSz="914400" rtl="0" eaLnBrk="1" latinLnBrk="0" hangingPunct="1">
+      <a:lvl9pPr marL="3657600" algn="l" defTabSz="457200" rtl="0" eaLnBrk="1" latinLnBrk="0" hangingPunct="1">
         <a:defRPr sz="1800" kern="1200">
           <a:solidFill>
             <a:schemeClr val="tx1"/>
@@ -4545,7 +6556,7 @@
         <p:spPr/>
         <p:txBody>
           <a:bodyPr>
-            <a:normAutofit/>
+            <a:normAutofit fontScale="92500" lnSpcReduction="10000"/>
           </a:bodyPr>
           <a:lstStyle/>
           <a:p>
@@ -4713,7 +6724,7 @@
         <p:spPr/>
         <p:txBody>
           <a:bodyPr>
-            <a:normAutofit/>
+            <a:normAutofit fontScale="85000" lnSpcReduction="10000"/>
           </a:bodyPr>
           <a:lstStyle/>
           <a:p>
@@ -5354,7 +7365,7 @@
         </p:spPr>
         <p:txBody>
           <a:bodyPr>
-            <a:normAutofit fontScale="92500" lnSpcReduction="10000"/>
+            <a:normAutofit/>
           </a:bodyPr>
           <a:lstStyle/>
           <a:p>
@@ -5971,62 +7982,62 @@
 </file>
 
 <file path=ppt/theme/theme1.xml><?xml version="1.0" encoding="utf-8"?>
-<a:theme xmlns:a="http://schemas.openxmlformats.org/drawingml/2006/main" name="Retrospect">
+<a:theme xmlns:a="http://schemas.openxmlformats.org/drawingml/2006/main" name="Facet">
   <a:themeElements>
-    <a:clrScheme name="Retrospect">
+    <a:clrScheme name="Facet">
       <a:dk1>
-        <a:srgbClr val="000000"/>
+        <a:sysClr val="windowText" lastClr="000000"/>
       </a:dk1>
       <a:lt1>
         <a:sysClr val="window" lastClr="FFFFFF"/>
       </a:lt1>
       <a:dk2>
-        <a:srgbClr val="637052"/>
+        <a:srgbClr val="2C3C43"/>
       </a:dk2>
       <a:lt2>
-        <a:srgbClr val="CCDDEA"/>
+        <a:srgbClr val="EBEBEB"/>
       </a:lt2>
       <a:accent1>
-        <a:srgbClr val="E48312"/>
+        <a:srgbClr val="90C226"/>
       </a:accent1>
       <a:accent2>
-        <a:srgbClr val="BD582C"/>
+        <a:srgbClr val="54A021"/>
       </a:accent2>
       <a:accent3>
-        <a:srgbClr val="865640"/>
+        <a:srgbClr val="E6B91E"/>
       </a:accent3>
       <a:accent4>
-        <a:srgbClr val="9B8357"/>
+        <a:srgbClr val="E76618"/>
       </a:accent4>
       <a:accent5>
-        <a:srgbClr val="C2BC80"/>
+        <a:srgbClr val="C42F1A"/>
       </a:accent5>
       <a:accent6>
-        <a:srgbClr val="94A088"/>
+        <a:srgbClr val="918655"/>
       </a:accent6>
       <a:hlink>
-        <a:srgbClr val="2998E3"/>
+        <a:srgbClr val="99CA3C"/>
       </a:hlink>
       <a:folHlink>
-        <a:srgbClr val="8C8C8C"/>
+        <a:srgbClr val="B9D181"/>
       </a:folHlink>
     </a:clrScheme>
-    <a:fontScheme name="Retrospect">
+    <a:fontScheme name="Facet">
       <a:majorFont>
-        <a:latin typeface="Calibri Light" panose="020F0302020204030204"/>
+        <a:latin typeface="Trebuchet MS" panose="020B0603020202020204"/>
         <a:ea typeface=""/>
         <a:cs typeface=""/>
-        <a:font script="Jpan" typeface="ＭＳ Ｐゴシック"/>
+        <a:font script="Jpan" typeface="メイリオ"/>
         <a:font script="Hang" typeface="맑은 고딕"/>
-        <a:font script="Hans" typeface="宋体"/>
-        <a:font script="Hant" typeface="新細明體"/>
-        <a:font script="Arab" typeface="Times New Roman"/>
-        <a:font script="Hebr" typeface="Times New Roman"/>
-        <a:font script="Thai" typeface="Angsana New"/>
+        <a:font script="Hans" typeface="方正姚体"/>
+        <a:font script="Hant" typeface="微軟正黑體"/>
+        <a:font script="Arab" typeface="Tahoma"/>
+        <a:font script="Hebr" typeface="Arial"/>
+        <a:font script="Thai" typeface="Cordia New"/>
         <a:font script="Ethi" typeface="Nyala"/>
         <a:font script="Beng" typeface="Vrinda"/>
         <a:font script="Gujr" typeface="Shruti"/>
-        <a:font script="Khmr" typeface="MoolBoran"/>
+        <a:font script="Khmr" typeface="DaunPenh"/>
         <a:font script="Knda" typeface="Tunga"/>
         <a:font script="Guru" typeface="Raavi"/>
         <a:font script="Cans" typeface="Euphemia"/>
@@ -6043,21 +8054,21 @@
         <a:font script="Laoo" typeface="DokChampa"/>
         <a:font script="Sinh" typeface="Iskoola Pota"/>
         <a:font script="Mong" typeface="Mongolian Baiti"/>
-        <a:font script="Viet" typeface="Times New Roman"/>
+        <a:font script="Viet" typeface="Tahoma"/>
         <a:font script="Uigh" typeface="Microsoft Uighur"/>
         <a:font script="Geor" typeface="Sylfaen"/>
       </a:majorFont>
       <a:minorFont>
-        <a:latin typeface="Calibri" panose="020F0502020204030204"/>
+        <a:latin typeface="Trebuchet MS" panose="020B0603020202020204"/>
         <a:ea typeface=""/>
         <a:cs typeface=""/>
-        <a:font script="Jpan" typeface="ＭＳ Ｐゴシック"/>
-        <a:font script="Hang" typeface="맑은 고딕"/>
-        <a:font script="Hans" typeface="宋体"/>
-        <a:font script="Hant" typeface="新細明體"/>
-        <a:font script="Arab" typeface="Arial"/>
-        <a:font script="Hebr" typeface="Arial"/>
-        <a:font script="Thai" typeface="Cordia New"/>
+        <a:font script="Jpan" typeface="メイリオ"/>
+        <a:font script="Hang" typeface="HY그래픽M"/>
+        <a:font script="Hans" typeface="华文新魏"/>
+        <a:font script="Hant" typeface="微軟正黑體"/>
+        <a:font script="Arab" typeface="Tahoma"/>
+        <a:font script="Hebr" typeface="Gisha"/>
+        <a:font script="Thai" typeface="IrisUPC"/>
         <a:font script="Ethi" typeface="Nyala"/>
         <a:font script="Beng" typeface="Vrinda"/>
         <a:font script="Gujr" typeface="Shruti"/>
@@ -6083,7 +8094,7 @@
         <a:font script="Geor" typeface="Sylfaen"/>
       </a:minorFont>
     </a:fontScheme>
-    <a:fmtScheme name="Retrospect">
+    <a:fmtScheme name="Facet">
       <a:fillStyleLst>
         <a:solidFill>
           <a:schemeClr val="phClr"/>
@@ -6093,76 +8104,49 @@
             <a:gs pos="0">
               <a:schemeClr val="phClr">
                 <a:tint val="65000"/>
-                <a:shade val="92000"/>
-                <a:satMod val="130000"/>
+                <a:lumMod val="110000"/>
               </a:schemeClr>
             </a:gs>
-            <a:gs pos="45000">
+            <a:gs pos="88000">
               <a:schemeClr val="phClr">
-                <a:tint val="60000"/>
-                <a:shade val="99000"/>
-                <a:satMod val="120000"/>
-              </a:schemeClr>
-            </a:gs>
-            <a:gs pos="100000">
-              <a:schemeClr val="phClr">
-                <a:tint val="55000"/>
-                <a:satMod val="140000"/>
+                <a:tint val="90000"/>
               </a:schemeClr>
             </a:gs>
           </a:gsLst>
-          <a:path path="circle">
-            <a:fillToRect l="100000" t="100000" r="100000" b="100000"/>
-          </a:path>
+          <a:lin ang="5400000" scaled="0"/>
         </a:gradFill>
         <a:gradFill rotWithShape="1">
           <a:gsLst>
             <a:gs pos="0">
               <a:schemeClr val="phClr">
-                <a:shade val="85000"/>
-                <a:satMod val="130000"/>
+                <a:tint val="96000"/>
+                <a:lumMod val="100000"/>
               </a:schemeClr>
             </a:gs>
-            <a:gs pos="34000">
+            <a:gs pos="78000">
               <a:schemeClr val="phClr">
-                <a:shade val="87000"/>
-                <a:satMod val="125000"/>
-              </a:schemeClr>
-            </a:gs>
-            <a:gs pos="70000">
-              <a:schemeClr val="phClr">
-                <a:tint val="100000"/>
-                <a:shade val="90000"/>
-                <a:satMod val="130000"/>
-              </a:schemeClr>
-            </a:gs>
-            <a:gs pos="100000">
-              <a:schemeClr val="phClr">
-                <a:tint val="100000"/>
-                <a:shade val="100000"/>
-                <a:satMod val="110000"/>
+                <a:shade val="94000"/>
+                <a:lumMod val="94000"/>
               </a:schemeClr>
             </a:gs>
           </a:gsLst>
-          <a:path path="circle">
-            <a:fillToRect l="100000" t="100000" r="100000" b="100000"/>
-          </a:path>
+          <a:lin ang="5400000" scaled="0"/>
         </a:gradFill>
       </a:fillStyleLst>
       <a:lnStyleLst>
-        <a:ln w="12700" cap="flat" cmpd="sng" algn="ctr">
+        <a:ln w="12700" cap="rnd" cmpd="sng" algn="ctr">
           <a:solidFill>
             <a:schemeClr val="phClr"/>
           </a:solidFill>
           <a:prstDash val="solid"/>
         </a:ln>
-        <a:ln w="15875" cap="flat" cmpd="sng" algn="ctr">
+        <a:ln w="19050" cap="rnd" cmpd="sng" algn="ctr">
           <a:solidFill>
             <a:schemeClr val="phClr"/>
           </a:solidFill>
           <a:prstDash val="solid"/>
         </a:ln>
-        <a:ln w="25400" cap="flat" cmpd="sng" algn="ctr">
+        <a:ln w="25400" cap="rnd" cmpd="sng" algn="ctr">
           <a:solidFill>
             <a:schemeClr val="phClr"/>
           </a:solidFill>
@@ -6175,18 +8159,18 @@
         </a:effectStyle>
         <a:effectStyle>
           <a:effectLst>
-            <a:outerShdw blurRad="38100" dist="25400" dir="2700000" algn="br" rotWithShape="0">
+            <a:outerShdw blurRad="38100" dist="25400" dir="5400000" rotWithShape="0">
               <a:srgbClr val="000000">
-                <a:alpha val="60000"/>
+                <a:alpha val="35000"/>
               </a:srgbClr>
             </a:outerShdw>
           </a:effectLst>
         </a:effectStyle>
         <a:effectStyle>
           <a:effectLst>
-            <a:outerShdw blurRad="44450" dist="25400" dir="2700000" algn="br" rotWithShape="0">
+            <a:outerShdw blurRad="50800" dist="38100" dir="5400000" rotWithShape="0">
               <a:srgbClr val="000000">
-                <a:alpha val="60000"/>
+                <a:alpha val="35000"/>
               </a:srgbClr>
             </a:outerShdw>
           </a:effectLst>
@@ -6194,12 +8178,10 @@
             <a:camera prst="orthographicFront">
               <a:rot lat="0" lon="0" rev="0"/>
             </a:camera>
-            <a:lightRig rig="threePt" dir="t">
-              <a:rot lat="0" lon="0" rev="19800000"/>
-            </a:lightRig>
+            <a:lightRig rig="threePt" dir="tl"/>
           </a:scene3d>
-          <a:sp3d prstMaterial="flat">
-            <a:bevelT w="25400" h="31750"/>
+          <a:sp3d prstMaterial="plastic">
+            <a:bevelT w="0" h="0"/>
           </a:sp3d>
         </a:effectStyle>
       </a:effectStyleLst>
@@ -6207,38 +8189,41 @@
         <a:solidFill>
           <a:schemeClr val="phClr"/>
         </a:solidFill>
-        <a:solidFill>
-          <a:schemeClr val="phClr">
-            <a:tint val="90000"/>
-            <a:shade val="97000"/>
-            <a:satMod val="130000"/>
-          </a:schemeClr>
-        </a:solidFill>
         <a:gradFill rotWithShape="1">
           <a:gsLst>
             <a:gs pos="0">
               <a:schemeClr val="phClr">
-                <a:tint val="96000"/>
-                <a:shade val="99000"/>
-                <a:satMod val="140000"/>
+                <a:tint val="90000"/>
+                <a:lumMod val="104000"/>
               </a:schemeClr>
             </a:gs>
-            <a:gs pos="65000">
+            <a:gs pos="94000">
               <a:schemeClr val="phClr">
-                <a:tint val="100000"/>
-                <a:shade val="80000"/>
-                <a:satMod val="130000"/>
+                <a:shade val="96000"/>
+                <a:lumMod val="82000"/>
+              </a:schemeClr>
+            </a:gs>
+          </a:gsLst>
+          <a:lin ang="5400000" scaled="0"/>
+        </a:gradFill>
+        <a:gradFill rotWithShape="1">
+          <a:gsLst>
+            <a:gs pos="0">
+              <a:schemeClr val="phClr">
+                <a:tint val="90000"/>
+                <a:lumMod val="110000"/>
               </a:schemeClr>
             </a:gs>
             <a:gs pos="100000">
               <a:schemeClr val="phClr">
-                <a:tint val="100000"/>
-                <a:shade val="48000"/>
-                <a:satMod val="120000"/>
+                <a:shade val="94000"/>
+                <a:lumMod val="96000"/>
               </a:schemeClr>
             </a:gs>
           </a:gsLst>
-          <a:lin ang="16200000" scaled="0"/>
+          <a:path path="circle">
+            <a:fillToRect l="50000" t="50000" r="100000" b="100000"/>
+          </a:path>
         </a:gradFill>
       </a:bgFillStyleLst>
     </a:fmtScheme>
@@ -6247,7 +8232,7 @@
   <a:extraClrSchemeLst/>
   <a:extLst>
     <a:ext uri="{05A4C25C-085E-4340-85A3-A5531E510DB2}">
-      <thm15:themeFamily xmlns:thm15="http://schemas.microsoft.com/office/thememl/2012/main" name="Retrospect" id="{5F128B03-DCCA-4EEB-AB3B-CF2899314A46}" vid="{3F1AAB62-24C6-49D2-8E01-B56FAC9A3DCD}"/>
+      <thm15:themeFamily xmlns:thm15="http://schemas.microsoft.com/office/thememl/2012/main" name="Facet" id="{C0C680CD-088A-49FC-A102-D699147F32B2}" vid="{CFBC31BA-B70F-4F30-BCAA-4F3011E16C4D}"/>
     </a:ext>
   </a:extLst>
 </a:theme>
